--- a/session-6-hdfe/Session 7 - High Dimensional Fixed Effects final.pptx
+++ b/session-6-hdfe/Session 7 - High Dimensional Fixed Effects final.pptx
@@ -272,6 +272,9 @@
           </p15:clr>
         </p15:guide>
       </p15:sldGuideLst>
+    </p:ext>
+    <p:ext uri="{2D200454-40CA-4A62-9FC3-DE9A4176ACB9}">
+      <p15:notesGuideLst xmlns:p15="http://schemas.microsoft.com/office/powerpoint/2012/main"/>
     </p:ext>
   </p:extLst>
 </p:presentation>
@@ -1909,256 +1912,7 @@
 </p:notes>
 </file>
 
-<file path=ppt/notesSlides/notesSlide2.xml><?xml version="1.0" encoding="utf-8"?>
-<p:notes xmlns:a="http://schemas.openxmlformats.org/drawingml/2006/main" xmlns:r="http://schemas.openxmlformats.org/officeDocument/2006/relationships" xmlns:p="http://schemas.openxmlformats.org/presentationml/2006/main">
-  <p:cSld>
-    <p:spTree>
-      <p:nvGrpSpPr>
-        <p:cNvPr id="1" name=""/>
-        <p:cNvGrpSpPr/>
-        <p:nvPr/>
-      </p:nvGrpSpPr>
-      <p:grpSpPr>
-        <a:xfrm>
-          <a:off x="0" y="0"/>
-          <a:ext cx="0" cy="0"/>
-          <a:chOff x="0" y="0"/>
-          <a:chExt cx="0" cy="0"/>
-        </a:xfrm>
-      </p:grpSpPr>
-      <p:sp>
-        <p:nvSpPr>
-          <p:cNvPr id="2" name="Slide Image Placeholder 1"/>
-          <p:cNvSpPr>
-            <a:spLocks noGrp="1" noRot="1" noChangeAspect="1"/>
-          </p:cNvSpPr>
-          <p:nvPr>
-            <p:ph type="sldImg"/>
-          </p:nvPr>
-        </p:nvSpPr>
-        <p:spPr/>
-      </p:sp>
-      <p:sp>
-        <p:nvSpPr>
-          <p:cNvPr id="3" name="Notes Placeholder 2"/>
-          <p:cNvSpPr>
-            <a:spLocks noGrp="1"/>
-          </p:cNvSpPr>
-          <p:nvPr>
-            <p:ph type="body" idx="1"/>
-          </p:nvPr>
-        </p:nvSpPr>
-        <p:spPr/>
-        <p:txBody>
-          <a:bodyPr/>
-          <a:lstStyle/>
-          <a:p>
-            <a:pPr marL="285750" indent="-285750">
-              <a:lnSpc>
-                <a:spcPct val="90000"/>
-              </a:lnSpc>
-              <a:spcBef>
-                <a:spcPts val="1000"/>
-              </a:spcBef>
-              <a:buChar char="•"/>
-            </a:pPr>
-            <a:r>
-              <a:rPr lang="en-US"/>
-              <a:t>All these things turn procedural unspoken knowledge into explicit, declarative and executable specifications</a:t>
-            </a:r>
-          </a:p>
-        </p:txBody>
-      </p:sp>
-      <p:sp>
-        <p:nvSpPr>
-          <p:cNvPr id="4" name="Slide Number Placeholder 3"/>
-          <p:cNvSpPr>
-            <a:spLocks noGrp="1"/>
-          </p:cNvSpPr>
-          <p:nvPr>
-            <p:ph type="sldNum" idx="12"/>
-          </p:nvPr>
-        </p:nvSpPr>
-        <p:spPr/>
-        <p:txBody>
-          <a:bodyPr/>
-          <a:lstStyle/>
-          <a:p>
-            <a:pPr marL="0" marR="0" lvl="0" indent="0" algn="r" rtl="0">
-              <a:lnSpc>
-                <a:spcPct val="100000"/>
-              </a:lnSpc>
-              <a:spcBef>
-                <a:spcPts val="0"/>
-              </a:spcBef>
-              <a:spcAft>
-                <a:spcPts val="0"/>
-              </a:spcAft>
-              <a:buClr>
-                <a:srgbClr val="000000"/>
-              </a:buClr>
-              <a:buSzPts val="1200"/>
-              <a:buFont typeface="Arial"/>
-              <a:buNone/>
-            </a:pPr>
-            <a:fld id="{00000000-1234-1234-1234-123412341234}" type="slidenum">
-              <a:rPr lang="en-US" sz="1200" b="0" i="0" u="none" strike="noStrike" cap="none">
-                <a:solidFill>
-                  <a:schemeClr val="dk1"/>
-                </a:solidFill>
-                <a:latin typeface="Calibri"/>
-                <a:ea typeface="Calibri"/>
-                <a:cs typeface="Calibri"/>
-                <a:sym typeface="Calibri"/>
-              </a:rPr>
-              <a:t>3</a:t>
-            </a:fld>
-            <a:endParaRPr lang="en-US" sz="1200" b="0" i="0" u="none" strike="noStrike" cap="none">
-              <a:solidFill>
-                <a:schemeClr val="dk1"/>
-              </a:solidFill>
-              <a:latin typeface="Calibri"/>
-              <a:ea typeface="Calibri"/>
-              <a:cs typeface="Calibri"/>
-              <a:sym typeface="Calibri"/>
-            </a:endParaRPr>
-          </a:p>
-        </p:txBody>
-      </p:sp>
-    </p:spTree>
-    <p:extLst>
-      <p:ext uri="{BB962C8B-B14F-4D97-AF65-F5344CB8AC3E}">
-        <p14:creationId xmlns:p14="http://schemas.microsoft.com/office/powerpoint/2010/main" val="1958096833"/>
-      </p:ext>
-    </p:extLst>
-  </p:cSld>
-  <p:clrMapOvr>
-    <a:masterClrMapping/>
-  </p:clrMapOvr>
-</p:notes>
-</file>
-
-<file path=ppt/notesSlides/notesSlide3.xml><?xml version="1.0" encoding="utf-8"?>
-<p:notes xmlns:a="http://schemas.openxmlformats.org/drawingml/2006/main" xmlns:r="http://schemas.openxmlformats.org/officeDocument/2006/relationships" xmlns:p="http://schemas.openxmlformats.org/presentationml/2006/main">
-  <p:cSld>
-    <p:spTree>
-      <p:nvGrpSpPr>
-        <p:cNvPr id="1" name=""/>
-        <p:cNvGrpSpPr/>
-        <p:nvPr/>
-      </p:nvGrpSpPr>
-      <p:grpSpPr>
-        <a:xfrm>
-          <a:off x="0" y="0"/>
-          <a:ext cx="0" cy="0"/>
-          <a:chOff x="0" y="0"/>
-          <a:chExt cx="0" cy="0"/>
-        </a:xfrm>
-      </p:grpSpPr>
-      <p:sp>
-        <p:nvSpPr>
-          <p:cNvPr id="2" name="Slide Image Placeholder 1"/>
-          <p:cNvSpPr>
-            <a:spLocks noGrp="1" noRot="1" noChangeAspect="1"/>
-          </p:cNvSpPr>
-          <p:nvPr>
-            <p:ph type="sldImg"/>
-          </p:nvPr>
-        </p:nvSpPr>
-        <p:spPr/>
-      </p:sp>
-      <p:sp>
-        <p:nvSpPr>
-          <p:cNvPr id="3" name="Notes Placeholder 2"/>
-          <p:cNvSpPr>
-            <a:spLocks noGrp="1"/>
-          </p:cNvSpPr>
-          <p:nvPr>
-            <p:ph type="body" idx="1"/>
-          </p:nvPr>
-        </p:nvSpPr>
-        <p:spPr/>
-        <p:txBody>
-          <a:bodyPr/>
-          <a:lstStyle/>
-          <a:p>
-            <a:r>
-              <a:rPr lang="en-US" dirty="0"/>
-              <a:t>https://twitter.com/nickchk/status/1067136328859439104?s=20</a:t>
-            </a:r>
-          </a:p>
-        </p:txBody>
-      </p:sp>
-      <p:sp>
-        <p:nvSpPr>
-          <p:cNvPr id="4" name="Slide Number Placeholder 3"/>
-          <p:cNvSpPr>
-            <a:spLocks noGrp="1"/>
-          </p:cNvSpPr>
-          <p:nvPr>
-            <p:ph type="sldNum" idx="12"/>
-          </p:nvPr>
-        </p:nvSpPr>
-        <p:spPr/>
-        <p:txBody>
-          <a:bodyPr/>
-          <a:lstStyle/>
-          <a:p>
-            <a:pPr marL="0" marR="0" lvl="0" indent="0" algn="r" rtl="0">
-              <a:lnSpc>
-                <a:spcPct val="100000"/>
-              </a:lnSpc>
-              <a:spcBef>
-                <a:spcPts val="0"/>
-              </a:spcBef>
-              <a:spcAft>
-                <a:spcPts val="0"/>
-              </a:spcAft>
-              <a:buClr>
-                <a:srgbClr val="000000"/>
-              </a:buClr>
-              <a:buSzPts val="1200"/>
-              <a:buFont typeface="Arial"/>
-              <a:buNone/>
-            </a:pPr>
-            <a:fld id="{00000000-1234-1234-1234-123412341234}" type="slidenum">
-              <a:rPr lang="en-US" sz="1200" b="0" i="0" u="none" strike="noStrike" cap="none" smtClean="0">
-                <a:solidFill>
-                  <a:schemeClr val="dk1"/>
-                </a:solidFill>
-                <a:latin typeface="Calibri"/>
-                <a:ea typeface="Calibri"/>
-                <a:cs typeface="Calibri"/>
-                <a:sym typeface="Calibri"/>
-              </a:rPr>
-              <a:t>5</a:t>
-            </a:fld>
-            <a:endParaRPr lang="en-US" sz="1200" b="0" i="0" u="none" strike="noStrike" cap="none">
-              <a:solidFill>
-                <a:schemeClr val="dk1"/>
-              </a:solidFill>
-              <a:latin typeface="Calibri"/>
-              <a:ea typeface="Calibri"/>
-              <a:cs typeface="Calibri"/>
-              <a:sym typeface="Calibri"/>
-            </a:endParaRPr>
-          </a:p>
-        </p:txBody>
-      </p:sp>
-    </p:spTree>
-    <p:extLst>
-      <p:ext uri="{BB962C8B-B14F-4D97-AF65-F5344CB8AC3E}">
-        <p14:creationId xmlns:p14="http://schemas.microsoft.com/office/powerpoint/2010/main" val="553797516"/>
-      </p:ext>
-    </p:extLst>
-  </p:cSld>
-  <p:clrMapOvr>
-    <a:masterClrMapping/>
-  </p:clrMapOvr>
-</p:notes>
-</file>
-
-<file path=ppt/notesSlides/notesSlide4.xml><?xml version="1.0" encoding="utf-8"?>
+<file path=ppt/notesSlides/notesSlide10.xml><?xml version="1.0" encoding="utf-8"?>
 <p:notes xmlns:a="http://schemas.openxmlformats.org/drawingml/2006/main" xmlns:r="http://schemas.openxmlformats.org/officeDocument/2006/relationships" xmlns:p="http://schemas.openxmlformats.org/presentationml/2006/main" showMasterSp="0" showMasterPhAnim="0">
   <p:cSld>
     <p:spTree>
@@ -2316,7 +2070,7 @@
             </a:pPr>
             <a:fld id="{00000000-1234-1234-1234-123412341234}" type="slidenum">
               <a:rPr lang="en-US"/>
-              <a:t>12</a:t>
+              <a:t>16</a:t>
             </a:fld>
             <a:endParaRPr/>
           </a:p>
@@ -2325,7 +2079,7 @@
     </p:spTree>
     <p:extLst>
       <p:ext uri="{BB962C8B-B14F-4D97-AF65-F5344CB8AC3E}">
-        <p14:creationId xmlns:p14="http://schemas.microsoft.com/office/powerpoint/2010/main" val="1390414966"/>
+        <p14:creationId xmlns:p14="http://schemas.microsoft.com/office/powerpoint/2010/main" val="774171994"/>
       </p:ext>
     </p:extLst>
   </p:cSld>
@@ -2335,12 +2089,12 @@
 </p:notes>
 </file>
 
-<file path=ppt/notesSlides/notesSlide5.xml><?xml version="1.0" encoding="utf-8"?>
-<p:notes xmlns:a="http://schemas.openxmlformats.org/drawingml/2006/main" xmlns:r="http://schemas.openxmlformats.org/officeDocument/2006/relationships" xmlns:p="http://schemas.openxmlformats.org/presentationml/2006/main" showMasterSp="0" showMasterPhAnim="0">
+<file path=ppt/notesSlides/notesSlide2.xml><?xml version="1.0" encoding="utf-8"?>
+<p:notes xmlns:a="http://schemas.openxmlformats.org/drawingml/2006/main" xmlns:r="http://schemas.openxmlformats.org/officeDocument/2006/relationships" xmlns:p="http://schemas.openxmlformats.org/presentationml/2006/main">
   <p:cSld>
     <p:spTree>
       <p:nvGrpSpPr>
-        <p:cNvPr id="1" name="Shape 125"/>
+        <p:cNvPr id="1" name=""/>
         <p:cNvGrpSpPr/>
         <p:nvPr/>
       </p:nvGrpSpPr>
@@ -2354,155 +2108,455 @@
       </p:grpSpPr>
       <p:sp>
         <p:nvSpPr>
-          <p:cNvPr id="126" name="Google Shape;126;ge6d407e7a1_0_85:notes"/>
+          <p:cNvPr id="2" name="Slide Image Placeholder 1"/>
           <p:cNvSpPr>
             <a:spLocks noGrp="1" noRot="1" noChangeAspect="1"/>
           </p:cNvSpPr>
           <p:nvPr>
-            <p:ph type="sldImg" idx="2"/>
+            <p:ph type="sldImg"/>
           </p:nvPr>
         </p:nvSpPr>
-        <p:spPr>
-          <a:xfrm>
-            <a:off x="1195388" y="692150"/>
-            <a:ext cx="4619625" cy="3463925"/>
-          </a:xfrm>
-          <a:custGeom>
-            <a:avLst/>
-            <a:gdLst/>
-            <a:ahLst/>
-            <a:cxnLst/>
-            <a:rect l="l" t="t" r="r" b="b"/>
-            <a:pathLst>
-              <a:path w="120000" h="120000" extrusionOk="0">
-                <a:moveTo>
-                  <a:pt x="0" y="0"/>
-                </a:moveTo>
-                <a:lnTo>
-                  <a:pt x="120000" y="0"/>
-                </a:lnTo>
-                <a:lnTo>
-                  <a:pt x="120000" y="120000"/>
-                </a:lnTo>
-                <a:lnTo>
-                  <a:pt x="0" y="120000"/>
-                </a:lnTo>
-                <a:close/>
-              </a:path>
-            </a:pathLst>
-          </a:custGeom>
-          <a:noFill/>
-          <a:ln w="12700" cap="flat" cmpd="sng">
-            <a:solidFill>
-              <a:srgbClr val="000000"/>
-            </a:solidFill>
-            <a:prstDash val="solid"/>
-            <a:round/>
-            <a:headEnd type="none" w="sm" len="sm"/>
-            <a:tailEnd type="none" w="sm" len="sm"/>
-          </a:ln>
-        </p:spPr>
+        <p:spPr/>
       </p:sp>
       <p:sp>
         <p:nvSpPr>
-          <p:cNvPr id="127" name="Google Shape;127;ge6d407e7a1_0_85:notes"/>
-          <p:cNvSpPr txBox="1">
+          <p:cNvPr id="3" name="Notes Placeholder 2"/>
+          <p:cNvSpPr>
             <a:spLocks noGrp="1"/>
           </p:cNvSpPr>
           <p:nvPr>
             <p:ph type="body" idx="1"/>
           </p:nvPr>
         </p:nvSpPr>
-        <p:spPr>
-          <a:xfrm>
-            <a:off x="701040" y="4387136"/>
-            <a:ext cx="5608200" cy="4156200"/>
-          </a:xfrm>
-          <a:prstGeom prst="rect">
-            <a:avLst/>
-          </a:prstGeom>
-          <a:noFill/>
-          <a:ln>
-            <a:noFill/>
-          </a:ln>
-        </p:spPr>
+        <p:spPr/>
         <p:txBody>
-          <a:bodyPr spcFirstLastPara="1" wrap="square" lIns="93175" tIns="46575" rIns="93175" bIns="46575" anchor="t" anchorCtr="0">
-            <a:noAutofit/>
-          </a:bodyPr>
+          <a:bodyPr/>
           <a:lstStyle/>
           <a:p>
-            <a:pPr marL="0" lvl="0" indent="0" algn="l" rtl="0">
-              <a:lnSpc>
-                <a:spcPct val="100000"/>
-              </a:lnSpc>
-              <a:spcBef>
-                <a:spcPts val="0"/>
-              </a:spcBef>
-              <a:spcAft>
-                <a:spcPts val="0"/>
-              </a:spcAft>
-              <a:buSzPts val="1400"/>
-              <a:buNone/>
-            </a:pPr>
-            <a:endParaRPr dirty="0"/>
+            <a:endParaRPr lang="en-US"/>
           </a:p>
         </p:txBody>
       </p:sp>
       <p:sp>
         <p:nvSpPr>
-          <p:cNvPr id="128" name="Google Shape;128;ge6d407e7a1_0_85:notes"/>
-          <p:cNvSpPr txBox="1">
+          <p:cNvPr id="4" name="Slide Number Placeholder 3"/>
+          <p:cNvSpPr>
             <a:spLocks noGrp="1"/>
           </p:cNvSpPr>
           <p:nvPr>
             <p:ph type="sldNum" idx="12"/>
           </p:nvPr>
         </p:nvSpPr>
-        <p:spPr>
-          <a:xfrm>
-            <a:off x="3970938" y="8772669"/>
-            <a:ext cx="3037800" cy="461700"/>
-          </a:xfrm>
-          <a:prstGeom prst="rect">
-            <a:avLst/>
-          </a:prstGeom>
-          <a:noFill/>
-          <a:ln>
-            <a:noFill/>
-          </a:ln>
-        </p:spPr>
+        <p:spPr/>
         <p:txBody>
-          <a:bodyPr spcFirstLastPara="1" wrap="square" lIns="93175" tIns="46575" rIns="93175" bIns="46575" anchor="b" anchorCtr="0">
-            <a:noAutofit/>
-          </a:bodyPr>
+          <a:bodyPr/>
           <a:lstStyle/>
           <a:p>
-            <a:pPr marL="0" lvl="0" indent="0" algn="r" rtl="0">
-              <a:lnSpc>
-                <a:spcPct val="100000"/>
-              </a:lnSpc>
-              <a:spcBef>
-                <a:spcPts val="0"/>
-              </a:spcBef>
-              <a:spcAft>
-                <a:spcPts val="0"/>
-              </a:spcAft>
-              <a:buSzPts val="1400"/>
+            <a:pPr marL="0" marR="0" lvl="0" indent="0" algn="r" rtl="0">
+              <a:lnSpc>
+                <a:spcPct val="100000"/>
+              </a:lnSpc>
+              <a:spcBef>
+                <a:spcPts val="0"/>
+              </a:spcBef>
+              <a:spcAft>
+                <a:spcPts val="0"/>
+              </a:spcAft>
+              <a:buClr>
+                <a:srgbClr val="000000"/>
+              </a:buClr>
+              <a:buSzPts val="1200"/>
+              <a:buFont typeface="Arial"/>
               <a:buNone/>
             </a:pPr>
             <a:fld id="{00000000-1234-1234-1234-123412341234}" type="slidenum">
-              <a:rPr lang="en-US"/>
-              <a:t>13</a:t>
+              <a:rPr lang="en-US" sz="1200" b="0" i="0" u="none" strike="noStrike" cap="none" smtClean="0">
+                <a:solidFill>
+                  <a:schemeClr val="dk1"/>
+                </a:solidFill>
+                <a:latin typeface="Calibri"/>
+                <a:ea typeface="Calibri"/>
+                <a:cs typeface="Calibri"/>
+                <a:sym typeface="Calibri"/>
+              </a:rPr>
+              <a:t>2</a:t>
             </a:fld>
-            <a:endParaRPr/>
+            <a:endParaRPr lang="en-US" sz="1200" b="0" i="0" u="none" strike="noStrike" cap="none">
+              <a:solidFill>
+                <a:schemeClr val="dk1"/>
+              </a:solidFill>
+              <a:latin typeface="Calibri"/>
+              <a:ea typeface="Calibri"/>
+              <a:cs typeface="Calibri"/>
+              <a:sym typeface="Calibri"/>
+            </a:endParaRPr>
           </a:p>
         </p:txBody>
       </p:sp>
     </p:spTree>
     <p:extLst>
       <p:ext uri="{BB962C8B-B14F-4D97-AF65-F5344CB8AC3E}">
-        <p14:creationId xmlns:p14="http://schemas.microsoft.com/office/powerpoint/2010/main" val="328021311"/>
+        <p14:creationId xmlns:p14="http://schemas.microsoft.com/office/powerpoint/2010/main" val="4037932619"/>
+      </p:ext>
+    </p:extLst>
+  </p:cSld>
+  <p:clrMapOvr>
+    <a:masterClrMapping/>
+  </p:clrMapOvr>
+</p:notes>
+</file>
+
+<file path=ppt/notesSlides/notesSlide3.xml><?xml version="1.0" encoding="utf-8"?>
+<p:notes xmlns:a="http://schemas.openxmlformats.org/drawingml/2006/main" xmlns:r="http://schemas.openxmlformats.org/officeDocument/2006/relationships" xmlns:p="http://schemas.openxmlformats.org/presentationml/2006/main">
+  <p:cSld>
+    <p:spTree>
+      <p:nvGrpSpPr>
+        <p:cNvPr id="1" name=""/>
+        <p:cNvGrpSpPr/>
+        <p:nvPr/>
+      </p:nvGrpSpPr>
+      <p:grpSpPr>
+        <a:xfrm>
+          <a:off x="0" y="0"/>
+          <a:ext cx="0" cy="0"/>
+          <a:chOff x="0" y="0"/>
+          <a:chExt cx="0" cy="0"/>
+        </a:xfrm>
+      </p:grpSpPr>
+      <p:sp>
+        <p:nvSpPr>
+          <p:cNvPr id="2" name="Slide Image Placeholder 1"/>
+          <p:cNvSpPr>
+            <a:spLocks noGrp="1" noRot="1" noChangeAspect="1"/>
+          </p:cNvSpPr>
+          <p:nvPr>
+            <p:ph type="sldImg"/>
+          </p:nvPr>
+        </p:nvSpPr>
+        <p:spPr/>
+      </p:sp>
+      <p:sp>
+        <p:nvSpPr>
+          <p:cNvPr id="3" name="Notes Placeholder 2"/>
+          <p:cNvSpPr>
+            <a:spLocks noGrp="1"/>
+          </p:cNvSpPr>
+          <p:nvPr>
+            <p:ph type="body" idx="1"/>
+          </p:nvPr>
+        </p:nvSpPr>
+        <p:spPr/>
+        <p:txBody>
+          <a:bodyPr/>
+          <a:lstStyle/>
+          <a:p>
+            <a:pPr marL="285750" indent="-285750">
+              <a:lnSpc>
+                <a:spcPct val="90000"/>
+              </a:lnSpc>
+              <a:spcBef>
+                <a:spcPts val="1000"/>
+              </a:spcBef>
+              <a:buChar char="•"/>
+            </a:pPr>
+            <a:endParaRPr lang="en-US" dirty="0"/>
+          </a:p>
+        </p:txBody>
+      </p:sp>
+      <p:sp>
+        <p:nvSpPr>
+          <p:cNvPr id="4" name="Slide Number Placeholder 3"/>
+          <p:cNvSpPr>
+            <a:spLocks noGrp="1"/>
+          </p:cNvSpPr>
+          <p:nvPr>
+            <p:ph type="sldNum" idx="12"/>
+          </p:nvPr>
+        </p:nvSpPr>
+        <p:spPr/>
+        <p:txBody>
+          <a:bodyPr/>
+          <a:lstStyle/>
+          <a:p>
+            <a:pPr marL="0" marR="0" lvl="0" indent="0" algn="r" rtl="0">
+              <a:lnSpc>
+                <a:spcPct val="100000"/>
+              </a:lnSpc>
+              <a:spcBef>
+                <a:spcPts val="0"/>
+              </a:spcBef>
+              <a:spcAft>
+                <a:spcPts val="0"/>
+              </a:spcAft>
+              <a:buClr>
+                <a:srgbClr val="000000"/>
+              </a:buClr>
+              <a:buSzPts val="1200"/>
+              <a:buFont typeface="Arial"/>
+              <a:buNone/>
+            </a:pPr>
+            <a:fld id="{00000000-1234-1234-1234-123412341234}" type="slidenum">
+              <a:rPr lang="en-US" sz="1200" b="0" i="0" u="none" strike="noStrike" cap="none">
+                <a:solidFill>
+                  <a:schemeClr val="dk1"/>
+                </a:solidFill>
+                <a:latin typeface="Calibri"/>
+                <a:ea typeface="Calibri"/>
+                <a:cs typeface="Calibri"/>
+                <a:sym typeface="Calibri"/>
+              </a:rPr>
+              <a:t>3</a:t>
+            </a:fld>
+            <a:endParaRPr lang="en-US" sz="1200" b="0" i="0" u="none" strike="noStrike" cap="none">
+              <a:solidFill>
+                <a:schemeClr val="dk1"/>
+              </a:solidFill>
+              <a:latin typeface="Calibri"/>
+              <a:ea typeface="Calibri"/>
+              <a:cs typeface="Calibri"/>
+              <a:sym typeface="Calibri"/>
+            </a:endParaRPr>
+          </a:p>
+        </p:txBody>
+      </p:sp>
+    </p:spTree>
+    <p:extLst>
+      <p:ext uri="{BB962C8B-B14F-4D97-AF65-F5344CB8AC3E}">
+        <p14:creationId xmlns:p14="http://schemas.microsoft.com/office/powerpoint/2010/main" val="1958096833"/>
+      </p:ext>
+    </p:extLst>
+  </p:cSld>
+  <p:clrMapOvr>
+    <a:masterClrMapping/>
+  </p:clrMapOvr>
+</p:notes>
+</file>
+
+<file path=ppt/notesSlides/notesSlide4.xml><?xml version="1.0" encoding="utf-8"?>
+<p:notes xmlns:a="http://schemas.openxmlformats.org/drawingml/2006/main" xmlns:r="http://schemas.openxmlformats.org/officeDocument/2006/relationships" xmlns:p="http://schemas.openxmlformats.org/presentationml/2006/main">
+  <p:cSld>
+    <p:spTree>
+      <p:nvGrpSpPr>
+        <p:cNvPr id="1" name=""/>
+        <p:cNvGrpSpPr/>
+        <p:nvPr/>
+      </p:nvGrpSpPr>
+      <p:grpSpPr>
+        <a:xfrm>
+          <a:off x="0" y="0"/>
+          <a:ext cx="0" cy="0"/>
+          <a:chOff x="0" y="0"/>
+          <a:chExt cx="0" cy="0"/>
+        </a:xfrm>
+      </p:grpSpPr>
+      <p:sp>
+        <p:nvSpPr>
+          <p:cNvPr id="2" name="Slide Image Placeholder 1"/>
+          <p:cNvSpPr>
+            <a:spLocks noGrp="1" noRot="1" noChangeAspect="1"/>
+          </p:cNvSpPr>
+          <p:nvPr>
+            <p:ph type="sldImg"/>
+          </p:nvPr>
+        </p:nvSpPr>
+        <p:spPr/>
+      </p:sp>
+      <p:sp>
+        <p:nvSpPr>
+          <p:cNvPr id="3" name="Notes Placeholder 2"/>
+          <p:cNvSpPr>
+            <a:spLocks noGrp="1"/>
+          </p:cNvSpPr>
+          <p:nvPr>
+            <p:ph type="body" idx="1"/>
+          </p:nvPr>
+        </p:nvSpPr>
+        <p:spPr/>
+        <p:txBody>
+          <a:bodyPr/>
+          <a:lstStyle/>
+          <a:p>
+            <a:endParaRPr lang="en-US"/>
+          </a:p>
+        </p:txBody>
+      </p:sp>
+      <p:sp>
+        <p:nvSpPr>
+          <p:cNvPr id="4" name="Slide Number Placeholder 3"/>
+          <p:cNvSpPr>
+            <a:spLocks noGrp="1"/>
+          </p:cNvSpPr>
+          <p:nvPr>
+            <p:ph type="sldNum" idx="12"/>
+          </p:nvPr>
+        </p:nvSpPr>
+        <p:spPr/>
+        <p:txBody>
+          <a:bodyPr/>
+          <a:lstStyle/>
+          <a:p>
+            <a:pPr marL="0" marR="0" lvl="0" indent="0" algn="r" rtl="0">
+              <a:lnSpc>
+                <a:spcPct val="100000"/>
+              </a:lnSpc>
+              <a:spcBef>
+                <a:spcPts val="0"/>
+              </a:spcBef>
+              <a:spcAft>
+                <a:spcPts val="0"/>
+              </a:spcAft>
+              <a:buClr>
+                <a:srgbClr val="000000"/>
+              </a:buClr>
+              <a:buSzPts val="1200"/>
+              <a:buFont typeface="Arial"/>
+              <a:buNone/>
+            </a:pPr>
+            <a:fld id="{00000000-1234-1234-1234-123412341234}" type="slidenum">
+              <a:rPr lang="en-US" sz="1200" b="0" i="0" u="none" strike="noStrike" cap="none" smtClean="0">
+                <a:solidFill>
+                  <a:schemeClr val="dk1"/>
+                </a:solidFill>
+                <a:latin typeface="Calibri"/>
+                <a:ea typeface="Calibri"/>
+                <a:cs typeface="Calibri"/>
+                <a:sym typeface="Calibri"/>
+              </a:rPr>
+              <a:t>4</a:t>
+            </a:fld>
+            <a:endParaRPr lang="en-US" sz="1200" b="0" i="0" u="none" strike="noStrike" cap="none">
+              <a:solidFill>
+                <a:schemeClr val="dk1"/>
+              </a:solidFill>
+              <a:latin typeface="Calibri"/>
+              <a:ea typeface="Calibri"/>
+              <a:cs typeface="Calibri"/>
+              <a:sym typeface="Calibri"/>
+            </a:endParaRPr>
+          </a:p>
+        </p:txBody>
+      </p:sp>
+    </p:spTree>
+    <p:extLst>
+      <p:ext uri="{BB962C8B-B14F-4D97-AF65-F5344CB8AC3E}">
+        <p14:creationId xmlns:p14="http://schemas.microsoft.com/office/powerpoint/2010/main" val="1401682380"/>
+      </p:ext>
+    </p:extLst>
+  </p:cSld>
+  <p:clrMapOvr>
+    <a:masterClrMapping/>
+  </p:clrMapOvr>
+</p:notes>
+</file>
+
+<file path=ppt/notesSlides/notesSlide5.xml><?xml version="1.0" encoding="utf-8"?>
+<p:notes xmlns:a="http://schemas.openxmlformats.org/drawingml/2006/main" xmlns:r="http://schemas.openxmlformats.org/officeDocument/2006/relationships" xmlns:p="http://schemas.openxmlformats.org/presentationml/2006/main">
+  <p:cSld>
+    <p:spTree>
+      <p:nvGrpSpPr>
+        <p:cNvPr id="1" name=""/>
+        <p:cNvGrpSpPr/>
+        <p:nvPr/>
+      </p:nvGrpSpPr>
+      <p:grpSpPr>
+        <a:xfrm>
+          <a:off x="0" y="0"/>
+          <a:ext cx="0" cy="0"/>
+          <a:chOff x="0" y="0"/>
+          <a:chExt cx="0" cy="0"/>
+        </a:xfrm>
+      </p:grpSpPr>
+      <p:sp>
+        <p:nvSpPr>
+          <p:cNvPr id="2" name="Slide Image Placeholder 1"/>
+          <p:cNvSpPr>
+            <a:spLocks noGrp="1" noRot="1" noChangeAspect="1"/>
+          </p:cNvSpPr>
+          <p:nvPr>
+            <p:ph type="sldImg"/>
+          </p:nvPr>
+        </p:nvSpPr>
+        <p:spPr/>
+      </p:sp>
+      <p:sp>
+        <p:nvSpPr>
+          <p:cNvPr id="3" name="Notes Placeholder 2"/>
+          <p:cNvSpPr>
+            <a:spLocks noGrp="1"/>
+          </p:cNvSpPr>
+          <p:nvPr>
+            <p:ph type="body" idx="1"/>
+          </p:nvPr>
+        </p:nvSpPr>
+        <p:spPr/>
+        <p:txBody>
+          <a:bodyPr/>
+          <a:lstStyle/>
+          <a:p>
+            <a:endParaRPr lang="en-US" dirty="0"/>
+          </a:p>
+        </p:txBody>
+      </p:sp>
+      <p:sp>
+        <p:nvSpPr>
+          <p:cNvPr id="4" name="Slide Number Placeholder 3"/>
+          <p:cNvSpPr>
+            <a:spLocks noGrp="1"/>
+          </p:cNvSpPr>
+          <p:nvPr>
+            <p:ph type="sldNum" idx="12"/>
+          </p:nvPr>
+        </p:nvSpPr>
+        <p:spPr/>
+        <p:txBody>
+          <a:bodyPr/>
+          <a:lstStyle/>
+          <a:p>
+            <a:pPr marL="0" marR="0" lvl="0" indent="0" algn="r" rtl="0">
+              <a:lnSpc>
+                <a:spcPct val="100000"/>
+              </a:lnSpc>
+              <a:spcBef>
+                <a:spcPts val="0"/>
+              </a:spcBef>
+              <a:spcAft>
+                <a:spcPts val="0"/>
+              </a:spcAft>
+              <a:buClr>
+                <a:srgbClr val="000000"/>
+              </a:buClr>
+              <a:buSzPts val="1200"/>
+              <a:buFont typeface="Arial"/>
+              <a:buNone/>
+            </a:pPr>
+            <a:fld id="{00000000-1234-1234-1234-123412341234}" type="slidenum">
+              <a:rPr lang="en-US" sz="1200" b="0" i="0" u="none" strike="noStrike" cap="none" smtClean="0">
+                <a:solidFill>
+                  <a:schemeClr val="dk1"/>
+                </a:solidFill>
+                <a:latin typeface="Calibri"/>
+                <a:ea typeface="Calibri"/>
+                <a:cs typeface="Calibri"/>
+                <a:sym typeface="Calibri"/>
+              </a:rPr>
+              <a:t>5</a:t>
+            </a:fld>
+            <a:endParaRPr lang="en-US" sz="1200" b="0" i="0" u="none" strike="noStrike" cap="none">
+              <a:solidFill>
+                <a:schemeClr val="dk1"/>
+              </a:solidFill>
+              <a:latin typeface="Calibri"/>
+              <a:ea typeface="Calibri"/>
+              <a:cs typeface="Calibri"/>
+              <a:sym typeface="Calibri"/>
+            </a:endParaRPr>
+          </a:p>
+        </p:txBody>
+      </p:sp>
+    </p:spTree>
+    <p:extLst>
+      <p:ext uri="{BB962C8B-B14F-4D97-AF65-F5344CB8AC3E}">
+        <p14:creationId xmlns:p14="http://schemas.microsoft.com/office/powerpoint/2010/main" val="553797516"/>
       </p:ext>
     </p:extLst>
   </p:cSld>
@@ -2670,7 +2724,7 @@
             </a:pPr>
             <a:fld id="{00000000-1234-1234-1234-123412341234}" type="slidenum">
               <a:rPr lang="en-US"/>
-              <a:t>14</a:t>
+              <a:t>12</a:t>
             </a:fld>
             <a:endParaRPr/>
           </a:p>
@@ -2679,7 +2733,7 @@
     </p:spTree>
     <p:extLst>
       <p:ext uri="{BB962C8B-B14F-4D97-AF65-F5344CB8AC3E}">
-        <p14:creationId xmlns:p14="http://schemas.microsoft.com/office/powerpoint/2010/main" val="2382659196"/>
+        <p14:creationId xmlns:p14="http://schemas.microsoft.com/office/powerpoint/2010/main" val="1390414966"/>
       </p:ext>
     </p:extLst>
   </p:cSld>
@@ -2847,7 +2901,7 @@
             </a:pPr>
             <a:fld id="{00000000-1234-1234-1234-123412341234}" type="slidenum">
               <a:rPr lang="en-US"/>
-              <a:t>15</a:t>
+              <a:t>13</a:t>
             </a:fld>
             <a:endParaRPr/>
           </a:p>
@@ -2856,7 +2910,7 @@
     </p:spTree>
     <p:extLst>
       <p:ext uri="{BB962C8B-B14F-4D97-AF65-F5344CB8AC3E}">
-        <p14:creationId xmlns:p14="http://schemas.microsoft.com/office/powerpoint/2010/main" val="2962696228"/>
+        <p14:creationId xmlns:p14="http://schemas.microsoft.com/office/powerpoint/2010/main" val="328021311"/>
       </p:ext>
     </p:extLst>
   </p:cSld>
@@ -3024,7 +3078,7 @@
             </a:pPr>
             <a:fld id="{00000000-1234-1234-1234-123412341234}" type="slidenum">
               <a:rPr lang="en-US"/>
-              <a:t>16</a:t>
+              <a:t>14</a:t>
             </a:fld>
             <a:endParaRPr/>
           </a:p>
@@ -3033,7 +3087,184 @@
     </p:spTree>
     <p:extLst>
       <p:ext uri="{BB962C8B-B14F-4D97-AF65-F5344CB8AC3E}">
-        <p14:creationId xmlns:p14="http://schemas.microsoft.com/office/powerpoint/2010/main" val="774171994"/>
+        <p14:creationId xmlns:p14="http://schemas.microsoft.com/office/powerpoint/2010/main" val="2382659196"/>
+      </p:ext>
+    </p:extLst>
+  </p:cSld>
+  <p:clrMapOvr>
+    <a:masterClrMapping/>
+  </p:clrMapOvr>
+</p:notes>
+</file>
+
+<file path=ppt/notesSlides/notesSlide9.xml><?xml version="1.0" encoding="utf-8"?>
+<p:notes xmlns:a="http://schemas.openxmlformats.org/drawingml/2006/main" xmlns:r="http://schemas.openxmlformats.org/officeDocument/2006/relationships" xmlns:p="http://schemas.openxmlformats.org/presentationml/2006/main" showMasterSp="0" showMasterPhAnim="0">
+  <p:cSld>
+    <p:spTree>
+      <p:nvGrpSpPr>
+        <p:cNvPr id="1" name="Shape 125"/>
+        <p:cNvGrpSpPr/>
+        <p:nvPr/>
+      </p:nvGrpSpPr>
+      <p:grpSpPr>
+        <a:xfrm>
+          <a:off x="0" y="0"/>
+          <a:ext cx="0" cy="0"/>
+          <a:chOff x="0" y="0"/>
+          <a:chExt cx="0" cy="0"/>
+        </a:xfrm>
+      </p:grpSpPr>
+      <p:sp>
+        <p:nvSpPr>
+          <p:cNvPr id="126" name="Google Shape;126;ge6d407e7a1_0_85:notes"/>
+          <p:cNvSpPr>
+            <a:spLocks noGrp="1" noRot="1" noChangeAspect="1"/>
+          </p:cNvSpPr>
+          <p:nvPr>
+            <p:ph type="sldImg" idx="2"/>
+          </p:nvPr>
+        </p:nvSpPr>
+        <p:spPr>
+          <a:xfrm>
+            <a:off x="1195388" y="692150"/>
+            <a:ext cx="4619625" cy="3463925"/>
+          </a:xfrm>
+          <a:custGeom>
+            <a:avLst/>
+            <a:gdLst/>
+            <a:ahLst/>
+            <a:cxnLst/>
+            <a:rect l="l" t="t" r="r" b="b"/>
+            <a:pathLst>
+              <a:path w="120000" h="120000" extrusionOk="0">
+                <a:moveTo>
+                  <a:pt x="0" y="0"/>
+                </a:moveTo>
+                <a:lnTo>
+                  <a:pt x="120000" y="0"/>
+                </a:lnTo>
+                <a:lnTo>
+                  <a:pt x="120000" y="120000"/>
+                </a:lnTo>
+                <a:lnTo>
+                  <a:pt x="0" y="120000"/>
+                </a:lnTo>
+                <a:close/>
+              </a:path>
+            </a:pathLst>
+          </a:custGeom>
+          <a:noFill/>
+          <a:ln w="12700" cap="flat" cmpd="sng">
+            <a:solidFill>
+              <a:srgbClr val="000000"/>
+            </a:solidFill>
+            <a:prstDash val="solid"/>
+            <a:round/>
+            <a:headEnd type="none" w="sm" len="sm"/>
+            <a:tailEnd type="none" w="sm" len="sm"/>
+          </a:ln>
+        </p:spPr>
+      </p:sp>
+      <p:sp>
+        <p:nvSpPr>
+          <p:cNvPr id="127" name="Google Shape;127;ge6d407e7a1_0_85:notes"/>
+          <p:cNvSpPr txBox="1">
+            <a:spLocks noGrp="1"/>
+          </p:cNvSpPr>
+          <p:nvPr>
+            <p:ph type="body" idx="1"/>
+          </p:nvPr>
+        </p:nvSpPr>
+        <p:spPr>
+          <a:xfrm>
+            <a:off x="701040" y="4387136"/>
+            <a:ext cx="5608200" cy="4156200"/>
+          </a:xfrm>
+          <a:prstGeom prst="rect">
+            <a:avLst/>
+          </a:prstGeom>
+          <a:noFill/>
+          <a:ln>
+            <a:noFill/>
+          </a:ln>
+        </p:spPr>
+        <p:txBody>
+          <a:bodyPr spcFirstLastPara="1" wrap="square" lIns="93175" tIns="46575" rIns="93175" bIns="46575" anchor="t" anchorCtr="0">
+            <a:noAutofit/>
+          </a:bodyPr>
+          <a:lstStyle/>
+          <a:p>
+            <a:pPr marL="0" lvl="0" indent="0" algn="l" rtl="0">
+              <a:lnSpc>
+                <a:spcPct val="100000"/>
+              </a:lnSpc>
+              <a:spcBef>
+                <a:spcPts val="0"/>
+              </a:spcBef>
+              <a:spcAft>
+                <a:spcPts val="0"/>
+              </a:spcAft>
+              <a:buSzPts val="1400"/>
+              <a:buNone/>
+            </a:pPr>
+            <a:endParaRPr dirty="0"/>
+          </a:p>
+        </p:txBody>
+      </p:sp>
+      <p:sp>
+        <p:nvSpPr>
+          <p:cNvPr id="128" name="Google Shape;128;ge6d407e7a1_0_85:notes"/>
+          <p:cNvSpPr txBox="1">
+            <a:spLocks noGrp="1"/>
+          </p:cNvSpPr>
+          <p:nvPr>
+            <p:ph type="sldNum" idx="12"/>
+          </p:nvPr>
+        </p:nvSpPr>
+        <p:spPr>
+          <a:xfrm>
+            <a:off x="3970938" y="8772669"/>
+            <a:ext cx="3037800" cy="461700"/>
+          </a:xfrm>
+          <a:prstGeom prst="rect">
+            <a:avLst/>
+          </a:prstGeom>
+          <a:noFill/>
+          <a:ln>
+            <a:noFill/>
+          </a:ln>
+        </p:spPr>
+        <p:txBody>
+          <a:bodyPr spcFirstLastPara="1" wrap="square" lIns="93175" tIns="46575" rIns="93175" bIns="46575" anchor="b" anchorCtr="0">
+            <a:noAutofit/>
+          </a:bodyPr>
+          <a:lstStyle/>
+          <a:p>
+            <a:pPr marL="0" lvl="0" indent="0" algn="r" rtl="0">
+              <a:lnSpc>
+                <a:spcPct val="100000"/>
+              </a:lnSpc>
+              <a:spcBef>
+                <a:spcPts val="0"/>
+              </a:spcBef>
+              <a:spcAft>
+                <a:spcPts val="0"/>
+              </a:spcAft>
+              <a:buSzPts val="1400"/>
+              <a:buNone/>
+            </a:pPr>
+            <a:fld id="{00000000-1234-1234-1234-123412341234}" type="slidenum">
+              <a:rPr lang="en-US"/>
+              <a:t>15</a:t>
+            </a:fld>
+            <a:endParaRPr/>
+          </a:p>
+        </p:txBody>
+      </p:sp>
+    </p:spTree>
+    <p:extLst>
+      <p:ext uri="{BB962C8B-B14F-4D97-AF65-F5344CB8AC3E}">
+        <p14:creationId xmlns:p14="http://schemas.microsoft.com/office/powerpoint/2010/main" val="2962696228"/>
       </p:ext>
     </p:extLst>
   </p:cSld>
@@ -16455,7 +16686,7 @@
           <p:nvPr/>
         </p:nvPicPr>
         <p:blipFill>
-          <a:blip r:embed="rId2"/>
+          <a:blip r:embed="rId3"/>
           <a:stretch>
             <a:fillRect/>
           </a:stretch>
@@ -17078,7 +17309,7 @@
           <p:nvPr/>
         </p:nvPicPr>
         <p:blipFill>
-          <a:blip r:embed="rId2"/>
+          <a:blip r:embed="rId3"/>
           <a:stretch>
             <a:fillRect/>
           </a:stretch>
@@ -19366,7 +19597,7 @@
                   <a:schemeClr val="tx1"/>
                 </a:solidFill>
               </a:rPr>
-              <a:t>1.00 seconds</a:t>
+              <a:t>0.10 seconds</a:t>
             </a:r>
           </a:p>
         </p:txBody>

--- a/session-6-hdfe/Session 7 - High Dimensional Fixed Effects final.pptx
+++ b/session-6-hdfe/Session 7 - High Dimensional Fixed Effects final.pptx
@@ -5,7 +5,7 @@
     <p:sldMasterId id="2147483654" r:id="rId1"/>
   </p:sldMasterIdLst>
   <p:notesMasterIdLst>
-    <p:notesMasterId r:id="rId20"/>
+    <p:notesMasterId r:id="rId21"/>
   </p:notesMasterIdLst>
   <p:sldIdLst>
     <p:sldId id="256" r:id="rId2"/>
@@ -21,11 +21,12 @@
     <p:sldId id="294" r:id="rId12"/>
     <p:sldId id="334" r:id="rId13"/>
     <p:sldId id="303" r:id="rId14"/>
-    <p:sldId id="304" r:id="rId15"/>
-    <p:sldId id="309" r:id="rId16"/>
-    <p:sldId id="311" r:id="rId17"/>
-    <p:sldId id="292" r:id="rId18"/>
-    <p:sldId id="291" r:id="rId19"/>
+    <p:sldId id="336" r:id="rId15"/>
+    <p:sldId id="304" r:id="rId16"/>
+    <p:sldId id="309" r:id="rId17"/>
+    <p:sldId id="311" r:id="rId18"/>
+    <p:sldId id="292" r:id="rId19"/>
+    <p:sldId id="291" r:id="rId20"/>
   </p:sldIdLst>
   <p:sldSz cx="9144000" cy="6858000" type="screen4x3"/>
   <p:notesSz cx="7010400" cy="9236075"/>
@@ -2079,6 +2080,183 @@
     </p:spTree>
     <p:extLst>
       <p:ext uri="{BB962C8B-B14F-4D97-AF65-F5344CB8AC3E}">
+        <p14:creationId xmlns:p14="http://schemas.microsoft.com/office/powerpoint/2010/main" val="2962696228"/>
+      </p:ext>
+    </p:extLst>
+  </p:cSld>
+  <p:clrMapOvr>
+    <a:masterClrMapping/>
+  </p:clrMapOvr>
+</p:notes>
+</file>
+
+<file path=ppt/notesSlides/notesSlide11.xml><?xml version="1.0" encoding="utf-8"?>
+<p:notes xmlns:a="http://schemas.openxmlformats.org/drawingml/2006/main" xmlns:r="http://schemas.openxmlformats.org/officeDocument/2006/relationships" xmlns:p="http://schemas.openxmlformats.org/presentationml/2006/main" showMasterSp="0" showMasterPhAnim="0">
+  <p:cSld>
+    <p:spTree>
+      <p:nvGrpSpPr>
+        <p:cNvPr id="1" name="Shape 125"/>
+        <p:cNvGrpSpPr/>
+        <p:nvPr/>
+      </p:nvGrpSpPr>
+      <p:grpSpPr>
+        <a:xfrm>
+          <a:off x="0" y="0"/>
+          <a:ext cx="0" cy="0"/>
+          <a:chOff x="0" y="0"/>
+          <a:chExt cx="0" cy="0"/>
+        </a:xfrm>
+      </p:grpSpPr>
+      <p:sp>
+        <p:nvSpPr>
+          <p:cNvPr id="126" name="Google Shape;126;ge6d407e7a1_0_85:notes"/>
+          <p:cNvSpPr>
+            <a:spLocks noGrp="1" noRot="1" noChangeAspect="1"/>
+          </p:cNvSpPr>
+          <p:nvPr>
+            <p:ph type="sldImg" idx="2"/>
+          </p:nvPr>
+        </p:nvSpPr>
+        <p:spPr>
+          <a:xfrm>
+            <a:off x="1195388" y="692150"/>
+            <a:ext cx="4619625" cy="3463925"/>
+          </a:xfrm>
+          <a:custGeom>
+            <a:avLst/>
+            <a:gdLst/>
+            <a:ahLst/>
+            <a:cxnLst/>
+            <a:rect l="l" t="t" r="r" b="b"/>
+            <a:pathLst>
+              <a:path w="120000" h="120000" extrusionOk="0">
+                <a:moveTo>
+                  <a:pt x="0" y="0"/>
+                </a:moveTo>
+                <a:lnTo>
+                  <a:pt x="120000" y="0"/>
+                </a:lnTo>
+                <a:lnTo>
+                  <a:pt x="120000" y="120000"/>
+                </a:lnTo>
+                <a:lnTo>
+                  <a:pt x="0" y="120000"/>
+                </a:lnTo>
+                <a:close/>
+              </a:path>
+            </a:pathLst>
+          </a:custGeom>
+          <a:noFill/>
+          <a:ln w="12700" cap="flat" cmpd="sng">
+            <a:solidFill>
+              <a:srgbClr val="000000"/>
+            </a:solidFill>
+            <a:prstDash val="solid"/>
+            <a:round/>
+            <a:headEnd type="none" w="sm" len="sm"/>
+            <a:tailEnd type="none" w="sm" len="sm"/>
+          </a:ln>
+        </p:spPr>
+      </p:sp>
+      <p:sp>
+        <p:nvSpPr>
+          <p:cNvPr id="127" name="Google Shape;127;ge6d407e7a1_0_85:notes"/>
+          <p:cNvSpPr txBox="1">
+            <a:spLocks noGrp="1"/>
+          </p:cNvSpPr>
+          <p:nvPr>
+            <p:ph type="body" idx="1"/>
+          </p:nvPr>
+        </p:nvSpPr>
+        <p:spPr>
+          <a:xfrm>
+            <a:off x="701040" y="4387136"/>
+            <a:ext cx="5608200" cy="4156200"/>
+          </a:xfrm>
+          <a:prstGeom prst="rect">
+            <a:avLst/>
+          </a:prstGeom>
+          <a:noFill/>
+          <a:ln>
+            <a:noFill/>
+          </a:ln>
+        </p:spPr>
+        <p:txBody>
+          <a:bodyPr spcFirstLastPara="1" wrap="square" lIns="93175" tIns="46575" rIns="93175" bIns="46575" anchor="t" anchorCtr="0">
+            <a:noAutofit/>
+          </a:bodyPr>
+          <a:lstStyle/>
+          <a:p>
+            <a:pPr marL="0" lvl="0" indent="0" algn="l" rtl="0">
+              <a:lnSpc>
+                <a:spcPct val="100000"/>
+              </a:lnSpc>
+              <a:spcBef>
+                <a:spcPts val="0"/>
+              </a:spcBef>
+              <a:spcAft>
+                <a:spcPts val="0"/>
+              </a:spcAft>
+              <a:buSzPts val="1400"/>
+              <a:buNone/>
+            </a:pPr>
+            <a:endParaRPr dirty="0"/>
+          </a:p>
+        </p:txBody>
+      </p:sp>
+      <p:sp>
+        <p:nvSpPr>
+          <p:cNvPr id="128" name="Google Shape;128;ge6d407e7a1_0_85:notes"/>
+          <p:cNvSpPr txBox="1">
+            <a:spLocks noGrp="1"/>
+          </p:cNvSpPr>
+          <p:nvPr>
+            <p:ph type="sldNum" idx="12"/>
+          </p:nvPr>
+        </p:nvSpPr>
+        <p:spPr>
+          <a:xfrm>
+            <a:off x="3970938" y="8772669"/>
+            <a:ext cx="3037800" cy="461700"/>
+          </a:xfrm>
+          <a:prstGeom prst="rect">
+            <a:avLst/>
+          </a:prstGeom>
+          <a:noFill/>
+          <a:ln>
+            <a:noFill/>
+          </a:ln>
+        </p:spPr>
+        <p:txBody>
+          <a:bodyPr spcFirstLastPara="1" wrap="square" lIns="93175" tIns="46575" rIns="93175" bIns="46575" anchor="b" anchorCtr="0">
+            <a:noAutofit/>
+          </a:bodyPr>
+          <a:lstStyle/>
+          <a:p>
+            <a:pPr marL="0" lvl="0" indent="0" algn="r" rtl="0">
+              <a:lnSpc>
+                <a:spcPct val="100000"/>
+              </a:lnSpc>
+              <a:spcBef>
+                <a:spcPts val="0"/>
+              </a:spcBef>
+              <a:spcAft>
+                <a:spcPts val="0"/>
+              </a:spcAft>
+              <a:buSzPts val="1400"/>
+              <a:buNone/>
+            </a:pPr>
+            <a:fld id="{00000000-1234-1234-1234-123412341234}" type="slidenum">
+              <a:rPr lang="en-US"/>
+              <a:t>17</a:t>
+            </a:fld>
+            <a:endParaRPr/>
+          </a:p>
+        </p:txBody>
+      </p:sp>
+    </p:spTree>
+    <p:extLst>
+      <p:ext uri="{BB962C8B-B14F-4D97-AF65-F5344CB8AC3E}">
         <p14:creationId xmlns:p14="http://schemas.microsoft.com/office/powerpoint/2010/main" val="774171994"/>
       </p:ext>
     </p:extLst>
@@ -3087,7 +3265,7 @@
     </p:spTree>
     <p:extLst>
       <p:ext uri="{BB962C8B-B14F-4D97-AF65-F5344CB8AC3E}">
-        <p14:creationId xmlns:p14="http://schemas.microsoft.com/office/powerpoint/2010/main" val="2382659196"/>
+        <p14:creationId xmlns:p14="http://schemas.microsoft.com/office/powerpoint/2010/main" val="733238068"/>
       </p:ext>
     </p:extLst>
   </p:cSld>
@@ -3264,7 +3442,7 @@
     </p:spTree>
     <p:extLst>
       <p:ext uri="{BB962C8B-B14F-4D97-AF65-F5344CB8AC3E}">
-        <p14:creationId xmlns:p14="http://schemas.microsoft.com/office/powerpoint/2010/main" val="2962696228"/>
+        <p14:creationId xmlns:p14="http://schemas.microsoft.com/office/powerpoint/2010/main" val="2382659196"/>
       </p:ext>
     </p:extLst>
   </p:cSld>
@@ -12706,7 +12884,7 @@
         <p:spPr>
           <a:xfrm>
             <a:off x="554324" y="873125"/>
-            <a:ext cx="8386475" cy="5370671"/>
+            <a:ext cx="8386475" cy="6294000"/>
           </a:xfrm>
           <a:prstGeom prst="rect">
             <a:avLst/>
@@ -12977,6 +13155,120 @@
             </a:endParaRPr>
           </a:p>
           <a:p>
+            <a:pPr lvl="4" indent="920750">
+              <a:buClr>
+                <a:schemeClr val="dk1"/>
+              </a:buClr>
+              <a:buSzPts val="1100"/>
+            </a:pPr>
+            <a:r>
+              <a:rPr lang="en-US" sz="1800" dirty="0">
+                <a:solidFill>
+                  <a:schemeClr val="dk1"/>
+                </a:solidFill>
+                <a:highlight>
+                  <a:srgbClr val="C0C0C0"/>
+                </a:highlight>
+                <a:latin typeface="Consolas"/>
+                <a:ea typeface="Consolas"/>
+                <a:cs typeface="Consolas"/>
+                <a:sym typeface="Consolas"/>
+              </a:rPr>
+              <a:t>source activate </a:t>
+            </a:r>
+            <a:r>
+              <a:rPr lang="en-US" sz="1800" dirty="0" err="1">
+                <a:solidFill>
+                  <a:schemeClr val="dk1"/>
+                </a:solidFill>
+                <a:highlight>
+                  <a:srgbClr val="C0C0C0"/>
+                </a:highlight>
+                <a:latin typeface="Consolas"/>
+                <a:ea typeface="Consolas"/>
+                <a:cs typeface="Consolas"/>
+                <a:sym typeface="Consolas"/>
+              </a:rPr>
+              <a:t>fe_env</a:t>
+            </a:r>
+            <a:endParaRPr lang="en-US" sz="1800" dirty="0">
+              <a:solidFill>
+                <a:schemeClr val="dk1"/>
+              </a:solidFill>
+              <a:highlight>
+                <a:srgbClr val="C0C0C0"/>
+              </a:highlight>
+              <a:latin typeface="Consolas"/>
+              <a:ea typeface="Consolas"/>
+              <a:cs typeface="Consolas"/>
+              <a:sym typeface="Consolas"/>
+            </a:endParaRPr>
+          </a:p>
+          <a:p>
+            <a:pPr lvl="4" indent="920750">
+              <a:buClr>
+                <a:schemeClr val="dk1"/>
+              </a:buClr>
+              <a:buSzPts val="1100"/>
+            </a:pPr>
+            <a:r>
+              <a:rPr lang="en-US" sz="1800" dirty="0">
+                <a:solidFill>
+                  <a:schemeClr val="dk1"/>
+                </a:solidFill>
+                <a:highlight>
+                  <a:srgbClr val="C0C0C0"/>
+                </a:highlight>
+                <a:latin typeface="Consolas"/>
+                <a:cs typeface="Consolas"/>
+              </a:rPr>
+              <a:t>pip install </a:t>
+            </a:r>
+            <a:r>
+              <a:rPr lang="en-US" sz="1800" dirty="0" err="1">
+                <a:solidFill>
+                  <a:schemeClr val="dk1"/>
+                </a:solidFill>
+                <a:highlight>
+                  <a:srgbClr val="C0C0C0"/>
+                </a:highlight>
+                <a:latin typeface="Consolas"/>
+                <a:cs typeface="Consolas"/>
+              </a:rPr>
+              <a:t>FixedEffectModel</a:t>
+            </a:r>
+            <a:endParaRPr lang="en-US" sz="1800" dirty="0">
+              <a:solidFill>
+                <a:schemeClr val="dk1"/>
+              </a:solidFill>
+              <a:highlight>
+                <a:srgbClr val="C0C0C0"/>
+              </a:highlight>
+              <a:latin typeface="Consolas"/>
+              <a:cs typeface="Consolas"/>
+            </a:endParaRPr>
+          </a:p>
+          <a:p>
+            <a:pPr lvl="4" indent="920750">
+              <a:buClr>
+                <a:schemeClr val="dk1"/>
+              </a:buClr>
+              <a:buSzPts val="1100"/>
+            </a:pPr>
+            <a:endParaRPr lang="en-US" sz="1800" dirty="0">
+              <a:solidFill>
+                <a:schemeClr val="dk1"/>
+              </a:solidFill>
+              <a:highlight>
+                <a:srgbClr val="C0C0C0"/>
+              </a:highlight>
+              <a:latin typeface="Consolas"/>
+              <a:ea typeface="Consolas"/>
+              <a:cs typeface="Consolas"/>
+              <a:sym typeface="Consolas"/>
+            </a:endParaRPr>
+          </a:p>
+          <a:p>
             <a:pPr>
               <a:buClr>
                 <a:schemeClr val="dk1"/>
@@ -13018,36 +13310,6 @@
           </a:p>
         </p:txBody>
       </p:sp>
-      <p:pic>
-        <p:nvPicPr>
-          <p:cNvPr id="6" name="Picture 5" descr="A screen shot of a computer&#10;&#10;Description automatically generated">
-            <a:extLst>
-              <a:ext uri="{FF2B5EF4-FFF2-40B4-BE49-F238E27FC236}">
-                <a16:creationId xmlns:a16="http://schemas.microsoft.com/office/drawing/2014/main" id="{7A03CFEE-DA59-1320-ABD8-E227B81C04D5}"/>
-              </a:ext>
-            </a:extLst>
-          </p:cNvPr>
-          <p:cNvPicPr>
-            <a:picLocks noChangeAspect="1"/>
-          </p:cNvPicPr>
-          <p:nvPr/>
-        </p:nvPicPr>
-        <p:blipFill>
-          <a:blip r:embed="rId3"/>
-          <a:stretch>
-            <a:fillRect/>
-          </a:stretch>
-        </p:blipFill>
-        <p:spPr>
-          <a:xfrm>
-            <a:off x="3278042" y="1549400"/>
-            <a:ext cx="2132158" cy="3314700"/>
-          </a:xfrm>
-          <a:prstGeom prst="rect">
-            <a:avLst/>
-          </a:prstGeom>
-        </p:spPr>
-      </p:pic>
       <p:sp>
         <p:nvSpPr>
           <p:cNvPr id="3" name="Footer Placeholder 1">
@@ -13081,6 +13343,35 @@
           </a:p>
         </p:txBody>
       </p:sp>
+      <p:pic>
+        <p:nvPicPr>
+          <p:cNvPr id="8" name="Picture 7" descr="A screen shot of a computer code&#10;&#10;Description automatically generated">
+            <a:extLst>
+              <a:ext uri="{FF2B5EF4-FFF2-40B4-BE49-F238E27FC236}">
+                <a16:creationId xmlns:a16="http://schemas.microsoft.com/office/drawing/2014/main" id="{6736D9A0-7BA8-8DEE-758A-2EC8BEFE7C79}"/>
+              </a:ext>
+            </a:extLst>
+          </p:cNvPr>
+          <p:cNvPicPr>
+            <a:picLocks noChangeAspect="1"/>
+          </p:cNvPicPr>
+          <p:nvPr/>
+        </p:nvPicPr>
+        <p:blipFill rotWithShape="1">
+          <a:blip r:embed="rId3"/>
+          <a:srcRect t="11029" r="5414"/>
+          <a:stretch/>
+        </p:blipFill>
+        <p:spPr>
+          <a:xfrm>
+            <a:off x="3226283" y="1341120"/>
+            <a:ext cx="2199156" cy="3565969"/>
+          </a:xfrm>
+          <a:prstGeom prst="rect">
+            <a:avLst/>
+          </a:prstGeom>
+        </p:spPr>
+      </p:pic>
     </p:spTree>
     <p:extLst>
       <p:ext uri="{BB962C8B-B14F-4D97-AF65-F5344CB8AC3E}">
@@ -14014,7 +14305,7 @@
             </a:pPr>
             <a:r>
               <a:rPr lang="en-US" dirty="0"/>
-              <a:t>HD Fixed Effect Parallelization in R</a:t>
+              <a:t>Version Control – A Cautionary Tale</a:t>
             </a:r>
             <a:endParaRPr dirty="0"/>
           </a:p>
@@ -14065,6 +14356,860 @@
             <a:fld id="{00000000-1234-1234-1234-123412341234}" type="slidenum">
               <a:rPr lang="en-US"/>
               <a:t>14</a:t>
+            </a:fld>
+            <a:endParaRPr/>
+          </a:p>
+        </p:txBody>
+      </p:sp>
+      <p:sp>
+        <p:nvSpPr>
+          <p:cNvPr id="133" name="Google Shape;133;ge6d407e7a1_0_85"/>
+          <p:cNvSpPr txBox="1"/>
+          <p:nvPr/>
+        </p:nvSpPr>
+        <p:spPr>
+          <a:xfrm>
+            <a:off x="554325" y="873125"/>
+            <a:ext cx="8132400" cy="2123628"/>
+          </a:xfrm>
+          <a:prstGeom prst="rect">
+            <a:avLst/>
+          </a:prstGeom>
+          <a:noFill/>
+          <a:ln>
+            <a:noFill/>
+          </a:ln>
+        </p:spPr>
+        <p:txBody>
+          <a:bodyPr spcFirstLastPara="1" wrap="square" lIns="91425" tIns="91425" rIns="91425" bIns="91425" anchor="t" anchorCtr="0">
+            <a:spAutoFit/>
+          </a:bodyPr>
+          <a:lstStyle/>
+          <a:p>
+            <a:pPr marL="0" lvl="0" indent="0" algn="l" rtl="0">
+              <a:spcBef>
+                <a:spcPts val="0"/>
+              </a:spcBef>
+              <a:spcAft>
+                <a:spcPts val="0"/>
+              </a:spcAft>
+              <a:buClr>
+                <a:schemeClr val="dk1"/>
+              </a:buClr>
+              <a:buSzPts val="1100"/>
+              <a:buFont typeface="Arial"/>
+              <a:buNone/>
+            </a:pPr>
+            <a:r>
+              <a:rPr lang="en-US" sz="1800" dirty="0">
+                <a:solidFill>
+                  <a:schemeClr val="dk1"/>
+                </a:solidFill>
+              </a:rPr>
+              <a:t>To parallelize </a:t>
+            </a:r>
+            <a:r>
+              <a:rPr lang="en-US" sz="1800" dirty="0" err="1">
+                <a:solidFill>
+                  <a:schemeClr val="dk1"/>
+                </a:solidFill>
+                <a:latin typeface="Consolas" panose="020B0609020204030204" pitchFamily="49" charset="0"/>
+                <a:cs typeface="Consolas" panose="020B0609020204030204" pitchFamily="49" charset="0"/>
+              </a:rPr>
+              <a:t>reghdfe</a:t>
+            </a:r>
+            <a:r>
+              <a:rPr lang="en-US" sz="1800" dirty="0">
+                <a:solidFill>
+                  <a:schemeClr val="dk1"/>
+                </a:solidFill>
+              </a:rPr>
+              <a:t> the Stata documentation describes a “parallel” option: </a:t>
+            </a:r>
+          </a:p>
+          <a:p>
+            <a:pPr lvl="0" indent="920750" algn="l" rtl="0">
+              <a:spcBef>
+                <a:spcPts val="0"/>
+              </a:spcBef>
+              <a:spcAft>
+                <a:spcPts val="0"/>
+              </a:spcAft>
+              <a:buClr>
+                <a:schemeClr val="dk1"/>
+              </a:buClr>
+              <a:buSzPts val="1100"/>
+              <a:buFont typeface="Arial"/>
+              <a:buNone/>
+            </a:pPr>
+            <a:r>
+              <a:rPr lang="en-US" sz="1800" dirty="0">
+                <a:solidFill>
+                  <a:schemeClr val="dk1"/>
+                </a:solidFill>
+                <a:latin typeface="Consolas"/>
+                <a:cs typeface="Consolas"/>
+              </a:rPr>
+              <a:t>   </a:t>
+            </a:r>
+          </a:p>
+          <a:p>
+            <a:pPr lvl="0" indent="920750" algn="l" rtl="0">
+              <a:spcBef>
+                <a:spcPts val="0"/>
+              </a:spcBef>
+              <a:spcAft>
+                <a:spcPts val="0"/>
+              </a:spcAft>
+              <a:buClr>
+                <a:schemeClr val="dk1"/>
+              </a:buClr>
+              <a:buSzPts val="1100"/>
+              <a:buFont typeface="Arial"/>
+              <a:buNone/>
+            </a:pPr>
+            <a:endParaRPr lang="en-US" sz="1800" dirty="0">
+              <a:solidFill>
+                <a:schemeClr val="dk1"/>
+              </a:solidFill>
+              <a:highlight>
+                <a:srgbClr val="C0C0C0"/>
+              </a:highlight>
+              <a:latin typeface="Consolas"/>
+              <a:cs typeface="Consolas"/>
+            </a:endParaRPr>
+          </a:p>
+          <a:p>
+            <a:pPr lvl="0" indent="920750" algn="l" rtl="0">
+              <a:spcBef>
+                <a:spcPts val="0"/>
+              </a:spcBef>
+              <a:spcAft>
+                <a:spcPts val="0"/>
+              </a:spcAft>
+              <a:buClr>
+                <a:schemeClr val="dk1"/>
+              </a:buClr>
+              <a:buSzPts val="1100"/>
+              <a:buFont typeface="Arial"/>
+              <a:buNone/>
+            </a:pPr>
+            <a:endParaRPr lang="en-US" sz="1800" dirty="0">
+              <a:solidFill>
+                <a:schemeClr val="dk1"/>
+              </a:solidFill>
+              <a:highlight>
+                <a:srgbClr val="C0C0C0"/>
+              </a:highlight>
+              <a:latin typeface="Consolas"/>
+              <a:cs typeface="Consolas"/>
+            </a:endParaRPr>
+          </a:p>
+          <a:p>
+            <a:pPr lvl="0" indent="920750" algn="l" rtl="0">
+              <a:spcBef>
+                <a:spcPts val="0"/>
+              </a:spcBef>
+              <a:spcAft>
+                <a:spcPts val="0"/>
+              </a:spcAft>
+              <a:buClr>
+                <a:schemeClr val="dk1"/>
+              </a:buClr>
+              <a:buSzPts val="1100"/>
+              <a:buFont typeface="Arial"/>
+              <a:buNone/>
+            </a:pPr>
+            <a:endParaRPr lang="en-US" sz="1800" dirty="0">
+              <a:solidFill>
+                <a:schemeClr val="dk1"/>
+              </a:solidFill>
+              <a:highlight>
+                <a:srgbClr val="C0C0C0"/>
+              </a:highlight>
+              <a:latin typeface="Consolas"/>
+              <a:cs typeface="Consolas"/>
+            </a:endParaRPr>
+          </a:p>
+          <a:p>
+            <a:pPr lvl="0" indent="920750" algn="l" rtl="0">
+              <a:spcBef>
+                <a:spcPts val="0"/>
+              </a:spcBef>
+              <a:spcAft>
+                <a:spcPts val="0"/>
+              </a:spcAft>
+              <a:buClr>
+                <a:schemeClr val="dk1"/>
+              </a:buClr>
+              <a:buSzPts val="1100"/>
+              <a:buFont typeface="Arial"/>
+              <a:buNone/>
+            </a:pPr>
+            <a:endParaRPr lang="en-US" sz="1800" dirty="0">
+              <a:solidFill>
+                <a:schemeClr val="dk1"/>
+              </a:solidFill>
+              <a:highlight>
+                <a:srgbClr val="C0C0C0"/>
+              </a:highlight>
+              <a:latin typeface="Consolas"/>
+              <a:cs typeface="Consolas"/>
+            </a:endParaRPr>
+          </a:p>
+          <a:p>
+            <a:pPr marL="0" lvl="0" indent="0" algn="l" rtl="0">
+              <a:spcBef>
+                <a:spcPts val="0"/>
+              </a:spcBef>
+              <a:spcAft>
+                <a:spcPts val="0"/>
+              </a:spcAft>
+              <a:buClr>
+                <a:schemeClr val="dk1"/>
+              </a:buClr>
+              <a:buSzPts val="1100"/>
+              <a:buFont typeface="Arial"/>
+              <a:buNone/>
+            </a:pPr>
+            <a:endParaRPr lang="en-US" sz="1800" dirty="0">
+              <a:solidFill>
+                <a:schemeClr val="dk1"/>
+              </a:solidFill>
+            </a:endParaRPr>
+          </a:p>
+        </p:txBody>
+      </p:sp>
+      <p:sp>
+        <p:nvSpPr>
+          <p:cNvPr id="2" name="Footer Placeholder 1">
+            <a:extLst>
+              <a:ext uri="{FF2B5EF4-FFF2-40B4-BE49-F238E27FC236}">
+                <a16:creationId xmlns:a16="http://schemas.microsoft.com/office/drawing/2014/main" id="{5C380214-B135-5368-A8F3-90949D340E4B}"/>
+              </a:ext>
+            </a:extLst>
+          </p:cNvPr>
+          <p:cNvSpPr>
+            <a:spLocks noGrp="1"/>
+          </p:cNvSpPr>
+          <p:nvPr>
+            <p:ph type="ftr" idx="11"/>
+          </p:nvPr>
+        </p:nvSpPr>
+        <p:spPr>
+          <a:xfrm>
+            <a:off x="4572000" y="6506896"/>
+            <a:ext cx="4114800" cy="365125"/>
+          </a:xfrm>
+        </p:spPr>
+        <p:txBody>
+          <a:bodyPr/>
+          <a:lstStyle/>
+          <a:p>
+            <a:r>
+              <a:rPr lang="en-US" dirty="0"/>
+              <a:t>High Dimensional Fixed Effects</a:t>
+            </a:r>
+          </a:p>
+        </p:txBody>
+      </p:sp>
+      <p:pic>
+        <p:nvPicPr>
+          <p:cNvPr id="4" name="Picture 3" descr="A screenshot of a computer&#10;&#10;Description automatically generated">
+            <a:extLst>
+              <a:ext uri="{FF2B5EF4-FFF2-40B4-BE49-F238E27FC236}">
+                <a16:creationId xmlns:a16="http://schemas.microsoft.com/office/drawing/2014/main" id="{0BBE2409-065C-7286-B089-A0E34B0A08E6}"/>
+              </a:ext>
+            </a:extLst>
+          </p:cNvPr>
+          <p:cNvPicPr>
+            <a:picLocks noChangeAspect="1"/>
+          </p:cNvPicPr>
+          <p:nvPr/>
+        </p:nvPicPr>
+        <p:blipFill>
+          <a:blip r:embed="rId3"/>
+          <a:stretch>
+            <a:fillRect/>
+          </a:stretch>
+        </p:blipFill>
+        <p:spPr>
+          <a:xfrm>
+            <a:off x="792480" y="1276380"/>
+            <a:ext cx="7290816" cy="1479489"/>
+          </a:xfrm>
+          <a:prstGeom prst="rect">
+            <a:avLst/>
+          </a:prstGeom>
+        </p:spPr>
+      </p:pic>
+      <p:pic>
+        <p:nvPicPr>
+          <p:cNvPr id="8" name="Picture 7" descr="A screenshot of a computer&#10;&#10;Description automatically generated">
+            <a:extLst>
+              <a:ext uri="{FF2B5EF4-FFF2-40B4-BE49-F238E27FC236}">
+                <a16:creationId xmlns:a16="http://schemas.microsoft.com/office/drawing/2014/main" id="{5019BAB5-83A8-3723-1406-63DDDF431897}"/>
+              </a:ext>
+            </a:extLst>
+          </p:cNvPr>
+          <p:cNvPicPr>
+            <a:picLocks noChangeAspect="1"/>
+          </p:cNvPicPr>
+          <p:nvPr/>
+        </p:nvPicPr>
+        <p:blipFill rotWithShape="1">
+          <a:blip r:embed="rId4"/>
+          <a:srcRect t="768" r="11983" b="18035"/>
+          <a:stretch/>
+        </p:blipFill>
+        <p:spPr>
+          <a:xfrm>
+            <a:off x="1784604" y="4500699"/>
+            <a:ext cx="5250180" cy="1853753"/>
+          </a:xfrm>
+          <a:prstGeom prst="rect">
+            <a:avLst/>
+          </a:prstGeom>
+        </p:spPr>
+      </p:pic>
+      <p:sp>
+        <p:nvSpPr>
+          <p:cNvPr id="9" name="Google Shape;133;ge6d407e7a1_0_85">
+            <a:extLst>
+              <a:ext uri="{FF2B5EF4-FFF2-40B4-BE49-F238E27FC236}">
+                <a16:creationId xmlns:a16="http://schemas.microsoft.com/office/drawing/2014/main" id="{71854BA8-177C-F9CF-51AE-0CF58494F01C}"/>
+              </a:ext>
+            </a:extLst>
+          </p:cNvPr>
+          <p:cNvSpPr txBox="1"/>
+          <p:nvPr/>
+        </p:nvSpPr>
+        <p:spPr>
+          <a:xfrm>
+            <a:off x="457200" y="2765063"/>
+            <a:ext cx="8132400" cy="461635"/>
+          </a:xfrm>
+          <a:prstGeom prst="rect">
+            <a:avLst/>
+          </a:prstGeom>
+          <a:noFill/>
+          <a:ln>
+            <a:noFill/>
+          </a:ln>
+        </p:spPr>
+        <p:txBody>
+          <a:bodyPr spcFirstLastPara="1" wrap="square" lIns="91425" tIns="91425" rIns="91425" bIns="91425" anchor="t" anchorCtr="0">
+            <a:spAutoFit/>
+          </a:bodyPr>
+          <a:lstStyle/>
+          <a:p>
+            <a:pPr marL="0" lvl="0" indent="0" algn="l" rtl="0">
+              <a:spcBef>
+                <a:spcPts val="0"/>
+              </a:spcBef>
+              <a:spcAft>
+                <a:spcPts val="0"/>
+              </a:spcAft>
+              <a:buClr>
+                <a:schemeClr val="dk1"/>
+              </a:buClr>
+              <a:buSzPts val="1100"/>
+              <a:buFont typeface="Arial"/>
+              <a:buNone/>
+            </a:pPr>
+            <a:r>
+              <a:rPr lang="en-US" sz="1800" dirty="0">
+                <a:solidFill>
+                  <a:schemeClr val="dk1"/>
+                </a:solidFill>
+              </a:rPr>
+              <a:t>However, this no longer runs in Stata 17:</a:t>
+            </a:r>
+          </a:p>
+        </p:txBody>
+      </p:sp>
+      <p:sp>
+        <p:nvSpPr>
+          <p:cNvPr id="10" name="Google Shape;133;ge6d407e7a1_0_85">
+            <a:extLst>
+              <a:ext uri="{FF2B5EF4-FFF2-40B4-BE49-F238E27FC236}">
+                <a16:creationId xmlns:a16="http://schemas.microsoft.com/office/drawing/2014/main" id="{3AAF9525-0D65-4D6E-0FDE-021A260DF9A3}"/>
+              </a:ext>
+            </a:extLst>
+          </p:cNvPr>
+          <p:cNvSpPr txBox="1"/>
+          <p:nvPr/>
+        </p:nvSpPr>
+        <p:spPr>
+          <a:xfrm>
+            <a:off x="457200" y="4093735"/>
+            <a:ext cx="8132400" cy="738633"/>
+          </a:xfrm>
+          <a:prstGeom prst="rect">
+            <a:avLst/>
+          </a:prstGeom>
+          <a:noFill/>
+          <a:ln>
+            <a:noFill/>
+          </a:ln>
+        </p:spPr>
+        <p:txBody>
+          <a:bodyPr spcFirstLastPara="1" wrap="square" lIns="91425" tIns="91425" rIns="91425" bIns="91425" anchor="t" anchorCtr="0">
+            <a:spAutoFit/>
+          </a:bodyPr>
+          <a:lstStyle/>
+          <a:p>
+            <a:pPr lvl="0" indent="11113" algn="l" rtl="0">
+              <a:spcBef>
+                <a:spcPts val="0"/>
+              </a:spcBef>
+              <a:spcAft>
+                <a:spcPts val="0"/>
+              </a:spcAft>
+              <a:buClr>
+                <a:schemeClr val="dk1"/>
+              </a:buClr>
+              <a:buSzPts val="1100"/>
+              <a:buFont typeface="Arial"/>
+              <a:buNone/>
+            </a:pPr>
+            <a:r>
+              <a:rPr lang="en-US" sz="1800" dirty="0">
+                <a:solidFill>
+                  <a:schemeClr val="dk1"/>
+                </a:solidFill>
+              </a:rPr>
+              <a:t>Developer’s response: </a:t>
+            </a:r>
+          </a:p>
+          <a:p>
+            <a:pPr marL="0" lvl="0" indent="0" algn="l" rtl="0">
+              <a:spcBef>
+                <a:spcPts val="0"/>
+              </a:spcBef>
+              <a:spcAft>
+                <a:spcPts val="0"/>
+              </a:spcAft>
+              <a:buClr>
+                <a:schemeClr val="dk1"/>
+              </a:buClr>
+              <a:buSzPts val="1100"/>
+              <a:buFont typeface="Arial"/>
+              <a:buNone/>
+            </a:pPr>
+            <a:endParaRPr lang="en-US" sz="1800" dirty="0">
+              <a:solidFill>
+                <a:schemeClr val="dk1"/>
+              </a:solidFill>
+            </a:endParaRPr>
+          </a:p>
+        </p:txBody>
+      </p:sp>
+      <p:pic>
+        <p:nvPicPr>
+          <p:cNvPr id="12" name="Picture 11" descr="A close-up of a white background&#10;&#10;Description automatically generated">
+            <a:extLst>
+              <a:ext uri="{FF2B5EF4-FFF2-40B4-BE49-F238E27FC236}">
+                <a16:creationId xmlns:a16="http://schemas.microsoft.com/office/drawing/2014/main" id="{2FB06898-D0A0-E4D1-E85E-295D8A2EC220}"/>
+              </a:ext>
+            </a:extLst>
+          </p:cNvPr>
+          <p:cNvPicPr>
+            <a:picLocks noChangeAspect="1"/>
+          </p:cNvPicPr>
+          <p:nvPr/>
+        </p:nvPicPr>
+        <p:blipFill rotWithShape="1">
+          <a:blip r:embed="rId5"/>
+          <a:srcRect/>
+          <a:stretch/>
+        </p:blipFill>
+        <p:spPr>
+          <a:xfrm>
+            <a:off x="1784604" y="3140399"/>
+            <a:ext cx="3629152" cy="1004378"/>
+          </a:xfrm>
+          <a:prstGeom prst="rect">
+            <a:avLst/>
+          </a:prstGeom>
+        </p:spPr>
+      </p:pic>
+    </p:spTree>
+    <p:extLst>
+      <p:ext uri="{BB962C8B-B14F-4D97-AF65-F5344CB8AC3E}">
+        <p14:creationId xmlns:p14="http://schemas.microsoft.com/office/powerpoint/2010/main" val="2573245446"/>
+      </p:ext>
+    </p:extLst>
+  </p:cSld>
+  <p:clrMapOvr>
+    <a:masterClrMapping/>
+  </p:clrMapOvr>
+  <p:timing>
+    <p:tnLst>
+      <p:par>
+        <p:cTn id="1" dur="indefinite" restart="never" nodeType="tmRoot">
+          <p:childTnLst>
+            <p:seq concurrent="1" nextAc="seek">
+              <p:cTn id="2" dur="indefinite" nodeType="mainSeq">
+                <p:childTnLst>
+                  <p:par>
+                    <p:cTn id="3" fill="hold">
+                      <p:stCondLst>
+                        <p:cond delay="indefinite"/>
+                      </p:stCondLst>
+                      <p:childTnLst>
+                        <p:par>
+                          <p:cTn id="4" fill="hold">
+                            <p:stCondLst>
+                              <p:cond delay="0"/>
+                            </p:stCondLst>
+                            <p:childTnLst>
+                              <p:par>
+                                <p:cTn id="5" presetID="1" presetClass="entr" presetSubtype="0" fill="hold" grpId="0" nodeType="clickEffect">
+                                  <p:stCondLst>
+                                    <p:cond delay="0"/>
+                                  </p:stCondLst>
+                                  <p:childTnLst>
+                                    <p:set>
+                                      <p:cBhvr>
+                                        <p:cTn id="6" dur="1" fill="hold">
+                                          <p:stCondLst>
+                                            <p:cond delay="0"/>
+                                          </p:stCondLst>
+                                        </p:cTn>
+                                        <p:tgtEl>
+                                          <p:spTgt spid="133"/>
+                                        </p:tgtEl>
+                                        <p:attrNameLst>
+                                          <p:attrName>style.visibility</p:attrName>
+                                        </p:attrNameLst>
+                                      </p:cBhvr>
+                                      <p:to>
+                                        <p:strVal val="visible"/>
+                                      </p:to>
+                                    </p:set>
+                                  </p:childTnLst>
+                                </p:cTn>
+                              </p:par>
+                              <p:par>
+                                <p:cTn id="7" presetID="1" presetClass="entr" presetSubtype="0" fill="hold" nodeType="withEffect">
+                                  <p:stCondLst>
+                                    <p:cond delay="0"/>
+                                  </p:stCondLst>
+                                  <p:childTnLst>
+                                    <p:set>
+                                      <p:cBhvr>
+                                        <p:cTn id="8" dur="1" fill="hold">
+                                          <p:stCondLst>
+                                            <p:cond delay="0"/>
+                                          </p:stCondLst>
+                                        </p:cTn>
+                                        <p:tgtEl>
+                                          <p:spTgt spid="4"/>
+                                        </p:tgtEl>
+                                        <p:attrNameLst>
+                                          <p:attrName>style.visibility</p:attrName>
+                                        </p:attrNameLst>
+                                      </p:cBhvr>
+                                      <p:to>
+                                        <p:strVal val="visible"/>
+                                      </p:to>
+                                    </p:set>
+                                  </p:childTnLst>
+                                </p:cTn>
+                              </p:par>
+                            </p:childTnLst>
+                          </p:cTn>
+                        </p:par>
+                      </p:childTnLst>
+                    </p:cTn>
+                  </p:par>
+                  <p:par>
+                    <p:cTn id="9" fill="hold">
+                      <p:stCondLst>
+                        <p:cond delay="indefinite"/>
+                      </p:stCondLst>
+                      <p:childTnLst>
+                        <p:par>
+                          <p:cTn id="10" fill="hold">
+                            <p:stCondLst>
+                              <p:cond delay="0"/>
+                            </p:stCondLst>
+                            <p:childTnLst>
+                              <p:par>
+                                <p:cTn id="11" presetID="1" presetClass="entr" presetSubtype="0" fill="hold" grpId="0" nodeType="clickEffect">
+                                  <p:stCondLst>
+                                    <p:cond delay="0"/>
+                                  </p:stCondLst>
+                                  <p:childTnLst>
+                                    <p:set>
+                                      <p:cBhvr>
+                                        <p:cTn id="12" dur="1" fill="hold">
+                                          <p:stCondLst>
+                                            <p:cond delay="0"/>
+                                          </p:stCondLst>
+                                        </p:cTn>
+                                        <p:tgtEl>
+                                          <p:spTgt spid="9"/>
+                                        </p:tgtEl>
+                                        <p:attrNameLst>
+                                          <p:attrName>style.visibility</p:attrName>
+                                        </p:attrNameLst>
+                                      </p:cBhvr>
+                                      <p:to>
+                                        <p:strVal val="visible"/>
+                                      </p:to>
+                                    </p:set>
+                                  </p:childTnLst>
+                                </p:cTn>
+                              </p:par>
+                              <p:par>
+                                <p:cTn id="13" presetID="1" presetClass="entr" presetSubtype="0" fill="hold" nodeType="withEffect">
+                                  <p:stCondLst>
+                                    <p:cond delay="0"/>
+                                  </p:stCondLst>
+                                  <p:childTnLst>
+                                    <p:set>
+                                      <p:cBhvr>
+                                        <p:cTn id="14" dur="1" fill="hold">
+                                          <p:stCondLst>
+                                            <p:cond delay="0"/>
+                                          </p:stCondLst>
+                                        </p:cTn>
+                                        <p:tgtEl>
+                                          <p:spTgt spid="12"/>
+                                        </p:tgtEl>
+                                        <p:attrNameLst>
+                                          <p:attrName>style.visibility</p:attrName>
+                                        </p:attrNameLst>
+                                      </p:cBhvr>
+                                      <p:to>
+                                        <p:strVal val="visible"/>
+                                      </p:to>
+                                    </p:set>
+                                  </p:childTnLst>
+                                </p:cTn>
+                              </p:par>
+                            </p:childTnLst>
+                          </p:cTn>
+                        </p:par>
+                      </p:childTnLst>
+                    </p:cTn>
+                  </p:par>
+                  <p:par>
+                    <p:cTn id="15" fill="hold">
+                      <p:stCondLst>
+                        <p:cond delay="indefinite"/>
+                      </p:stCondLst>
+                      <p:childTnLst>
+                        <p:par>
+                          <p:cTn id="16" fill="hold">
+                            <p:stCondLst>
+                              <p:cond delay="0"/>
+                            </p:stCondLst>
+                            <p:childTnLst>
+                              <p:par>
+                                <p:cTn id="17" presetID="1" presetClass="entr" presetSubtype="0" fill="hold" nodeType="clickEffect">
+                                  <p:stCondLst>
+                                    <p:cond delay="0"/>
+                                  </p:stCondLst>
+                                  <p:childTnLst>
+                                    <p:set>
+                                      <p:cBhvr>
+                                        <p:cTn id="18" dur="1" fill="hold">
+                                          <p:stCondLst>
+                                            <p:cond delay="0"/>
+                                          </p:stCondLst>
+                                        </p:cTn>
+                                        <p:tgtEl>
+                                          <p:spTgt spid="8"/>
+                                        </p:tgtEl>
+                                        <p:attrNameLst>
+                                          <p:attrName>style.visibility</p:attrName>
+                                        </p:attrNameLst>
+                                      </p:cBhvr>
+                                      <p:to>
+                                        <p:strVal val="visible"/>
+                                      </p:to>
+                                    </p:set>
+                                  </p:childTnLst>
+                                </p:cTn>
+                              </p:par>
+                              <p:par>
+                                <p:cTn id="19" presetID="1" presetClass="entr" presetSubtype="0" fill="hold" grpId="0" nodeType="withEffect">
+                                  <p:stCondLst>
+                                    <p:cond delay="0"/>
+                                  </p:stCondLst>
+                                  <p:childTnLst>
+                                    <p:set>
+                                      <p:cBhvr>
+                                        <p:cTn id="20" dur="1" fill="hold">
+                                          <p:stCondLst>
+                                            <p:cond delay="0"/>
+                                          </p:stCondLst>
+                                        </p:cTn>
+                                        <p:tgtEl>
+                                          <p:spTgt spid="10"/>
+                                        </p:tgtEl>
+                                        <p:attrNameLst>
+                                          <p:attrName>style.visibility</p:attrName>
+                                        </p:attrNameLst>
+                                      </p:cBhvr>
+                                      <p:to>
+                                        <p:strVal val="visible"/>
+                                      </p:to>
+                                    </p:set>
+                                  </p:childTnLst>
+                                </p:cTn>
+                              </p:par>
+                            </p:childTnLst>
+                          </p:cTn>
+                        </p:par>
+                      </p:childTnLst>
+                    </p:cTn>
+                  </p:par>
+                </p:childTnLst>
+              </p:cTn>
+              <p:prevCondLst>
+                <p:cond evt="onPrev" delay="0">
+                  <p:tgtEl>
+                    <p:sldTgt/>
+                  </p:tgtEl>
+                </p:cond>
+              </p:prevCondLst>
+              <p:nextCondLst>
+                <p:cond evt="onNext" delay="0">
+                  <p:tgtEl>
+                    <p:sldTgt/>
+                  </p:tgtEl>
+                </p:cond>
+              </p:nextCondLst>
+            </p:seq>
+          </p:childTnLst>
+        </p:cTn>
+      </p:par>
+    </p:tnLst>
+    <p:bldLst>
+      <p:bldP spid="133" grpId="0"/>
+      <p:bldP spid="9" grpId="0"/>
+      <p:bldP spid="10" grpId="0"/>
+    </p:bldLst>
+  </p:timing>
+</p:sld>
+</file>
+
+<file path=ppt/slides/slide15.xml><?xml version="1.0" encoding="utf-8"?>
+<p:sld xmlns:a="http://schemas.openxmlformats.org/drawingml/2006/main" xmlns:r="http://schemas.openxmlformats.org/officeDocument/2006/relationships" xmlns:p="http://schemas.openxmlformats.org/presentationml/2006/main">
+  <p:cSld>
+    <p:spTree>
+      <p:nvGrpSpPr>
+        <p:cNvPr id="1" name="Shape 129"/>
+        <p:cNvGrpSpPr/>
+        <p:nvPr/>
+      </p:nvGrpSpPr>
+      <p:grpSpPr>
+        <a:xfrm>
+          <a:off x="0" y="0"/>
+          <a:ext cx="0" cy="0"/>
+          <a:chOff x="0" y="0"/>
+          <a:chExt cx="0" cy="0"/>
+        </a:xfrm>
+      </p:grpSpPr>
+      <p:sp>
+        <p:nvSpPr>
+          <p:cNvPr id="130" name="Google Shape;130;ge6d407e7a1_0_85"/>
+          <p:cNvSpPr txBox="1">
+            <a:spLocks noGrp="1"/>
+          </p:cNvSpPr>
+          <p:nvPr>
+            <p:ph type="title"/>
+          </p:nvPr>
+        </p:nvSpPr>
+        <p:spPr>
+          <a:xfrm>
+            <a:off x="457200" y="0"/>
+            <a:ext cx="8645700" cy="1143000"/>
+          </a:xfrm>
+          <a:prstGeom prst="rect">
+            <a:avLst/>
+          </a:prstGeom>
+          <a:noFill/>
+          <a:ln>
+            <a:noFill/>
+          </a:ln>
+        </p:spPr>
+        <p:txBody>
+          <a:bodyPr spcFirstLastPara="1" wrap="square" lIns="91425" tIns="45700" rIns="91425" bIns="45700" anchor="ctr" anchorCtr="0">
+            <a:noAutofit/>
+          </a:bodyPr>
+          <a:lstStyle/>
+          <a:p>
+            <a:pPr marL="0" lvl="0" indent="0" algn="l" rtl="0">
+              <a:lnSpc>
+                <a:spcPct val="100000"/>
+              </a:lnSpc>
+              <a:spcBef>
+                <a:spcPts val="0"/>
+              </a:spcBef>
+              <a:spcAft>
+                <a:spcPts val="0"/>
+              </a:spcAft>
+              <a:buSzPts val="3200"/>
+              <a:buNone/>
+            </a:pPr>
+            <a:r>
+              <a:rPr lang="en-US" dirty="0"/>
+              <a:t>HD Fixed Effect Parallelization in R</a:t>
+            </a:r>
+            <a:endParaRPr dirty="0"/>
+          </a:p>
+        </p:txBody>
+      </p:sp>
+      <p:sp>
+        <p:nvSpPr>
+          <p:cNvPr id="132" name="Google Shape;132;ge6d407e7a1_0_85"/>
+          <p:cNvSpPr txBox="1">
+            <a:spLocks noGrp="1"/>
+          </p:cNvSpPr>
+          <p:nvPr>
+            <p:ph type="sldNum" idx="12"/>
+          </p:nvPr>
+        </p:nvSpPr>
+        <p:spPr>
+          <a:xfrm>
+            <a:off x="8686800" y="6506896"/>
+            <a:ext cx="416100" cy="365100"/>
+          </a:xfrm>
+          <a:prstGeom prst="rect">
+            <a:avLst/>
+          </a:prstGeom>
+          <a:noFill/>
+          <a:ln>
+            <a:noFill/>
+          </a:ln>
+        </p:spPr>
+        <p:txBody>
+          <a:bodyPr spcFirstLastPara="1" wrap="square" lIns="91425" tIns="45700" rIns="91425" bIns="45700" anchor="ctr" anchorCtr="0">
+            <a:noAutofit/>
+          </a:bodyPr>
+          <a:lstStyle/>
+          <a:p>
+            <a:pPr marL="0" lvl="0" indent="0" algn="r" rtl="0">
+              <a:lnSpc>
+                <a:spcPct val="100000"/>
+              </a:lnSpc>
+              <a:spcBef>
+                <a:spcPts val="0"/>
+              </a:spcBef>
+              <a:spcAft>
+                <a:spcPts val="0"/>
+              </a:spcAft>
+              <a:buSzPts val="1000"/>
+              <a:buNone/>
+            </a:pPr>
+            <a:fld id="{00000000-1234-1234-1234-123412341234}" type="slidenum">
+              <a:rPr lang="en-US"/>
+              <a:t>15</a:t>
             </a:fld>
             <a:endParaRPr/>
           </a:p>
@@ -14727,730 +15872,6 @@
 </p:sld>
 </file>
 
-<file path=ppt/slides/slide15.xml><?xml version="1.0" encoding="utf-8"?>
-<p:sld xmlns:a="http://schemas.openxmlformats.org/drawingml/2006/main" xmlns:r="http://schemas.openxmlformats.org/officeDocument/2006/relationships" xmlns:p="http://schemas.openxmlformats.org/presentationml/2006/main">
-  <p:cSld>
-    <p:spTree>
-      <p:nvGrpSpPr>
-        <p:cNvPr id="1" name="Shape 129"/>
-        <p:cNvGrpSpPr/>
-        <p:nvPr/>
-      </p:nvGrpSpPr>
-      <p:grpSpPr>
-        <a:xfrm>
-          <a:off x="0" y="0"/>
-          <a:ext cx="0" cy="0"/>
-          <a:chOff x="0" y="0"/>
-          <a:chExt cx="0" cy="0"/>
-        </a:xfrm>
-      </p:grpSpPr>
-      <p:sp>
-        <p:nvSpPr>
-          <p:cNvPr id="130" name="Google Shape;130;ge6d407e7a1_0_85"/>
-          <p:cNvSpPr txBox="1">
-            <a:spLocks noGrp="1"/>
-          </p:cNvSpPr>
-          <p:nvPr>
-            <p:ph type="title"/>
-          </p:nvPr>
-        </p:nvSpPr>
-        <p:spPr>
-          <a:xfrm>
-            <a:off x="457200" y="0"/>
-            <a:ext cx="8645700" cy="1143000"/>
-          </a:xfrm>
-          <a:prstGeom prst="rect">
-            <a:avLst/>
-          </a:prstGeom>
-          <a:noFill/>
-          <a:ln>
-            <a:noFill/>
-          </a:ln>
-        </p:spPr>
-        <p:txBody>
-          <a:bodyPr spcFirstLastPara="1" wrap="square" lIns="91425" tIns="45700" rIns="91425" bIns="45700" anchor="ctr" anchorCtr="0">
-            <a:noAutofit/>
-          </a:bodyPr>
-          <a:lstStyle/>
-          <a:p>
-            <a:pPr marL="0" lvl="0" indent="0" algn="l" rtl="0">
-              <a:lnSpc>
-                <a:spcPct val="100000"/>
-              </a:lnSpc>
-              <a:spcBef>
-                <a:spcPts val="0"/>
-              </a:spcBef>
-              <a:spcAft>
-                <a:spcPts val="0"/>
-              </a:spcAft>
-              <a:buSzPts val="3200"/>
-              <a:buNone/>
-            </a:pPr>
-            <a:r>
-              <a:rPr lang="en-US" dirty="0"/>
-              <a:t>HD Fixed Effect Example Studies</a:t>
-            </a:r>
-            <a:endParaRPr dirty="0"/>
-          </a:p>
-        </p:txBody>
-      </p:sp>
-      <p:sp>
-        <p:nvSpPr>
-          <p:cNvPr id="132" name="Google Shape;132;ge6d407e7a1_0_85"/>
-          <p:cNvSpPr txBox="1">
-            <a:spLocks noGrp="1"/>
-          </p:cNvSpPr>
-          <p:nvPr>
-            <p:ph type="sldNum" idx="12"/>
-          </p:nvPr>
-        </p:nvSpPr>
-        <p:spPr>
-          <a:xfrm>
-            <a:off x="8686800" y="6506896"/>
-            <a:ext cx="416100" cy="365100"/>
-          </a:xfrm>
-          <a:prstGeom prst="rect">
-            <a:avLst/>
-          </a:prstGeom>
-          <a:noFill/>
-          <a:ln>
-            <a:noFill/>
-          </a:ln>
-        </p:spPr>
-        <p:txBody>
-          <a:bodyPr spcFirstLastPara="1" wrap="square" lIns="91425" tIns="45700" rIns="91425" bIns="45700" anchor="ctr" anchorCtr="0">
-            <a:noAutofit/>
-          </a:bodyPr>
-          <a:lstStyle/>
-          <a:p>
-            <a:pPr marL="0" lvl="0" indent="0" algn="r" rtl="0">
-              <a:lnSpc>
-                <a:spcPct val="100000"/>
-              </a:lnSpc>
-              <a:spcBef>
-                <a:spcPts val="0"/>
-              </a:spcBef>
-              <a:spcAft>
-                <a:spcPts val="0"/>
-              </a:spcAft>
-              <a:buSzPts val="1000"/>
-              <a:buNone/>
-            </a:pPr>
-            <a:fld id="{00000000-1234-1234-1234-123412341234}" type="slidenum">
-              <a:rPr lang="en-US"/>
-              <a:t>15</a:t>
-            </a:fld>
-            <a:endParaRPr/>
-          </a:p>
-        </p:txBody>
-      </p:sp>
-      <p:sp>
-        <p:nvSpPr>
-          <p:cNvPr id="2" name="Content Placeholder 2">
-            <a:extLst>
-              <a:ext uri="{FF2B5EF4-FFF2-40B4-BE49-F238E27FC236}">
-                <a16:creationId xmlns:a16="http://schemas.microsoft.com/office/drawing/2014/main" id="{57656AF7-BF2D-5CE6-FA23-4BE0E2DE17B7}"/>
-              </a:ext>
-            </a:extLst>
-          </p:cNvPr>
-          <p:cNvSpPr txBox="1">
-            <a:spLocks/>
-          </p:cNvSpPr>
-          <p:nvPr/>
-        </p:nvSpPr>
-        <p:spPr>
-          <a:xfrm>
-            <a:off x="183156" y="1037063"/>
-            <a:ext cx="8332194" cy="4474936"/>
-          </a:xfrm>
-          <a:prstGeom prst="rect">
-            <a:avLst/>
-          </a:prstGeom>
-          <a:noFill/>
-          <a:ln>
-            <a:noFill/>
-          </a:ln>
-        </p:spPr>
-        <p:txBody>
-          <a:bodyPr spcFirstLastPara="1" wrap="square" lIns="91425" tIns="45700" rIns="91425" bIns="45700" anchor="t" anchorCtr="0">
-            <a:noAutofit/>
-          </a:bodyPr>
-          <a:lstStyle>
-            <a:defPPr marR="0" lvl="0" algn="l" rtl="0">
-              <a:lnSpc>
-                <a:spcPct val="100000"/>
-              </a:lnSpc>
-              <a:spcBef>
-                <a:spcPts val="0"/>
-              </a:spcBef>
-              <a:spcAft>
-                <a:spcPts val="0"/>
-              </a:spcAft>
-            </a:defPPr>
-            <a:lvl1pPr marL="457200" marR="0" lvl="0" indent="-342900" algn="l" rtl="0">
-              <a:lnSpc>
-                <a:spcPct val="100000"/>
-              </a:lnSpc>
-              <a:spcBef>
-                <a:spcPts val="360"/>
-              </a:spcBef>
-              <a:spcAft>
-                <a:spcPts val="0"/>
-              </a:spcAft>
-              <a:buClr>
-                <a:schemeClr val="dk1"/>
-              </a:buClr>
-              <a:buSzPts val="1800"/>
-              <a:buFont typeface="Arial"/>
-              <a:buChar char="•"/>
-              <a:defRPr sz="2400" b="0" i="0" u="none" strike="noStrike" cap="none">
-                <a:solidFill>
-                  <a:schemeClr val="dk1"/>
-                </a:solidFill>
-                <a:latin typeface="Arial"/>
-                <a:ea typeface="Arial"/>
-                <a:cs typeface="Arial"/>
-                <a:sym typeface="Arial"/>
-              </a:defRPr>
-            </a:lvl1pPr>
-            <a:lvl2pPr marL="914400" marR="0" lvl="1" indent="-381000" algn="l" rtl="0">
-              <a:lnSpc>
-                <a:spcPct val="100000"/>
-              </a:lnSpc>
-              <a:spcBef>
-                <a:spcPts val="480"/>
-              </a:spcBef>
-              <a:spcAft>
-                <a:spcPts val="0"/>
-              </a:spcAft>
-              <a:buClr>
-                <a:schemeClr val="dk1"/>
-              </a:buClr>
-              <a:buSzPts val="2400"/>
-              <a:buFont typeface="Arial"/>
-              <a:buChar char="–"/>
-              <a:defRPr sz="2400" b="0" i="0" u="none" strike="noStrike" cap="none">
-                <a:solidFill>
-                  <a:schemeClr val="dk1"/>
-                </a:solidFill>
-                <a:latin typeface="Arial"/>
-                <a:ea typeface="Arial"/>
-                <a:cs typeface="Arial"/>
-                <a:sym typeface="Arial"/>
-              </a:defRPr>
-            </a:lvl2pPr>
-            <a:lvl3pPr marL="1371600" marR="0" lvl="2" indent="-381000" algn="l" rtl="0">
-              <a:lnSpc>
-                <a:spcPct val="100000"/>
-              </a:lnSpc>
-              <a:spcBef>
-                <a:spcPts val="480"/>
-              </a:spcBef>
-              <a:spcAft>
-                <a:spcPts val="0"/>
-              </a:spcAft>
-              <a:buClr>
-                <a:schemeClr val="dk1"/>
-              </a:buClr>
-              <a:buSzPts val="2400"/>
-              <a:buFont typeface="Arial"/>
-              <a:buChar char="•"/>
-              <a:defRPr sz="2400" b="0" i="0" u="none" strike="noStrike" cap="none">
-                <a:solidFill>
-                  <a:schemeClr val="dk1"/>
-                </a:solidFill>
-                <a:latin typeface="Arial"/>
-                <a:ea typeface="Arial"/>
-                <a:cs typeface="Arial"/>
-                <a:sym typeface="Arial"/>
-              </a:defRPr>
-            </a:lvl3pPr>
-            <a:lvl4pPr marL="1828800" marR="0" lvl="3" indent="-381000" algn="l" rtl="0">
-              <a:lnSpc>
-                <a:spcPct val="100000"/>
-              </a:lnSpc>
-              <a:spcBef>
-                <a:spcPts val="480"/>
-              </a:spcBef>
-              <a:spcAft>
-                <a:spcPts val="0"/>
-              </a:spcAft>
-              <a:buClr>
-                <a:schemeClr val="dk1"/>
-              </a:buClr>
-              <a:buSzPts val="2400"/>
-              <a:buFont typeface="Arial"/>
-              <a:buChar char="–"/>
-              <a:defRPr sz="2400" b="0" i="0" u="none" strike="noStrike" cap="none">
-                <a:solidFill>
-                  <a:schemeClr val="dk1"/>
-                </a:solidFill>
-                <a:latin typeface="Arial"/>
-                <a:ea typeface="Arial"/>
-                <a:cs typeface="Arial"/>
-                <a:sym typeface="Arial"/>
-              </a:defRPr>
-            </a:lvl4pPr>
-            <a:lvl5pPr marL="2286000" marR="0" lvl="4" indent="-381000" algn="l" rtl="0">
-              <a:lnSpc>
-                <a:spcPct val="100000"/>
-              </a:lnSpc>
-              <a:spcBef>
-                <a:spcPts val="480"/>
-              </a:spcBef>
-              <a:spcAft>
-                <a:spcPts val="0"/>
-              </a:spcAft>
-              <a:buClr>
-                <a:schemeClr val="dk1"/>
-              </a:buClr>
-              <a:buSzPts val="2400"/>
-              <a:buFont typeface="Arial"/>
-              <a:buChar char="»"/>
-              <a:defRPr sz="2400" b="0" i="0" u="none" strike="noStrike" cap="none">
-                <a:solidFill>
-                  <a:schemeClr val="dk1"/>
-                </a:solidFill>
-                <a:latin typeface="Arial"/>
-                <a:ea typeface="Arial"/>
-                <a:cs typeface="Arial"/>
-                <a:sym typeface="Arial"/>
-              </a:defRPr>
-            </a:lvl5pPr>
-            <a:lvl6pPr marL="2743200" marR="0" lvl="5" indent="-342900" algn="l" rtl="0">
-              <a:lnSpc>
-                <a:spcPct val="100000"/>
-              </a:lnSpc>
-              <a:spcBef>
-                <a:spcPts val="360"/>
-              </a:spcBef>
-              <a:spcAft>
-                <a:spcPts val="0"/>
-              </a:spcAft>
-              <a:buClr>
-                <a:schemeClr val="dk1"/>
-              </a:buClr>
-              <a:buSzPts val="1800"/>
-              <a:buFont typeface="Arial"/>
-              <a:buChar char="•"/>
-              <a:defRPr sz="2000" b="0" i="0" u="none" strike="noStrike" cap="none">
-                <a:solidFill>
-                  <a:schemeClr val="dk1"/>
-                </a:solidFill>
-                <a:latin typeface="Arial"/>
-                <a:ea typeface="Arial"/>
-                <a:cs typeface="Arial"/>
-                <a:sym typeface="Arial"/>
-              </a:defRPr>
-            </a:lvl6pPr>
-            <a:lvl7pPr marL="3200400" marR="0" lvl="6" indent="-342900" algn="l" rtl="0">
-              <a:lnSpc>
-                <a:spcPct val="100000"/>
-              </a:lnSpc>
-              <a:spcBef>
-                <a:spcPts val="360"/>
-              </a:spcBef>
-              <a:spcAft>
-                <a:spcPts val="0"/>
-              </a:spcAft>
-              <a:buClr>
-                <a:schemeClr val="dk1"/>
-              </a:buClr>
-              <a:buSzPts val="1800"/>
-              <a:buFont typeface="Arial"/>
-              <a:buChar char="•"/>
-              <a:defRPr sz="2000" b="0" i="0" u="none" strike="noStrike" cap="none">
-                <a:solidFill>
-                  <a:schemeClr val="dk1"/>
-                </a:solidFill>
-                <a:latin typeface="Arial"/>
-                <a:ea typeface="Arial"/>
-                <a:cs typeface="Arial"/>
-                <a:sym typeface="Arial"/>
-              </a:defRPr>
-            </a:lvl7pPr>
-            <a:lvl8pPr marL="3657600" marR="0" lvl="7" indent="-342900" algn="l" rtl="0">
-              <a:lnSpc>
-                <a:spcPct val="100000"/>
-              </a:lnSpc>
-              <a:spcBef>
-                <a:spcPts val="360"/>
-              </a:spcBef>
-              <a:spcAft>
-                <a:spcPts val="0"/>
-              </a:spcAft>
-              <a:buClr>
-                <a:schemeClr val="dk1"/>
-              </a:buClr>
-              <a:buSzPts val="1800"/>
-              <a:buFont typeface="Arial"/>
-              <a:buChar char="•"/>
-              <a:defRPr sz="2000" b="0" i="0" u="none" strike="noStrike" cap="none">
-                <a:solidFill>
-                  <a:schemeClr val="dk1"/>
-                </a:solidFill>
-                <a:latin typeface="Arial"/>
-                <a:ea typeface="Arial"/>
-                <a:cs typeface="Arial"/>
-                <a:sym typeface="Arial"/>
-              </a:defRPr>
-            </a:lvl8pPr>
-            <a:lvl9pPr marL="4114800" marR="0" lvl="8" indent="-342900" algn="l" rtl="0">
-              <a:lnSpc>
-                <a:spcPct val="100000"/>
-              </a:lnSpc>
-              <a:spcBef>
-                <a:spcPts val="360"/>
-              </a:spcBef>
-              <a:spcAft>
-                <a:spcPts val="0"/>
-              </a:spcAft>
-              <a:buClr>
-                <a:schemeClr val="dk1"/>
-              </a:buClr>
-              <a:buSzPts val="1800"/>
-              <a:buFont typeface="Arial"/>
-              <a:buChar char="•"/>
-              <a:defRPr sz="2000" b="0" i="0" u="none" strike="noStrike" cap="none">
-                <a:solidFill>
-                  <a:schemeClr val="dk1"/>
-                </a:solidFill>
-                <a:latin typeface="Arial"/>
-                <a:ea typeface="Arial"/>
-                <a:cs typeface="Arial"/>
-                <a:sym typeface="Arial"/>
-              </a:defRPr>
-            </a:lvl9pPr>
-          </a:lstStyle>
-          <a:p>
-            <a:pPr marL="114300" indent="0" algn="l">
-              <a:buNone/>
-            </a:pPr>
-            <a:r>
-              <a:rPr lang="en-US" sz="1800" b="1" i="0" dirty="0">
-                <a:solidFill>
-                  <a:schemeClr val="tx1"/>
-                </a:solidFill>
-                <a:effectLst/>
-                <a:latin typeface="Arial" panose="020B0604020202020204" pitchFamily="34" charset="0"/>
-                <a:cs typeface="Arial" panose="020B0604020202020204" pitchFamily="34" charset="0"/>
-              </a:rPr>
-              <a:t>Environmental Economics</a:t>
-            </a:r>
-            <a:endParaRPr lang="en-US" sz="1800" b="0" i="0" dirty="0">
-              <a:solidFill>
-                <a:schemeClr val="tx1"/>
-              </a:solidFill>
-              <a:effectLst/>
-              <a:latin typeface="Arial" panose="020B0604020202020204" pitchFamily="34" charset="0"/>
-              <a:cs typeface="Arial" panose="020B0604020202020204" pitchFamily="34" charset="0"/>
-            </a:endParaRPr>
-          </a:p>
-          <a:p>
-            <a:pPr marL="457200" lvl="1" indent="0">
-              <a:buNone/>
-            </a:pPr>
-            <a:r>
-              <a:rPr lang="en-US" sz="1800" b="0" i="0" dirty="0">
-                <a:solidFill>
-                  <a:schemeClr val="tx1"/>
-                </a:solidFill>
-                <a:effectLst/>
-                <a:latin typeface="Arial" panose="020B0604020202020204" pitchFamily="34" charset="0"/>
-                <a:cs typeface="Arial" panose="020B0604020202020204" pitchFamily="34" charset="0"/>
-              </a:rPr>
-              <a:t>Study: Impact of Green Regulations on Firm Emissions</a:t>
-            </a:r>
-          </a:p>
-          <a:p>
-            <a:pPr marL="457200" lvl="1" indent="0">
-              <a:buNone/>
-            </a:pPr>
-            <a:r>
-              <a:rPr lang="en-US" sz="1800" b="0" i="0" dirty="0">
-                <a:solidFill>
-                  <a:schemeClr val="tx1"/>
-                </a:solidFill>
-                <a:effectLst/>
-                <a:latin typeface="Arial" panose="020B0604020202020204" pitchFamily="34" charset="0"/>
-                <a:cs typeface="Arial" panose="020B0604020202020204" pitchFamily="34" charset="0"/>
-              </a:rPr>
-              <a:t>Method: Fixed effects control for unobserved firm-specific characteristics and regulatory effects.</a:t>
-            </a:r>
-          </a:p>
-          <a:p>
-            <a:pPr marL="114300" indent="0" algn="l">
-              <a:buNone/>
-            </a:pPr>
-            <a:r>
-              <a:rPr lang="en-US" sz="1800" b="1" i="0" dirty="0">
-                <a:solidFill>
-                  <a:schemeClr val="tx1"/>
-                </a:solidFill>
-                <a:effectLst/>
-                <a:latin typeface="Arial" panose="020B0604020202020204" pitchFamily="34" charset="0"/>
-                <a:cs typeface="Arial" panose="020B0604020202020204" pitchFamily="34" charset="0"/>
-              </a:rPr>
-              <a:t>Labor Economics</a:t>
-            </a:r>
-            <a:endParaRPr lang="en-US" sz="1800" b="0" i="0" dirty="0">
-              <a:solidFill>
-                <a:schemeClr val="tx1"/>
-              </a:solidFill>
-              <a:effectLst/>
-              <a:latin typeface="Arial" panose="020B0604020202020204" pitchFamily="34" charset="0"/>
-              <a:cs typeface="Arial" panose="020B0604020202020204" pitchFamily="34" charset="0"/>
-            </a:endParaRPr>
-          </a:p>
-          <a:p>
-            <a:pPr marL="457200" lvl="1" indent="0" algn="l">
-              <a:buNone/>
-            </a:pPr>
-            <a:r>
-              <a:rPr lang="en-US" sz="1800" b="0" i="0" dirty="0">
-                <a:solidFill>
-                  <a:schemeClr val="tx1"/>
-                </a:solidFill>
-                <a:effectLst/>
-                <a:latin typeface="Arial" panose="020B0604020202020204" pitchFamily="34" charset="0"/>
-                <a:cs typeface="Arial" panose="020B0604020202020204" pitchFamily="34" charset="0"/>
-              </a:rPr>
-              <a:t>Study: Gender Wage Gap Over Time</a:t>
-            </a:r>
-          </a:p>
-          <a:p>
-            <a:pPr marL="457200" lvl="1" indent="0" algn="l">
-              <a:buNone/>
-            </a:pPr>
-            <a:r>
-              <a:rPr lang="en-US" sz="1800" b="0" i="0" dirty="0">
-                <a:solidFill>
-                  <a:schemeClr val="tx1"/>
-                </a:solidFill>
-                <a:effectLst/>
-                <a:latin typeface="Arial" panose="020B0604020202020204" pitchFamily="34" charset="0"/>
-                <a:cs typeface="Arial" panose="020B0604020202020204" pitchFamily="34" charset="0"/>
-              </a:rPr>
-              <a:t>Method: Fixed effects capture gender-specific wage differentials by controlling for time-invariant factors.</a:t>
-            </a:r>
-          </a:p>
-          <a:p>
-            <a:pPr marL="0" indent="0">
-              <a:buNone/>
-            </a:pPr>
-            <a:r>
-              <a:rPr lang="en-US" sz="1800" b="1" i="0" dirty="0">
-                <a:solidFill>
-                  <a:schemeClr val="tx1"/>
-                </a:solidFill>
-                <a:effectLst/>
-                <a:latin typeface="Arial" panose="020B0604020202020204" pitchFamily="34" charset="0"/>
-                <a:cs typeface="Arial" panose="020B0604020202020204" pitchFamily="34" charset="0"/>
-              </a:rPr>
-              <a:t>Health Economics</a:t>
-            </a:r>
-            <a:endParaRPr lang="en-US" sz="1800" b="0" i="0" dirty="0">
-              <a:solidFill>
-                <a:schemeClr val="tx1"/>
-              </a:solidFill>
-              <a:effectLst/>
-              <a:latin typeface="Arial" panose="020B0604020202020204" pitchFamily="34" charset="0"/>
-              <a:cs typeface="Arial" panose="020B0604020202020204" pitchFamily="34" charset="0"/>
-            </a:endParaRPr>
-          </a:p>
-          <a:p>
-            <a:pPr marL="457200" lvl="1" indent="0" algn="l">
-              <a:buNone/>
-            </a:pPr>
-            <a:r>
-              <a:rPr lang="en-US" sz="1800" b="0" i="0" dirty="0">
-                <a:solidFill>
-                  <a:schemeClr val="tx1"/>
-                </a:solidFill>
-                <a:effectLst/>
-                <a:latin typeface="Arial" panose="020B0604020202020204" pitchFamily="34" charset="0"/>
-                <a:cs typeface="Arial" panose="020B0604020202020204" pitchFamily="34" charset="0"/>
-              </a:rPr>
-              <a:t>Study: Effects of Universal Healthcare on Health Outcomes</a:t>
-            </a:r>
-          </a:p>
-          <a:p>
-            <a:pPr marL="457200" lvl="1" indent="0" algn="l">
-              <a:buNone/>
-            </a:pPr>
-            <a:r>
-              <a:rPr lang="en-US" sz="1800" b="0" i="0" dirty="0">
-                <a:solidFill>
-                  <a:schemeClr val="tx1"/>
-                </a:solidFill>
-                <a:effectLst/>
-                <a:latin typeface="Arial" panose="020B0604020202020204" pitchFamily="34" charset="0"/>
-                <a:cs typeface="Arial" panose="020B0604020202020204" pitchFamily="34" charset="0"/>
-              </a:rPr>
-              <a:t>Method: Fixed effects account for unobserved health-related characteristics and policy impacts.</a:t>
-            </a:r>
-          </a:p>
-          <a:p>
-            <a:pPr marL="114300" indent="0" algn="l">
-              <a:buNone/>
-            </a:pPr>
-            <a:r>
-              <a:rPr lang="en-US" sz="1800" b="1" i="0" dirty="0">
-                <a:solidFill>
-                  <a:schemeClr val="tx1"/>
-                </a:solidFill>
-                <a:effectLst/>
-                <a:latin typeface="Arial" panose="020B0604020202020204" pitchFamily="34" charset="0"/>
-                <a:cs typeface="Arial" panose="020B0604020202020204" pitchFamily="34" charset="0"/>
-              </a:rPr>
-              <a:t>Finance</a:t>
-            </a:r>
-            <a:endParaRPr lang="en-US" sz="1800" b="0" i="0" dirty="0">
-              <a:solidFill>
-                <a:schemeClr val="tx1"/>
-              </a:solidFill>
-              <a:effectLst/>
-              <a:latin typeface="Arial" panose="020B0604020202020204" pitchFamily="34" charset="0"/>
-              <a:cs typeface="Arial" panose="020B0604020202020204" pitchFamily="34" charset="0"/>
-            </a:endParaRPr>
-          </a:p>
-          <a:p>
-            <a:pPr marL="457200" lvl="1" indent="0" algn="l">
-              <a:buNone/>
-            </a:pPr>
-            <a:r>
-              <a:rPr lang="en-US" sz="1800" b="0" i="0" dirty="0">
-                <a:solidFill>
-                  <a:schemeClr val="tx1"/>
-                </a:solidFill>
-                <a:effectLst/>
-                <a:latin typeface="Arial" panose="020B0604020202020204" pitchFamily="34" charset="0"/>
-                <a:cs typeface="Arial" panose="020B0604020202020204" pitchFamily="34" charset="0"/>
-              </a:rPr>
-              <a:t>Study: Determinants of Stock Returns Across Industries</a:t>
-            </a:r>
-          </a:p>
-          <a:p>
-            <a:pPr marL="457200" lvl="1" indent="0" algn="l">
-              <a:buNone/>
-            </a:pPr>
-            <a:r>
-              <a:rPr lang="en-US" sz="1800" b="0" i="0" dirty="0">
-                <a:solidFill>
-                  <a:schemeClr val="tx1"/>
-                </a:solidFill>
-                <a:effectLst/>
-                <a:latin typeface="Arial" panose="020B0604020202020204" pitchFamily="34" charset="0"/>
-                <a:cs typeface="Arial" panose="020B0604020202020204" pitchFamily="34" charset="0"/>
-              </a:rPr>
-              <a:t>Method: Fixed effects control for industry-specific factors influencing stock performance.</a:t>
-            </a:r>
-          </a:p>
-          <a:p>
-            <a:pPr marL="114300" indent="0" algn="l">
-              <a:buNone/>
-            </a:pPr>
-            <a:br>
-              <a:rPr lang="en-US" sz="1800" b="0" i="0" dirty="0">
-                <a:solidFill>
-                  <a:srgbClr val="000000"/>
-                </a:solidFill>
-                <a:effectLst/>
-                <a:latin typeface="Arial" panose="020B0604020202020204" pitchFamily="34" charset="0"/>
-                <a:cs typeface="Arial" panose="020B0604020202020204" pitchFamily="34" charset="0"/>
-              </a:rPr>
-            </a:br>
-            <a:endParaRPr lang="en-US" sz="1800" b="0" i="0" dirty="0">
-              <a:solidFill>
-                <a:srgbClr val="000000"/>
-              </a:solidFill>
-              <a:effectLst/>
-              <a:latin typeface="Arial" panose="020B0604020202020204" pitchFamily="34" charset="0"/>
-              <a:cs typeface="Arial" panose="020B0604020202020204" pitchFamily="34" charset="0"/>
-            </a:endParaRPr>
-          </a:p>
-          <a:p>
-            <a:pPr marL="114300" indent="0">
-              <a:buNone/>
-            </a:pPr>
-            <a:endParaRPr lang="en-US" sz="1800" dirty="0">
-              <a:latin typeface="Arial" panose="020B0604020202020204" pitchFamily="34" charset="0"/>
-              <a:cs typeface="Arial" panose="020B0604020202020204" pitchFamily="34" charset="0"/>
-            </a:endParaRPr>
-          </a:p>
-          <a:p>
-            <a:pPr marL="114300" indent="0">
-              <a:buNone/>
-            </a:pPr>
-            <a:endParaRPr lang="en-US" sz="1800" dirty="0">
-              <a:latin typeface="Arial" panose="020B0604020202020204" pitchFamily="34" charset="0"/>
-              <a:cs typeface="Arial" panose="020B0604020202020204" pitchFamily="34" charset="0"/>
-            </a:endParaRPr>
-          </a:p>
-          <a:p>
-            <a:endParaRPr lang="en-US" sz="1800" dirty="0">
-              <a:latin typeface="Arial" panose="020B0604020202020204" pitchFamily="34" charset="0"/>
-              <a:cs typeface="Arial" panose="020B0604020202020204" pitchFamily="34" charset="0"/>
-            </a:endParaRPr>
-          </a:p>
-          <a:p>
-            <a:endParaRPr lang="en-US" sz="1800" dirty="0">
-              <a:latin typeface="Arial" panose="020B0604020202020204" pitchFamily="34" charset="0"/>
-              <a:cs typeface="Arial" panose="020B0604020202020204" pitchFamily="34" charset="0"/>
-            </a:endParaRPr>
-          </a:p>
-          <a:p>
-            <a:pPr lvl="1"/>
-            <a:endParaRPr lang="en-US" dirty="0"/>
-          </a:p>
-        </p:txBody>
-      </p:sp>
-      <p:sp>
-        <p:nvSpPr>
-          <p:cNvPr id="3" name="Footer Placeholder 1">
-            <a:extLst>
-              <a:ext uri="{FF2B5EF4-FFF2-40B4-BE49-F238E27FC236}">
-                <a16:creationId xmlns:a16="http://schemas.microsoft.com/office/drawing/2014/main" id="{0D40BD4A-586B-904D-4440-9A2F41B686E4}"/>
-              </a:ext>
-            </a:extLst>
-          </p:cNvPr>
-          <p:cNvSpPr>
-            <a:spLocks noGrp="1"/>
-          </p:cNvSpPr>
-          <p:nvPr>
-            <p:ph type="ftr" idx="11"/>
-          </p:nvPr>
-        </p:nvSpPr>
-        <p:spPr>
-          <a:xfrm>
-            <a:off x="4572000" y="6506896"/>
-            <a:ext cx="4114800" cy="365125"/>
-          </a:xfrm>
-        </p:spPr>
-        <p:txBody>
-          <a:bodyPr/>
-          <a:lstStyle/>
-          <a:p>
-            <a:r>
-              <a:rPr lang="en-US" dirty="0"/>
-              <a:t>High Dimensional Fixed Effects</a:t>
-            </a:r>
-          </a:p>
-        </p:txBody>
-      </p:sp>
-    </p:spTree>
-    <p:extLst>
-      <p:ext uri="{BB962C8B-B14F-4D97-AF65-F5344CB8AC3E}">
-        <p14:creationId xmlns:p14="http://schemas.microsoft.com/office/powerpoint/2010/main" val="2881356080"/>
-      </p:ext>
-    </p:extLst>
-  </p:cSld>
-  <p:clrMapOvr>
-    <a:masterClrMapping/>
-  </p:clrMapOvr>
-</p:sld>
-</file>
-
 <file path=ppt/slides/slide16.xml><?xml version="1.0" encoding="utf-8"?>
 <p:sld xmlns:a="http://schemas.openxmlformats.org/drawingml/2006/main" xmlns:r="http://schemas.openxmlformats.org/officeDocument/2006/relationships" xmlns:p="http://schemas.openxmlformats.org/presentationml/2006/main">
   <p:cSld>
@@ -15512,7 +15933,7 @@
             </a:pPr>
             <a:r>
               <a:rPr lang="en-US" dirty="0"/>
-              <a:t>Takeaways:</a:t>
+              <a:t>HD Fixed Effect Example Studies</a:t>
             </a:r>
             <a:endParaRPr dirty="0"/>
           </a:p>
@@ -15563,6 +15984,730 @@
             <a:fld id="{00000000-1234-1234-1234-123412341234}" type="slidenum">
               <a:rPr lang="en-US"/>
               <a:t>16</a:t>
+            </a:fld>
+            <a:endParaRPr/>
+          </a:p>
+        </p:txBody>
+      </p:sp>
+      <p:sp>
+        <p:nvSpPr>
+          <p:cNvPr id="2" name="Content Placeholder 2">
+            <a:extLst>
+              <a:ext uri="{FF2B5EF4-FFF2-40B4-BE49-F238E27FC236}">
+                <a16:creationId xmlns:a16="http://schemas.microsoft.com/office/drawing/2014/main" id="{57656AF7-BF2D-5CE6-FA23-4BE0E2DE17B7}"/>
+              </a:ext>
+            </a:extLst>
+          </p:cNvPr>
+          <p:cNvSpPr txBox="1">
+            <a:spLocks/>
+          </p:cNvSpPr>
+          <p:nvPr/>
+        </p:nvSpPr>
+        <p:spPr>
+          <a:xfrm>
+            <a:off x="183156" y="1037063"/>
+            <a:ext cx="8332194" cy="4474936"/>
+          </a:xfrm>
+          <a:prstGeom prst="rect">
+            <a:avLst/>
+          </a:prstGeom>
+          <a:noFill/>
+          <a:ln>
+            <a:noFill/>
+          </a:ln>
+        </p:spPr>
+        <p:txBody>
+          <a:bodyPr spcFirstLastPara="1" wrap="square" lIns="91425" tIns="45700" rIns="91425" bIns="45700" anchor="t" anchorCtr="0">
+            <a:noAutofit/>
+          </a:bodyPr>
+          <a:lstStyle>
+            <a:defPPr marR="0" lvl="0" algn="l" rtl="0">
+              <a:lnSpc>
+                <a:spcPct val="100000"/>
+              </a:lnSpc>
+              <a:spcBef>
+                <a:spcPts val="0"/>
+              </a:spcBef>
+              <a:spcAft>
+                <a:spcPts val="0"/>
+              </a:spcAft>
+            </a:defPPr>
+            <a:lvl1pPr marL="457200" marR="0" lvl="0" indent="-342900" algn="l" rtl="0">
+              <a:lnSpc>
+                <a:spcPct val="100000"/>
+              </a:lnSpc>
+              <a:spcBef>
+                <a:spcPts val="360"/>
+              </a:spcBef>
+              <a:spcAft>
+                <a:spcPts val="0"/>
+              </a:spcAft>
+              <a:buClr>
+                <a:schemeClr val="dk1"/>
+              </a:buClr>
+              <a:buSzPts val="1800"/>
+              <a:buFont typeface="Arial"/>
+              <a:buChar char="•"/>
+              <a:defRPr sz="2400" b="0" i="0" u="none" strike="noStrike" cap="none">
+                <a:solidFill>
+                  <a:schemeClr val="dk1"/>
+                </a:solidFill>
+                <a:latin typeface="Arial"/>
+                <a:ea typeface="Arial"/>
+                <a:cs typeface="Arial"/>
+                <a:sym typeface="Arial"/>
+              </a:defRPr>
+            </a:lvl1pPr>
+            <a:lvl2pPr marL="914400" marR="0" lvl="1" indent="-381000" algn="l" rtl="0">
+              <a:lnSpc>
+                <a:spcPct val="100000"/>
+              </a:lnSpc>
+              <a:spcBef>
+                <a:spcPts val="480"/>
+              </a:spcBef>
+              <a:spcAft>
+                <a:spcPts val="0"/>
+              </a:spcAft>
+              <a:buClr>
+                <a:schemeClr val="dk1"/>
+              </a:buClr>
+              <a:buSzPts val="2400"/>
+              <a:buFont typeface="Arial"/>
+              <a:buChar char="–"/>
+              <a:defRPr sz="2400" b="0" i="0" u="none" strike="noStrike" cap="none">
+                <a:solidFill>
+                  <a:schemeClr val="dk1"/>
+                </a:solidFill>
+                <a:latin typeface="Arial"/>
+                <a:ea typeface="Arial"/>
+                <a:cs typeface="Arial"/>
+                <a:sym typeface="Arial"/>
+              </a:defRPr>
+            </a:lvl2pPr>
+            <a:lvl3pPr marL="1371600" marR="0" lvl="2" indent="-381000" algn="l" rtl="0">
+              <a:lnSpc>
+                <a:spcPct val="100000"/>
+              </a:lnSpc>
+              <a:spcBef>
+                <a:spcPts val="480"/>
+              </a:spcBef>
+              <a:spcAft>
+                <a:spcPts val="0"/>
+              </a:spcAft>
+              <a:buClr>
+                <a:schemeClr val="dk1"/>
+              </a:buClr>
+              <a:buSzPts val="2400"/>
+              <a:buFont typeface="Arial"/>
+              <a:buChar char="•"/>
+              <a:defRPr sz="2400" b="0" i="0" u="none" strike="noStrike" cap="none">
+                <a:solidFill>
+                  <a:schemeClr val="dk1"/>
+                </a:solidFill>
+                <a:latin typeface="Arial"/>
+                <a:ea typeface="Arial"/>
+                <a:cs typeface="Arial"/>
+                <a:sym typeface="Arial"/>
+              </a:defRPr>
+            </a:lvl3pPr>
+            <a:lvl4pPr marL="1828800" marR="0" lvl="3" indent="-381000" algn="l" rtl="0">
+              <a:lnSpc>
+                <a:spcPct val="100000"/>
+              </a:lnSpc>
+              <a:spcBef>
+                <a:spcPts val="480"/>
+              </a:spcBef>
+              <a:spcAft>
+                <a:spcPts val="0"/>
+              </a:spcAft>
+              <a:buClr>
+                <a:schemeClr val="dk1"/>
+              </a:buClr>
+              <a:buSzPts val="2400"/>
+              <a:buFont typeface="Arial"/>
+              <a:buChar char="–"/>
+              <a:defRPr sz="2400" b="0" i="0" u="none" strike="noStrike" cap="none">
+                <a:solidFill>
+                  <a:schemeClr val="dk1"/>
+                </a:solidFill>
+                <a:latin typeface="Arial"/>
+                <a:ea typeface="Arial"/>
+                <a:cs typeface="Arial"/>
+                <a:sym typeface="Arial"/>
+              </a:defRPr>
+            </a:lvl4pPr>
+            <a:lvl5pPr marL="2286000" marR="0" lvl="4" indent="-381000" algn="l" rtl="0">
+              <a:lnSpc>
+                <a:spcPct val="100000"/>
+              </a:lnSpc>
+              <a:spcBef>
+                <a:spcPts val="480"/>
+              </a:spcBef>
+              <a:spcAft>
+                <a:spcPts val="0"/>
+              </a:spcAft>
+              <a:buClr>
+                <a:schemeClr val="dk1"/>
+              </a:buClr>
+              <a:buSzPts val="2400"/>
+              <a:buFont typeface="Arial"/>
+              <a:buChar char="»"/>
+              <a:defRPr sz="2400" b="0" i="0" u="none" strike="noStrike" cap="none">
+                <a:solidFill>
+                  <a:schemeClr val="dk1"/>
+                </a:solidFill>
+                <a:latin typeface="Arial"/>
+                <a:ea typeface="Arial"/>
+                <a:cs typeface="Arial"/>
+                <a:sym typeface="Arial"/>
+              </a:defRPr>
+            </a:lvl5pPr>
+            <a:lvl6pPr marL="2743200" marR="0" lvl="5" indent="-342900" algn="l" rtl="0">
+              <a:lnSpc>
+                <a:spcPct val="100000"/>
+              </a:lnSpc>
+              <a:spcBef>
+                <a:spcPts val="360"/>
+              </a:spcBef>
+              <a:spcAft>
+                <a:spcPts val="0"/>
+              </a:spcAft>
+              <a:buClr>
+                <a:schemeClr val="dk1"/>
+              </a:buClr>
+              <a:buSzPts val="1800"/>
+              <a:buFont typeface="Arial"/>
+              <a:buChar char="•"/>
+              <a:defRPr sz="2000" b="0" i="0" u="none" strike="noStrike" cap="none">
+                <a:solidFill>
+                  <a:schemeClr val="dk1"/>
+                </a:solidFill>
+                <a:latin typeface="Arial"/>
+                <a:ea typeface="Arial"/>
+                <a:cs typeface="Arial"/>
+                <a:sym typeface="Arial"/>
+              </a:defRPr>
+            </a:lvl6pPr>
+            <a:lvl7pPr marL="3200400" marR="0" lvl="6" indent="-342900" algn="l" rtl="0">
+              <a:lnSpc>
+                <a:spcPct val="100000"/>
+              </a:lnSpc>
+              <a:spcBef>
+                <a:spcPts val="360"/>
+              </a:spcBef>
+              <a:spcAft>
+                <a:spcPts val="0"/>
+              </a:spcAft>
+              <a:buClr>
+                <a:schemeClr val="dk1"/>
+              </a:buClr>
+              <a:buSzPts val="1800"/>
+              <a:buFont typeface="Arial"/>
+              <a:buChar char="•"/>
+              <a:defRPr sz="2000" b="0" i="0" u="none" strike="noStrike" cap="none">
+                <a:solidFill>
+                  <a:schemeClr val="dk1"/>
+                </a:solidFill>
+                <a:latin typeface="Arial"/>
+                <a:ea typeface="Arial"/>
+                <a:cs typeface="Arial"/>
+                <a:sym typeface="Arial"/>
+              </a:defRPr>
+            </a:lvl7pPr>
+            <a:lvl8pPr marL="3657600" marR="0" lvl="7" indent="-342900" algn="l" rtl="0">
+              <a:lnSpc>
+                <a:spcPct val="100000"/>
+              </a:lnSpc>
+              <a:spcBef>
+                <a:spcPts val="360"/>
+              </a:spcBef>
+              <a:spcAft>
+                <a:spcPts val="0"/>
+              </a:spcAft>
+              <a:buClr>
+                <a:schemeClr val="dk1"/>
+              </a:buClr>
+              <a:buSzPts val="1800"/>
+              <a:buFont typeface="Arial"/>
+              <a:buChar char="•"/>
+              <a:defRPr sz="2000" b="0" i="0" u="none" strike="noStrike" cap="none">
+                <a:solidFill>
+                  <a:schemeClr val="dk1"/>
+                </a:solidFill>
+                <a:latin typeface="Arial"/>
+                <a:ea typeface="Arial"/>
+                <a:cs typeface="Arial"/>
+                <a:sym typeface="Arial"/>
+              </a:defRPr>
+            </a:lvl8pPr>
+            <a:lvl9pPr marL="4114800" marR="0" lvl="8" indent="-342900" algn="l" rtl="0">
+              <a:lnSpc>
+                <a:spcPct val="100000"/>
+              </a:lnSpc>
+              <a:spcBef>
+                <a:spcPts val="360"/>
+              </a:spcBef>
+              <a:spcAft>
+                <a:spcPts val="0"/>
+              </a:spcAft>
+              <a:buClr>
+                <a:schemeClr val="dk1"/>
+              </a:buClr>
+              <a:buSzPts val="1800"/>
+              <a:buFont typeface="Arial"/>
+              <a:buChar char="•"/>
+              <a:defRPr sz="2000" b="0" i="0" u="none" strike="noStrike" cap="none">
+                <a:solidFill>
+                  <a:schemeClr val="dk1"/>
+                </a:solidFill>
+                <a:latin typeface="Arial"/>
+                <a:ea typeface="Arial"/>
+                <a:cs typeface="Arial"/>
+                <a:sym typeface="Arial"/>
+              </a:defRPr>
+            </a:lvl9pPr>
+          </a:lstStyle>
+          <a:p>
+            <a:pPr marL="114300" indent="0" algn="l">
+              <a:buNone/>
+            </a:pPr>
+            <a:r>
+              <a:rPr lang="en-US" sz="1800" b="1" i="0" dirty="0">
+                <a:solidFill>
+                  <a:schemeClr val="tx1"/>
+                </a:solidFill>
+                <a:effectLst/>
+                <a:latin typeface="Arial" panose="020B0604020202020204" pitchFamily="34" charset="0"/>
+                <a:cs typeface="Arial" panose="020B0604020202020204" pitchFamily="34" charset="0"/>
+              </a:rPr>
+              <a:t>Environmental Economics</a:t>
+            </a:r>
+            <a:endParaRPr lang="en-US" sz="1800" b="0" i="0" dirty="0">
+              <a:solidFill>
+                <a:schemeClr val="tx1"/>
+              </a:solidFill>
+              <a:effectLst/>
+              <a:latin typeface="Arial" panose="020B0604020202020204" pitchFamily="34" charset="0"/>
+              <a:cs typeface="Arial" panose="020B0604020202020204" pitchFamily="34" charset="0"/>
+            </a:endParaRPr>
+          </a:p>
+          <a:p>
+            <a:pPr marL="457200" lvl="1" indent="0">
+              <a:buNone/>
+            </a:pPr>
+            <a:r>
+              <a:rPr lang="en-US" sz="1800" b="0" i="0" dirty="0">
+                <a:solidFill>
+                  <a:schemeClr val="tx1"/>
+                </a:solidFill>
+                <a:effectLst/>
+                <a:latin typeface="Arial" panose="020B0604020202020204" pitchFamily="34" charset="0"/>
+                <a:cs typeface="Arial" panose="020B0604020202020204" pitchFamily="34" charset="0"/>
+              </a:rPr>
+              <a:t>Study: Impact of Green Regulations on Firm Emissions</a:t>
+            </a:r>
+          </a:p>
+          <a:p>
+            <a:pPr marL="457200" lvl="1" indent="0">
+              <a:buNone/>
+            </a:pPr>
+            <a:r>
+              <a:rPr lang="en-US" sz="1800" b="0" i="0" dirty="0">
+                <a:solidFill>
+                  <a:schemeClr val="tx1"/>
+                </a:solidFill>
+                <a:effectLst/>
+                <a:latin typeface="Arial" panose="020B0604020202020204" pitchFamily="34" charset="0"/>
+                <a:cs typeface="Arial" panose="020B0604020202020204" pitchFamily="34" charset="0"/>
+              </a:rPr>
+              <a:t>Method: Fixed effects control for unobserved firm-specific characteristics and regulatory effects.</a:t>
+            </a:r>
+          </a:p>
+          <a:p>
+            <a:pPr marL="114300" indent="0" algn="l">
+              <a:buNone/>
+            </a:pPr>
+            <a:r>
+              <a:rPr lang="en-US" sz="1800" b="1" i="0" dirty="0">
+                <a:solidFill>
+                  <a:schemeClr val="tx1"/>
+                </a:solidFill>
+                <a:effectLst/>
+                <a:latin typeface="Arial" panose="020B0604020202020204" pitchFamily="34" charset="0"/>
+                <a:cs typeface="Arial" panose="020B0604020202020204" pitchFamily="34" charset="0"/>
+              </a:rPr>
+              <a:t>Labor Economics</a:t>
+            </a:r>
+            <a:endParaRPr lang="en-US" sz="1800" b="0" i="0" dirty="0">
+              <a:solidFill>
+                <a:schemeClr val="tx1"/>
+              </a:solidFill>
+              <a:effectLst/>
+              <a:latin typeface="Arial" panose="020B0604020202020204" pitchFamily="34" charset="0"/>
+              <a:cs typeface="Arial" panose="020B0604020202020204" pitchFamily="34" charset="0"/>
+            </a:endParaRPr>
+          </a:p>
+          <a:p>
+            <a:pPr marL="457200" lvl="1" indent="0" algn="l">
+              <a:buNone/>
+            </a:pPr>
+            <a:r>
+              <a:rPr lang="en-US" sz="1800" b="0" i="0" dirty="0">
+                <a:solidFill>
+                  <a:schemeClr val="tx1"/>
+                </a:solidFill>
+                <a:effectLst/>
+                <a:latin typeface="Arial" panose="020B0604020202020204" pitchFamily="34" charset="0"/>
+                <a:cs typeface="Arial" panose="020B0604020202020204" pitchFamily="34" charset="0"/>
+              </a:rPr>
+              <a:t>Study: Gender Wage Gap Over Time</a:t>
+            </a:r>
+          </a:p>
+          <a:p>
+            <a:pPr marL="457200" lvl="1" indent="0" algn="l">
+              <a:buNone/>
+            </a:pPr>
+            <a:r>
+              <a:rPr lang="en-US" sz="1800" b="0" i="0" dirty="0">
+                <a:solidFill>
+                  <a:schemeClr val="tx1"/>
+                </a:solidFill>
+                <a:effectLst/>
+                <a:latin typeface="Arial" panose="020B0604020202020204" pitchFamily="34" charset="0"/>
+                <a:cs typeface="Arial" panose="020B0604020202020204" pitchFamily="34" charset="0"/>
+              </a:rPr>
+              <a:t>Method: Fixed effects capture gender-specific wage differentials by controlling for time-invariant factors.</a:t>
+            </a:r>
+          </a:p>
+          <a:p>
+            <a:pPr marL="0" indent="0">
+              <a:buNone/>
+            </a:pPr>
+            <a:r>
+              <a:rPr lang="en-US" sz="1800" b="1" i="0" dirty="0">
+                <a:solidFill>
+                  <a:schemeClr val="tx1"/>
+                </a:solidFill>
+                <a:effectLst/>
+                <a:latin typeface="Arial" panose="020B0604020202020204" pitchFamily="34" charset="0"/>
+                <a:cs typeface="Arial" panose="020B0604020202020204" pitchFamily="34" charset="0"/>
+              </a:rPr>
+              <a:t>Health Economics</a:t>
+            </a:r>
+            <a:endParaRPr lang="en-US" sz="1800" b="0" i="0" dirty="0">
+              <a:solidFill>
+                <a:schemeClr val="tx1"/>
+              </a:solidFill>
+              <a:effectLst/>
+              <a:latin typeface="Arial" panose="020B0604020202020204" pitchFamily="34" charset="0"/>
+              <a:cs typeface="Arial" panose="020B0604020202020204" pitchFamily="34" charset="0"/>
+            </a:endParaRPr>
+          </a:p>
+          <a:p>
+            <a:pPr marL="457200" lvl="1" indent="0" algn="l">
+              <a:buNone/>
+            </a:pPr>
+            <a:r>
+              <a:rPr lang="en-US" sz="1800" b="0" i="0" dirty="0">
+                <a:solidFill>
+                  <a:schemeClr val="tx1"/>
+                </a:solidFill>
+                <a:effectLst/>
+                <a:latin typeface="Arial" panose="020B0604020202020204" pitchFamily="34" charset="0"/>
+                <a:cs typeface="Arial" panose="020B0604020202020204" pitchFamily="34" charset="0"/>
+              </a:rPr>
+              <a:t>Study: Effects of Universal Healthcare on Health Outcomes</a:t>
+            </a:r>
+          </a:p>
+          <a:p>
+            <a:pPr marL="457200" lvl="1" indent="0" algn="l">
+              <a:buNone/>
+            </a:pPr>
+            <a:r>
+              <a:rPr lang="en-US" sz="1800" b="0" i="0" dirty="0">
+                <a:solidFill>
+                  <a:schemeClr val="tx1"/>
+                </a:solidFill>
+                <a:effectLst/>
+                <a:latin typeface="Arial" panose="020B0604020202020204" pitchFamily="34" charset="0"/>
+                <a:cs typeface="Arial" panose="020B0604020202020204" pitchFamily="34" charset="0"/>
+              </a:rPr>
+              <a:t>Method: Fixed effects account for unobserved health-related characteristics and policy impacts.</a:t>
+            </a:r>
+          </a:p>
+          <a:p>
+            <a:pPr marL="114300" indent="0" algn="l">
+              <a:buNone/>
+            </a:pPr>
+            <a:r>
+              <a:rPr lang="en-US" sz="1800" b="1" i="0" dirty="0">
+                <a:solidFill>
+                  <a:schemeClr val="tx1"/>
+                </a:solidFill>
+                <a:effectLst/>
+                <a:latin typeface="Arial" panose="020B0604020202020204" pitchFamily="34" charset="0"/>
+                <a:cs typeface="Arial" panose="020B0604020202020204" pitchFamily="34" charset="0"/>
+              </a:rPr>
+              <a:t>Finance</a:t>
+            </a:r>
+            <a:endParaRPr lang="en-US" sz="1800" b="0" i="0" dirty="0">
+              <a:solidFill>
+                <a:schemeClr val="tx1"/>
+              </a:solidFill>
+              <a:effectLst/>
+              <a:latin typeface="Arial" panose="020B0604020202020204" pitchFamily="34" charset="0"/>
+              <a:cs typeface="Arial" panose="020B0604020202020204" pitchFamily="34" charset="0"/>
+            </a:endParaRPr>
+          </a:p>
+          <a:p>
+            <a:pPr marL="457200" lvl="1" indent="0" algn="l">
+              <a:buNone/>
+            </a:pPr>
+            <a:r>
+              <a:rPr lang="en-US" sz="1800" b="0" i="0" dirty="0">
+                <a:solidFill>
+                  <a:schemeClr val="tx1"/>
+                </a:solidFill>
+                <a:effectLst/>
+                <a:latin typeface="Arial" panose="020B0604020202020204" pitchFamily="34" charset="0"/>
+                <a:cs typeface="Arial" panose="020B0604020202020204" pitchFamily="34" charset="0"/>
+              </a:rPr>
+              <a:t>Study: Determinants of Stock Returns Across Industries</a:t>
+            </a:r>
+          </a:p>
+          <a:p>
+            <a:pPr marL="457200" lvl="1" indent="0" algn="l">
+              <a:buNone/>
+            </a:pPr>
+            <a:r>
+              <a:rPr lang="en-US" sz="1800" b="0" i="0" dirty="0">
+                <a:solidFill>
+                  <a:schemeClr val="tx1"/>
+                </a:solidFill>
+                <a:effectLst/>
+                <a:latin typeface="Arial" panose="020B0604020202020204" pitchFamily="34" charset="0"/>
+                <a:cs typeface="Arial" panose="020B0604020202020204" pitchFamily="34" charset="0"/>
+              </a:rPr>
+              <a:t>Method: Fixed effects control for industry-specific factors influencing stock performance.</a:t>
+            </a:r>
+          </a:p>
+          <a:p>
+            <a:pPr marL="114300" indent="0" algn="l">
+              <a:buNone/>
+            </a:pPr>
+            <a:br>
+              <a:rPr lang="en-US" sz="1800" b="0" i="0" dirty="0">
+                <a:solidFill>
+                  <a:srgbClr val="000000"/>
+                </a:solidFill>
+                <a:effectLst/>
+                <a:latin typeface="Arial" panose="020B0604020202020204" pitchFamily="34" charset="0"/>
+                <a:cs typeface="Arial" panose="020B0604020202020204" pitchFamily="34" charset="0"/>
+              </a:rPr>
+            </a:br>
+            <a:endParaRPr lang="en-US" sz="1800" b="0" i="0" dirty="0">
+              <a:solidFill>
+                <a:srgbClr val="000000"/>
+              </a:solidFill>
+              <a:effectLst/>
+              <a:latin typeface="Arial" panose="020B0604020202020204" pitchFamily="34" charset="0"/>
+              <a:cs typeface="Arial" panose="020B0604020202020204" pitchFamily="34" charset="0"/>
+            </a:endParaRPr>
+          </a:p>
+          <a:p>
+            <a:pPr marL="114300" indent="0">
+              <a:buNone/>
+            </a:pPr>
+            <a:endParaRPr lang="en-US" sz="1800" dirty="0">
+              <a:latin typeface="Arial" panose="020B0604020202020204" pitchFamily="34" charset="0"/>
+              <a:cs typeface="Arial" panose="020B0604020202020204" pitchFamily="34" charset="0"/>
+            </a:endParaRPr>
+          </a:p>
+          <a:p>
+            <a:pPr marL="114300" indent="0">
+              <a:buNone/>
+            </a:pPr>
+            <a:endParaRPr lang="en-US" sz="1800" dirty="0">
+              <a:latin typeface="Arial" panose="020B0604020202020204" pitchFamily="34" charset="0"/>
+              <a:cs typeface="Arial" panose="020B0604020202020204" pitchFamily="34" charset="0"/>
+            </a:endParaRPr>
+          </a:p>
+          <a:p>
+            <a:endParaRPr lang="en-US" sz="1800" dirty="0">
+              <a:latin typeface="Arial" panose="020B0604020202020204" pitchFamily="34" charset="0"/>
+              <a:cs typeface="Arial" panose="020B0604020202020204" pitchFamily="34" charset="0"/>
+            </a:endParaRPr>
+          </a:p>
+          <a:p>
+            <a:endParaRPr lang="en-US" sz="1800" dirty="0">
+              <a:latin typeface="Arial" panose="020B0604020202020204" pitchFamily="34" charset="0"/>
+              <a:cs typeface="Arial" panose="020B0604020202020204" pitchFamily="34" charset="0"/>
+            </a:endParaRPr>
+          </a:p>
+          <a:p>
+            <a:pPr lvl="1"/>
+            <a:endParaRPr lang="en-US" dirty="0"/>
+          </a:p>
+        </p:txBody>
+      </p:sp>
+      <p:sp>
+        <p:nvSpPr>
+          <p:cNvPr id="3" name="Footer Placeholder 1">
+            <a:extLst>
+              <a:ext uri="{FF2B5EF4-FFF2-40B4-BE49-F238E27FC236}">
+                <a16:creationId xmlns:a16="http://schemas.microsoft.com/office/drawing/2014/main" id="{0D40BD4A-586B-904D-4440-9A2F41B686E4}"/>
+              </a:ext>
+            </a:extLst>
+          </p:cNvPr>
+          <p:cNvSpPr>
+            <a:spLocks noGrp="1"/>
+          </p:cNvSpPr>
+          <p:nvPr>
+            <p:ph type="ftr" idx="11"/>
+          </p:nvPr>
+        </p:nvSpPr>
+        <p:spPr>
+          <a:xfrm>
+            <a:off x="4572000" y="6506896"/>
+            <a:ext cx="4114800" cy="365125"/>
+          </a:xfrm>
+        </p:spPr>
+        <p:txBody>
+          <a:bodyPr/>
+          <a:lstStyle/>
+          <a:p>
+            <a:r>
+              <a:rPr lang="en-US" dirty="0"/>
+              <a:t>High Dimensional Fixed Effects</a:t>
+            </a:r>
+          </a:p>
+        </p:txBody>
+      </p:sp>
+    </p:spTree>
+    <p:extLst>
+      <p:ext uri="{BB962C8B-B14F-4D97-AF65-F5344CB8AC3E}">
+        <p14:creationId xmlns:p14="http://schemas.microsoft.com/office/powerpoint/2010/main" val="2881356080"/>
+      </p:ext>
+    </p:extLst>
+  </p:cSld>
+  <p:clrMapOvr>
+    <a:masterClrMapping/>
+  </p:clrMapOvr>
+</p:sld>
+</file>
+
+<file path=ppt/slides/slide17.xml><?xml version="1.0" encoding="utf-8"?>
+<p:sld xmlns:a="http://schemas.openxmlformats.org/drawingml/2006/main" xmlns:r="http://schemas.openxmlformats.org/officeDocument/2006/relationships" xmlns:p="http://schemas.openxmlformats.org/presentationml/2006/main">
+  <p:cSld>
+    <p:spTree>
+      <p:nvGrpSpPr>
+        <p:cNvPr id="1" name="Shape 129"/>
+        <p:cNvGrpSpPr/>
+        <p:nvPr/>
+      </p:nvGrpSpPr>
+      <p:grpSpPr>
+        <a:xfrm>
+          <a:off x="0" y="0"/>
+          <a:ext cx="0" cy="0"/>
+          <a:chOff x="0" y="0"/>
+          <a:chExt cx="0" cy="0"/>
+        </a:xfrm>
+      </p:grpSpPr>
+      <p:sp>
+        <p:nvSpPr>
+          <p:cNvPr id="130" name="Google Shape;130;ge6d407e7a1_0_85"/>
+          <p:cNvSpPr txBox="1">
+            <a:spLocks noGrp="1"/>
+          </p:cNvSpPr>
+          <p:nvPr>
+            <p:ph type="title"/>
+          </p:nvPr>
+        </p:nvSpPr>
+        <p:spPr>
+          <a:xfrm>
+            <a:off x="457200" y="0"/>
+            <a:ext cx="8645700" cy="1143000"/>
+          </a:xfrm>
+          <a:prstGeom prst="rect">
+            <a:avLst/>
+          </a:prstGeom>
+          <a:noFill/>
+          <a:ln>
+            <a:noFill/>
+          </a:ln>
+        </p:spPr>
+        <p:txBody>
+          <a:bodyPr spcFirstLastPara="1" wrap="square" lIns="91425" tIns="45700" rIns="91425" bIns="45700" anchor="ctr" anchorCtr="0">
+            <a:noAutofit/>
+          </a:bodyPr>
+          <a:lstStyle/>
+          <a:p>
+            <a:pPr marL="0" lvl="0" indent="0" algn="l" rtl="0">
+              <a:lnSpc>
+                <a:spcPct val="100000"/>
+              </a:lnSpc>
+              <a:spcBef>
+                <a:spcPts val="0"/>
+              </a:spcBef>
+              <a:spcAft>
+                <a:spcPts val="0"/>
+              </a:spcAft>
+              <a:buSzPts val="3200"/>
+              <a:buNone/>
+            </a:pPr>
+            <a:r>
+              <a:rPr lang="en-US" dirty="0"/>
+              <a:t>Takeaways:</a:t>
+            </a:r>
+            <a:endParaRPr dirty="0"/>
+          </a:p>
+        </p:txBody>
+      </p:sp>
+      <p:sp>
+        <p:nvSpPr>
+          <p:cNvPr id="132" name="Google Shape;132;ge6d407e7a1_0_85"/>
+          <p:cNvSpPr txBox="1">
+            <a:spLocks noGrp="1"/>
+          </p:cNvSpPr>
+          <p:nvPr>
+            <p:ph type="sldNum" idx="12"/>
+          </p:nvPr>
+        </p:nvSpPr>
+        <p:spPr>
+          <a:xfrm>
+            <a:off x="8686800" y="6506896"/>
+            <a:ext cx="416100" cy="365100"/>
+          </a:xfrm>
+          <a:prstGeom prst="rect">
+            <a:avLst/>
+          </a:prstGeom>
+          <a:noFill/>
+          <a:ln>
+            <a:noFill/>
+          </a:ln>
+        </p:spPr>
+        <p:txBody>
+          <a:bodyPr spcFirstLastPara="1" wrap="square" lIns="91425" tIns="45700" rIns="91425" bIns="45700" anchor="ctr" anchorCtr="0">
+            <a:noAutofit/>
+          </a:bodyPr>
+          <a:lstStyle/>
+          <a:p>
+            <a:pPr marL="0" lvl="0" indent="0" algn="r" rtl="0">
+              <a:lnSpc>
+                <a:spcPct val="100000"/>
+              </a:lnSpc>
+              <a:spcBef>
+                <a:spcPts val="0"/>
+              </a:spcBef>
+              <a:spcAft>
+                <a:spcPts val="0"/>
+              </a:spcAft>
+              <a:buSzPts val="1000"/>
+              <a:buNone/>
+            </a:pPr>
+            <a:fld id="{00000000-1234-1234-1234-123412341234}" type="slidenum">
+              <a:rPr lang="en-US"/>
+              <a:t>17</a:t>
             </a:fld>
             <a:endParaRPr/>
           </a:p>
@@ -16164,7 +17309,7 @@
 </p:sld>
 </file>
 
-<file path=ppt/slides/slide17.xml><?xml version="1.0" encoding="utf-8"?>
+<file path=ppt/slides/slide18.xml><?xml version="1.0" encoding="utf-8"?>
 <p:sld xmlns:a="http://schemas.openxmlformats.org/drawingml/2006/main" xmlns:r="http://schemas.openxmlformats.org/officeDocument/2006/relationships" xmlns:p="http://schemas.openxmlformats.org/presentationml/2006/main">
   <p:cSld>
     <p:spTree>
@@ -16352,7 +17497,7 @@
             </a:pPr>
             <a:fld id="{00000000-1234-1234-1234-123412341234}" type="slidenum">
               <a:rPr lang="en-US"/>
-              <a:t>17</a:t>
+              <a:t>18</a:t>
             </a:fld>
             <a:endParaRPr/>
           </a:p>
@@ -16371,7 +17516,7 @@
 </p:sld>
 </file>
 
-<file path=ppt/slides/slide18.xml><?xml version="1.0" encoding="utf-8"?>
+<file path=ppt/slides/slide19.xml><?xml version="1.0" encoding="utf-8"?>
 <p:sld xmlns:a="http://schemas.openxmlformats.org/drawingml/2006/main" xmlns:r="http://schemas.openxmlformats.org/officeDocument/2006/relationships" xmlns:p="http://schemas.openxmlformats.org/presentationml/2006/main">
   <p:cSld>
     <p:spTree>
@@ -16529,7 +17674,7 @@
             </a:pPr>
             <a:fld id="{00000000-1234-1234-1234-123412341234}" type="slidenum">
               <a:rPr lang="en-US"/>
-              <a:t>18</a:t>
+              <a:t>19</a:t>
             </a:fld>
             <a:endParaRPr/>
           </a:p>

--- a/session-6-hdfe/Session 7 - High Dimensional Fixed Effects final.pptx
+++ b/session-6-hdfe/Session 7 - High Dimensional Fixed Effects final.pptx
@@ -5,7 +5,7 @@
     <p:sldMasterId id="2147483654" r:id="rId1"/>
   </p:sldMasterIdLst>
   <p:notesMasterIdLst>
-    <p:notesMasterId r:id="rId21"/>
+    <p:notesMasterId r:id="rId25"/>
   </p:notesMasterIdLst>
   <p:sldIdLst>
     <p:sldId id="256" r:id="rId2"/>
@@ -21,12 +21,16 @@
     <p:sldId id="294" r:id="rId12"/>
     <p:sldId id="334" r:id="rId13"/>
     <p:sldId id="303" r:id="rId14"/>
-    <p:sldId id="336" r:id="rId15"/>
-    <p:sldId id="304" r:id="rId16"/>
-    <p:sldId id="309" r:id="rId17"/>
-    <p:sldId id="311" r:id="rId18"/>
-    <p:sldId id="292" r:id="rId19"/>
-    <p:sldId id="291" r:id="rId20"/>
+    <p:sldId id="337" r:id="rId15"/>
+    <p:sldId id="336" r:id="rId16"/>
+    <p:sldId id="304" r:id="rId17"/>
+    <p:sldId id="339" r:id="rId18"/>
+    <p:sldId id="338" r:id="rId19"/>
+    <p:sldId id="341" r:id="rId20"/>
+    <p:sldId id="309" r:id="rId21"/>
+    <p:sldId id="311" r:id="rId22"/>
+    <p:sldId id="292" r:id="rId23"/>
+    <p:sldId id="291" r:id="rId24"/>
   </p:sldIdLst>
   <p:sldSz cx="9144000" cy="6858000" type="screen4x3"/>
   <p:notesSz cx="7010400" cy="9236075"/>
@@ -2080,7 +2084,7 @@
     </p:spTree>
     <p:extLst>
       <p:ext uri="{BB962C8B-B14F-4D97-AF65-F5344CB8AC3E}">
-        <p14:creationId xmlns:p14="http://schemas.microsoft.com/office/powerpoint/2010/main" val="2962696228"/>
+        <p14:creationId xmlns:p14="http://schemas.microsoft.com/office/powerpoint/2010/main" val="2382659196"/>
       </p:ext>
     </p:extLst>
   </p:cSld>
@@ -2249,6 +2253,714 @@
             <a:fld id="{00000000-1234-1234-1234-123412341234}" type="slidenum">
               <a:rPr lang="en-US"/>
               <a:t>17</a:t>
+            </a:fld>
+            <a:endParaRPr/>
+          </a:p>
+        </p:txBody>
+      </p:sp>
+    </p:spTree>
+    <p:extLst>
+      <p:ext uri="{BB962C8B-B14F-4D97-AF65-F5344CB8AC3E}">
+        <p14:creationId xmlns:p14="http://schemas.microsoft.com/office/powerpoint/2010/main" val="431215157"/>
+      </p:ext>
+    </p:extLst>
+  </p:cSld>
+  <p:clrMapOvr>
+    <a:masterClrMapping/>
+  </p:clrMapOvr>
+</p:notes>
+</file>
+
+<file path=ppt/notesSlides/notesSlide12.xml><?xml version="1.0" encoding="utf-8"?>
+<p:notes xmlns:a="http://schemas.openxmlformats.org/drawingml/2006/main" xmlns:r="http://schemas.openxmlformats.org/officeDocument/2006/relationships" xmlns:p="http://schemas.openxmlformats.org/presentationml/2006/main" showMasterSp="0" showMasterPhAnim="0">
+  <p:cSld>
+    <p:spTree>
+      <p:nvGrpSpPr>
+        <p:cNvPr id="1" name="Shape 125"/>
+        <p:cNvGrpSpPr/>
+        <p:nvPr/>
+      </p:nvGrpSpPr>
+      <p:grpSpPr>
+        <a:xfrm>
+          <a:off x="0" y="0"/>
+          <a:ext cx="0" cy="0"/>
+          <a:chOff x="0" y="0"/>
+          <a:chExt cx="0" cy="0"/>
+        </a:xfrm>
+      </p:grpSpPr>
+      <p:sp>
+        <p:nvSpPr>
+          <p:cNvPr id="126" name="Google Shape;126;ge6d407e7a1_0_85:notes"/>
+          <p:cNvSpPr>
+            <a:spLocks noGrp="1" noRot="1" noChangeAspect="1"/>
+          </p:cNvSpPr>
+          <p:nvPr>
+            <p:ph type="sldImg" idx="2"/>
+          </p:nvPr>
+        </p:nvSpPr>
+        <p:spPr>
+          <a:xfrm>
+            <a:off x="1195388" y="692150"/>
+            <a:ext cx="4619625" cy="3463925"/>
+          </a:xfrm>
+          <a:custGeom>
+            <a:avLst/>
+            <a:gdLst/>
+            <a:ahLst/>
+            <a:cxnLst/>
+            <a:rect l="l" t="t" r="r" b="b"/>
+            <a:pathLst>
+              <a:path w="120000" h="120000" extrusionOk="0">
+                <a:moveTo>
+                  <a:pt x="0" y="0"/>
+                </a:moveTo>
+                <a:lnTo>
+                  <a:pt x="120000" y="0"/>
+                </a:lnTo>
+                <a:lnTo>
+                  <a:pt x="120000" y="120000"/>
+                </a:lnTo>
+                <a:lnTo>
+                  <a:pt x="0" y="120000"/>
+                </a:lnTo>
+                <a:close/>
+              </a:path>
+            </a:pathLst>
+          </a:custGeom>
+          <a:noFill/>
+          <a:ln w="12700" cap="flat" cmpd="sng">
+            <a:solidFill>
+              <a:srgbClr val="000000"/>
+            </a:solidFill>
+            <a:prstDash val="solid"/>
+            <a:round/>
+            <a:headEnd type="none" w="sm" len="sm"/>
+            <a:tailEnd type="none" w="sm" len="sm"/>
+          </a:ln>
+        </p:spPr>
+      </p:sp>
+      <p:sp>
+        <p:nvSpPr>
+          <p:cNvPr id="127" name="Google Shape;127;ge6d407e7a1_0_85:notes"/>
+          <p:cNvSpPr txBox="1">
+            <a:spLocks noGrp="1"/>
+          </p:cNvSpPr>
+          <p:nvPr>
+            <p:ph type="body" idx="1"/>
+          </p:nvPr>
+        </p:nvSpPr>
+        <p:spPr>
+          <a:xfrm>
+            <a:off x="701040" y="4387136"/>
+            <a:ext cx="5608200" cy="4156200"/>
+          </a:xfrm>
+          <a:prstGeom prst="rect">
+            <a:avLst/>
+          </a:prstGeom>
+          <a:noFill/>
+          <a:ln>
+            <a:noFill/>
+          </a:ln>
+        </p:spPr>
+        <p:txBody>
+          <a:bodyPr spcFirstLastPara="1" wrap="square" lIns="93175" tIns="46575" rIns="93175" bIns="46575" anchor="t" anchorCtr="0">
+            <a:noAutofit/>
+          </a:bodyPr>
+          <a:lstStyle/>
+          <a:p>
+            <a:pPr marL="0" lvl="0" indent="0" algn="l" rtl="0">
+              <a:lnSpc>
+                <a:spcPct val="100000"/>
+              </a:lnSpc>
+              <a:spcBef>
+                <a:spcPts val="0"/>
+              </a:spcBef>
+              <a:spcAft>
+                <a:spcPts val="0"/>
+              </a:spcAft>
+              <a:buSzPts val="1400"/>
+              <a:buNone/>
+            </a:pPr>
+            <a:endParaRPr dirty="0"/>
+          </a:p>
+        </p:txBody>
+      </p:sp>
+      <p:sp>
+        <p:nvSpPr>
+          <p:cNvPr id="128" name="Google Shape;128;ge6d407e7a1_0_85:notes"/>
+          <p:cNvSpPr txBox="1">
+            <a:spLocks noGrp="1"/>
+          </p:cNvSpPr>
+          <p:nvPr>
+            <p:ph type="sldNum" idx="12"/>
+          </p:nvPr>
+        </p:nvSpPr>
+        <p:spPr>
+          <a:xfrm>
+            <a:off x="3970938" y="8772669"/>
+            <a:ext cx="3037800" cy="461700"/>
+          </a:xfrm>
+          <a:prstGeom prst="rect">
+            <a:avLst/>
+          </a:prstGeom>
+          <a:noFill/>
+          <a:ln>
+            <a:noFill/>
+          </a:ln>
+        </p:spPr>
+        <p:txBody>
+          <a:bodyPr spcFirstLastPara="1" wrap="square" lIns="93175" tIns="46575" rIns="93175" bIns="46575" anchor="b" anchorCtr="0">
+            <a:noAutofit/>
+          </a:bodyPr>
+          <a:lstStyle/>
+          <a:p>
+            <a:pPr marL="0" lvl="0" indent="0" algn="r" rtl="0">
+              <a:lnSpc>
+                <a:spcPct val="100000"/>
+              </a:lnSpc>
+              <a:spcBef>
+                <a:spcPts val="0"/>
+              </a:spcBef>
+              <a:spcAft>
+                <a:spcPts val="0"/>
+              </a:spcAft>
+              <a:buSzPts val="1400"/>
+              <a:buNone/>
+            </a:pPr>
+            <a:fld id="{00000000-1234-1234-1234-123412341234}" type="slidenum">
+              <a:rPr lang="en-US"/>
+              <a:t>18</a:t>
+            </a:fld>
+            <a:endParaRPr/>
+          </a:p>
+        </p:txBody>
+      </p:sp>
+    </p:spTree>
+    <p:extLst>
+      <p:ext uri="{BB962C8B-B14F-4D97-AF65-F5344CB8AC3E}">
+        <p14:creationId xmlns:p14="http://schemas.microsoft.com/office/powerpoint/2010/main" val="2108880749"/>
+      </p:ext>
+    </p:extLst>
+  </p:cSld>
+  <p:clrMapOvr>
+    <a:masterClrMapping/>
+  </p:clrMapOvr>
+</p:notes>
+</file>
+
+<file path=ppt/notesSlides/notesSlide13.xml><?xml version="1.0" encoding="utf-8"?>
+<p:notes xmlns:a="http://schemas.openxmlformats.org/drawingml/2006/main" xmlns:r="http://schemas.openxmlformats.org/officeDocument/2006/relationships" xmlns:p="http://schemas.openxmlformats.org/presentationml/2006/main" showMasterSp="0" showMasterPhAnim="0">
+  <p:cSld>
+    <p:spTree>
+      <p:nvGrpSpPr>
+        <p:cNvPr id="1" name="Shape 125"/>
+        <p:cNvGrpSpPr/>
+        <p:nvPr/>
+      </p:nvGrpSpPr>
+      <p:grpSpPr>
+        <a:xfrm>
+          <a:off x="0" y="0"/>
+          <a:ext cx="0" cy="0"/>
+          <a:chOff x="0" y="0"/>
+          <a:chExt cx="0" cy="0"/>
+        </a:xfrm>
+      </p:grpSpPr>
+      <p:sp>
+        <p:nvSpPr>
+          <p:cNvPr id="126" name="Google Shape;126;ge6d407e7a1_0_85:notes"/>
+          <p:cNvSpPr>
+            <a:spLocks noGrp="1" noRot="1" noChangeAspect="1"/>
+          </p:cNvSpPr>
+          <p:nvPr>
+            <p:ph type="sldImg" idx="2"/>
+          </p:nvPr>
+        </p:nvSpPr>
+        <p:spPr>
+          <a:xfrm>
+            <a:off x="1195388" y="692150"/>
+            <a:ext cx="4619625" cy="3463925"/>
+          </a:xfrm>
+          <a:custGeom>
+            <a:avLst/>
+            <a:gdLst/>
+            <a:ahLst/>
+            <a:cxnLst/>
+            <a:rect l="l" t="t" r="r" b="b"/>
+            <a:pathLst>
+              <a:path w="120000" h="120000" extrusionOk="0">
+                <a:moveTo>
+                  <a:pt x="0" y="0"/>
+                </a:moveTo>
+                <a:lnTo>
+                  <a:pt x="120000" y="0"/>
+                </a:lnTo>
+                <a:lnTo>
+                  <a:pt x="120000" y="120000"/>
+                </a:lnTo>
+                <a:lnTo>
+                  <a:pt x="0" y="120000"/>
+                </a:lnTo>
+                <a:close/>
+              </a:path>
+            </a:pathLst>
+          </a:custGeom>
+          <a:noFill/>
+          <a:ln w="12700" cap="flat" cmpd="sng">
+            <a:solidFill>
+              <a:srgbClr val="000000"/>
+            </a:solidFill>
+            <a:prstDash val="solid"/>
+            <a:round/>
+            <a:headEnd type="none" w="sm" len="sm"/>
+            <a:tailEnd type="none" w="sm" len="sm"/>
+          </a:ln>
+        </p:spPr>
+      </p:sp>
+      <p:sp>
+        <p:nvSpPr>
+          <p:cNvPr id="127" name="Google Shape;127;ge6d407e7a1_0_85:notes"/>
+          <p:cNvSpPr txBox="1">
+            <a:spLocks noGrp="1"/>
+          </p:cNvSpPr>
+          <p:nvPr>
+            <p:ph type="body" idx="1"/>
+          </p:nvPr>
+        </p:nvSpPr>
+        <p:spPr>
+          <a:xfrm>
+            <a:off x="701040" y="4387136"/>
+            <a:ext cx="5608200" cy="4156200"/>
+          </a:xfrm>
+          <a:prstGeom prst="rect">
+            <a:avLst/>
+          </a:prstGeom>
+          <a:noFill/>
+          <a:ln>
+            <a:noFill/>
+          </a:ln>
+        </p:spPr>
+        <p:txBody>
+          <a:bodyPr spcFirstLastPara="1" wrap="square" lIns="93175" tIns="46575" rIns="93175" bIns="46575" anchor="t" anchorCtr="0">
+            <a:noAutofit/>
+          </a:bodyPr>
+          <a:lstStyle/>
+          <a:p>
+            <a:pPr marL="0" lvl="0" indent="0" algn="l" rtl="0">
+              <a:lnSpc>
+                <a:spcPct val="100000"/>
+              </a:lnSpc>
+              <a:spcBef>
+                <a:spcPts val="0"/>
+              </a:spcBef>
+              <a:spcAft>
+                <a:spcPts val="0"/>
+              </a:spcAft>
+              <a:buSzPts val="1400"/>
+              <a:buNone/>
+            </a:pPr>
+            <a:endParaRPr dirty="0"/>
+          </a:p>
+        </p:txBody>
+      </p:sp>
+      <p:sp>
+        <p:nvSpPr>
+          <p:cNvPr id="128" name="Google Shape;128;ge6d407e7a1_0_85:notes"/>
+          <p:cNvSpPr txBox="1">
+            <a:spLocks noGrp="1"/>
+          </p:cNvSpPr>
+          <p:nvPr>
+            <p:ph type="sldNum" idx="12"/>
+          </p:nvPr>
+        </p:nvSpPr>
+        <p:spPr>
+          <a:xfrm>
+            <a:off x="3970938" y="8772669"/>
+            <a:ext cx="3037800" cy="461700"/>
+          </a:xfrm>
+          <a:prstGeom prst="rect">
+            <a:avLst/>
+          </a:prstGeom>
+          <a:noFill/>
+          <a:ln>
+            <a:noFill/>
+          </a:ln>
+        </p:spPr>
+        <p:txBody>
+          <a:bodyPr spcFirstLastPara="1" wrap="square" lIns="93175" tIns="46575" rIns="93175" bIns="46575" anchor="b" anchorCtr="0">
+            <a:noAutofit/>
+          </a:bodyPr>
+          <a:lstStyle/>
+          <a:p>
+            <a:pPr marL="0" lvl="0" indent="0" algn="r" rtl="0">
+              <a:lnSpc>
+                <a:spcPct val="100000"/>
+              </a:lnSpc>
+              <a:spcBef>
+                <a:spcPts val="0"/>
+              </a:spcBef>
+              <a:spcAft>
+                <a:spcPts val="0"/>
+              </a:spcAft>
+              <a:buSzPts val="1400"/>
+              <a:buNone/>
+            </a:pPr>
+            <a:fld id="{00000000-1234-1234-1234-123412341234}" type="slidenum">
+              <a:rPr lang="en-US"/>
+              <a:t>19</a:t>
+            </a:fld>
+            <a:endParaRPr/>
+          </a:p>
+        </p:txBody>
+      </p:sp>
+    </p:spTree>
+    <p:extLst>
+      <p:ext uri="{BB962C8B-B14F-4D97-AF65-F5344CB8AC3E}">
+        <p14:creationId xmlns:p14="http://schemas.microsoft.com/office/powerpoint/2010/main" val="2178644571"/>
+      </p:ext>
+    </p:extLst>
+  </p:cSld>
+  <p:clrMapOvr>
+    <a:masterClrMapping/>
+  </p:clrMapOvr>
+</p:notes>
+</file>
+
+<file path=ppt/notesSlides/notesSlide14.xml><?xml version="1.0" encoding="utf-8"?>
+<p:notes xmlns:a="http://schemas.openxmlformats.org/drawingml/2006/main" xmlns:r="http://schemas.openxmlformats.org/officeDocument/2006/relationships" xmlns:p="http://schemas.openxmlformats.org/presentationml/2006/main" showMasterSp="0" showMasterPhAnim="0">
+  <p:cSld>
+    <p:spTree>
+      <p:nvGrpSpPr>
+        <p:cNvPr id="1" name="Shape 125"/>
+        <p:cNvGrpSpPr/>
+        <p:nvPr/>
+      </p:nvGrpSpPr>
+      <p:grpSpPr>
+        <a:xfrm>
+          <a:off x="0" y="0"/>
+          <a:ext cx="0" cy="0"/>
+          <a:chOff x="0" y="0"/>
+          <a:chExt cx="0" cy="0"/>
+        </a:xfrm>
+      </p:grpSpPr>
+      <p:sp>
+        <p:nvSpPr>
+          <p:cNvPr id="126" name="Google Shape;126;ge6d407e7a1_0_85:notes"/>
+          <p:cNvSpPr>
+            <a:spLocks noGrp="1" noRot="1" noChangeAspect="1"/>
+          </p:cNvSpPr>
+          <p:nvPr>
+            <p:ph type="sldImg" idx="2"/>
+          </p:nvPr>
+        </p:nvSpPr>
+        <p:spPr>
+          <a:xfrm>
+            <a:off x="1195388" y="692150"/>
+            <a:ext cx="4619625" cy="3463925"/>
+          </a:xfrm>
+          <a:custGeom>
+            <a:avLst/>
+            <a:gdLst/>
+            <a:ahLst/>
+            <a:cxnLst/>
+            <a:rect l="l" t="t" r="r" b="b"/>
+            <a:pathLst>
+              <a:path w="120000" h="120000" extrusionOk="0">
+                <a:moveTo>
+                  <a:pt x="0" y="0"/>
+                </a:moveTo>
+                <a:lnTo>
+                  <a:pt x="120000" y="0"/>
+                </a:lnTo>
+                <a:lnTo>
+                  <a:pt x="120000" y="120000"/>
+                </a:lnTo>
+                <a:lnTo>
+                  <a:pt x="0" y="120000"/>
+                </a:lnTo>
+                <a:close/>
+              </a:path>
+            </a:pathLst>
+          </a:custGeom>
+          <a:noFill/>
+          <a:ln w="12700" cap="flat" cmpd="sng">
+            <a:solidFill>
+              <a:srgbClr val="000000"/>
+            </a:solidFill>
+            <a:prstDash val="solid"/>
+            <a:round/>
+            <a:headEnd type="none" w="sm" len="sm"/>
+            <a:tailEnd type="none" w="sm" len="sm"/>
+          </a:ln>
+        </p:spPr>
+      </p:sp>
+      <p:sp>
+        <p:nvSpPr>
+          <p:cNvPr id="127" name="Google Shape;127;ge6d407e7a1_0_85:notes"/>
+          <p:cNvSpPr txBox="1">
+            <a:spLocks noGrp="1"/>
+          </p:cNvSpPr>
+          <p:nvPr>
+            <p:ph type="body" idx="1"/>
+          </p:nvPr>
+        </p:nvSpPr>
+        <p:spPr>
+          <a:xfrm>
+            <a:off x="701040" y="4387136"/>
+            <a:ext cx="5608200" cy="4156200"/>
+          </a:xfrm>
+          <a:prstGeom prst="rect">
+            <a:avLst/>
+          </a:prstGeom>
+          <a:noFill/>
+          <a:ln>
+            <a:noFill/>
+          </a:ln>
+        </p:spPr>
+        <p:txBody>
+          <a:bodyPr spcFirstLastPara="1" wrap="square" lIns="93175" tIns="46575" rIns="93175" bIns="46575" anchor="t" anchorCtr="0">
+            <a:noAutofit/>
+          </a:bodyPr>
+          <a:lstStyle/>
+          <a:p>
+            <a:pPr marL="0" lvl="0" indent="0" algn="l" rtl="0">
+              <a:lnSpc>
+                <a:spcPct val="100000"/>
+              </a:lnSpc>
+              <a:spcBef>
+                <a:spcPts val="0"/>
+              </a:spcBef>
+              <a:spcAft>
+                <a:spcPts val="0"/>
+              </a:spcAft>
+              <a:buSzPts val="1400"/>
+              <a:buNone/>
+            </a:pPr>
+            <a:endParaRPr dirty="0"/>
+          </a:p>
+        </p:txBody>
+      </p:sp>
+      <p:sp>
+        <p:nvSpPr>
+          <p:cNvPr id="128" name="Google Shape;128;ge6d407e7a1_0_85:notes"/>
+          <p:cNvSpPr txBox="1">
+            <a:spLocks noGrp="1"/>
+          </p:cNvSpPr>
+          <p:nvPr>
+            <p:ph type="sldNum" idx="12"/>
+          </p:nvPr>
+        </p:nvSpPr>
+        <p:spPr>
+          <a:xfrm>
+            <a:off x="3970938" y="8772669"/>
+            <a:ext cx="3037800" cy="461700"/>
+          </a:xfrm>
+          <a:prstGeom prst="rect">
+            <a:avLst/>
+          </a:prstGeom>
+          <a:noFill/>
+          <a:ln>
+            <a:noFill/>
+          </a:ln>
+        </p:spPr>
+        <p:txBody>
+          <a:bodyPr spcFirstLastPara="1" wrap="square" lIns="93175" tIns="46575" rIns="93175" bIns="46575" anchor="b" anchorCtr="0">
+            <a:noAutofit/>
+          </a:bodyPr>
+          <a:lstStyle/>
+          <a:p>
+            <a:pPr marL="0" lvl="0" indent="0" algn="r" rtl="0">
+              <a:lnSpc>
+                <a:spcPct val="100000"/>
+              </a:lnSpc>
+              <a:spcBef>
+                <a:spcPts val="0"/>
+              </a:spcBef>
+              <a:spcAft>
+                <a:spcPts val="0"/>
+              </a:spcAft>
+              <a:buSzPts val="1400"/>
+              <a:buNone/>
+            </a:pPr>
+            <a:fld id="{00000000-1234-1234-1234-123412341234}" type="slidenum">
+              <a:rPr lang="en-US"/>
+              <a:t>20</a:t>
+            </a:fld>
+            <a:endParaRPr/>
+          </a:p>
+        </p:txBody>
+      </p:sp>
+    </p:spTree>
+    <p:extLst>
+      <p:ext uri="{BB962C8B-B14F-4D97-AF65-F5344CB8AC3E}">
+        <p14:creationId xmlns:p14="http://schemas.microsoft.com/office/powerpoint/2010/main" val="2962696228"/>
+      </p:ext>
+    </p:extLst>
+  </p:cSld>
+  <p:clrMapOvr>
+    <a:masterClrMapping/>
+  </p:clrMapOvr>
+</p:notes>
+</file>
+
+<file path=ppt/notesSlides/notesSlide15.xml><?xml version="1.0" encoding="utf-8"?>
+<p:notes xmlns:a="http://schemas.openxmlformats.org/drawingml/2006/main" xmlns:r="http://schemas.openxmlformats.org/officeDocument/2006/relationships" xmlns:p="http://schemas.openxmlformats.org/presentationml/2006/main" showMasterSp="0" showMasterPhAnim="0">
+  <p:cSld>
+    <p:spTree>
+      <p:nvGrpSpPr>
+        <p:cNvPr id="1" name="Shape 125"/>
+        <p:cNvGrpSpPr/>
+        <p:nvPr/>
+      </p:nvGrpSpPr>
+      <p:grpSpPr>
+        <a:xfrm>
+          <a:off x="0" y="0"/>
+          <a:ext cx="0" cy="0"/>
+          <a:chOff x="0" y="0"/>
+          <a:chExt cx="0" cy="0"/>
+        </a:xfrm>
+      </p:grpSpPr>
+      <p:sp>
+        <p:nvSpPr>
+          <p:cNvPr id="126" name="Google Shape;126;ge6d407e7a1_0_85:notes"/>
+          <p:cNvSpPr>
+            <a:spLocks noGrp="1" noRot="1" noChangeAspect="1"/>
+          </p:cNvSpPr>
+          <p:nvPr>
+            <p:ph type="sldImg" idx="2"/>
+          </p:nvPr>
+        </p:nvSpPr>
+        <p:spPr>
+          <a:xfrm>
+            <a:off x="1195388" y="692150"/>
+            <a:ext cx="4619625" cy="3463925"/>
+          </a:xfrm>
+          <a:custGeom>
+            <a:avLst/>
+            <a:gdLst/>
+            <a:ahLst/>
+            <a:cxnLst/>
+            <a:rect l="l" t="t" r="r" b="b"/>
+            <a:pathLst>
+              <a:path w="120000" h="120000" extrusionOk="0">
+                <a:moveTo>
+                  <a:pt x="0" y="0"/>
+                </a:moveTo>
+                <a:lnTo>
+                  <a:pt x="120000" y="0"/>
+                </a:lnTo>
+                <a:lnTo>
+                  <a:pt x="120000" y="120000"/>
+                </a:lnTo>
+                <a:lnTo>
+                  <a:pt x="0" y="120000"/>
+                </a:lnTo>
+                <a:close/>
+              </a:path>
+            </a:pathLst>
+          </a:custGeom>
+          <a:noFill/>
+          <a:ln w="12700" cap="flat" cmpd="sng">
+            <a:solidFill>
+              <a:srgbClr val="000000"/>
+            </a:solidFill>
+            <a:prstDash val="solid"/>
+            <a:round/>
+            <a:headEnd type="none" w="sm" len="sm"/>
+            <a:tailEnd type="none" w="sm" len="sm"/>
+          </a:ln>
+        </p:spPr>
+      </p:sp>
+      <p:sp>
+        <p:nvSpPr>
+          <p:cNvPr id="127" name="Google Shape;127;ge6d407e7a1_0_85:notes"/>
+          <p:cNvSpPr txBox="1">
+            <a:spLocks noGrp="1"/>
+          </p:cNvSpPr>
+          <p:nvPr>
+            <p:ph type="body" idx="1"/>
+          </p:nvPr>
+        </p:nvSpPr>
+        <p:spPr>
+          <a:xfrm>
+            <a:off x="701040" y="4387136"/>
+            <a:ext cx="5608200" cy="4156200"/>
+          </a:xfrm>
+          <a:prstGeom prst="rect">
+            <a:avLst/>
+          </a:prstGeom>
+          <a:noFill/>
+          <a:ln>
+            <a:noFill/>
+          </a:ln>
+        </p:spPr>
+        <p:txBody>
+          <a:bodyPr spcFirstLastPara="1" wrap="square" lIns="93175" tIns="46575" rIns="93175" bIns="46575" anchor="t" anchorCtr="0">
+            <a:noAutofit/>
+          </a:bodyPr>
+          <a:lstStyle/>
+          <a:p>
+            <a:pPr marL="0" lvl="0" indent="0" algn="l" rtl="0">
+              <a:lnSpc>
+                <a:spcPct val="100000"/>
+              </a:lnSpc>
+              <a:spcBef>
+                <a:spcPts val="0"/>
+              </a:spcBef>
+              <a:spcAft>
+                <a:spcPts val="0"/>
+              </a:spcAft>
+              <a:buSzPts val="1400"/>
+              <a:buNone/>
+            </a:pPr>
+            <a:endParaRPr dirty="0"/>
+          </a:p>
+        </p:txBody>
+      </p:sp>
+      <p:sp>
+        <p:nvSpPr>
+          <p:cNvPr id="128" name="Google Shape;128;ge6d407e7a1_0_85:notes"/>
+          <p:cNvSpPr txBox="1">
+            <a:spLocks noGrp="1"/>
+          </p:cNvSpPr>
+          <p:nvPr>
+            <p:ph type="sldNum" idx="12"/>
+          </p:nvPr>
+        </p:nvSpPr>
+        <p:spPr>
+          <a:xfrm>
+            <a:off x="3970938" y="8772669"/>
+            <a:ext cx="3037800" cy="461700"/>
+          </a:xfrm>
+          <a:prstGeom prst="rect">
+            <a:avLst/>
+          </a:prstGeom>
+          <a:noFill/>
+          <a:ln>
+            <a:noFill/>
+          </a:ln>
+        </p:spPr>
+        <p:txBody>
+          <a:bodyPr spcFirstLastPara="1" wrap="square" lIns="93175" tIns="46575" rIns="93175" bIns="46575" anchor="b" anchorCtr="0">
+            <a:noAutofit/>
+          </a:bodyPr>
+          <a:lstStyle/>
+          <a:p>
+            <a:pPr marL="0" lvl="0" indent="0" algn="r" rtl="0">
+              <a:lnSpc>
+                <a:spcPct val="100000"/>
+              </a:lnSpc>
+              <a:spcBef>
+                <a:spcPts val="0"/>
+              </a:spcBef>
+              <a:spcAft>
+                <a:spcPts val="0"/>
+              </a:spcAft>
+              <a:buSzPts val="1400"/>
+              <a:buNone/>
+            </a:pPr>
+            <a:fld id="{00000000-1234-1234-1234-123412341234}" type="slidenum">
+              <a:rPr lang="en-US"/>
+              <a:t>21</a:t>
             </a:fld>
             <a:endParaRPr/>
           </a:p>
@@ -3265,7 +3977,7 @@
     </p:spTree>
     <p:extLst>
       <p:ext uri="{BB962C8B-B14F-4D97-AF65-F5344CB8AC3E}">
-        <p14:creationId xmlns:p14="http://schemas.microsoft.com/office/powerpoint/2010/main" val="733238068"/>
+        <p14:creationId xmlns:p14="http://schemas.microsoft.com/office/powerpoint/2010/main" val="3338560592"/>
       </p:ext>
     </p:extLst>
   </p:cSld>
@@ -3442,7 +4154,7 @@
     </p:spTree>
     <p:extLst>
       <p:ext uri="{BB962C8B-B14F-4D97-AF65-F5344CB8AC3E}">
-        <p14:creationId xmlns:p14="http://schemas.microsoft.com/office/powerpoint/2010/main" val="2382659196"/>
+        <p14:creationId xmlns:p14="http://schemas.microsoft.com/office/powerpoint/2010/main" val="733238068"/>
       </p:ext>
     </p:extLst>
   </p:cSld>
@@ -14305,7 +15017,7 @@
             </a:pPr>
             <a:r>
               <a:rPr lang="en-US" dirty="0"/>
-              <a:t>Version Control – A Cautionary Tale</a:t>
+              <a:t>Discussion </a:t>
             </a:r>
             <a:endParaRPr dirty="0"/>
           </a:p>
@@ -14356,6 +15068,477 @@
             <a:fld id="{00000000-1234-1234-1234-123412341234}" type="slidenum">
               <a:rPr lang="en-US"/>
               <a:t>14</a:t>
+            </a:fld>
+            <a:endParaRPr/>
+          </a:p>
+        </p:txBody>
+      </p:sp>
+      <p:sp>
+        <p:nvSpPr>
+          <p:cNvPr id="133" name="Google Shape;133;ge6d407e7a1_0_85"/>
+          <p:cNvSpPr txBox="1"/>
+          <p:nvPr/>
+        </p:nvSpPr>
+        <p:spPr>
+          <a:xfrm>
+            <a:off x="554325" y="873125"/>
+            <a:ext cx="8132400" cy="3785621"/>
+          </a:xfrm>
+          <a:prstGeom prst="rect">
+            <a:avLst/>
+          </a:prstGeom>
+          <a:noFill/>
+          <a:ln>
+            <a:noFill/>
+          </a:ln>
+        </p:spPr>
+        <p:txBody>
+          <a:bodyPr spcFirstLastPara="1" wrap="square" lIns="91425" tIns="91425" rIns="91425" bIns="91425" anchor="t" anchorCtr="0">
+            <a:spAutoFit/>
+          </a:bodyPr>
+          <a:lstStyle/>
+          <a:p>
+            <a:pPr marL="0" lvl="0" indent="0" algn="l" rtl="0">
+              <a:spcBef>
+                <a:spcPts val="0"/>
+              </a:spcBef>
+              <a:spcAft>
+                <a:spcPts val="0"/>
+              </a:spcAft>
+              <a:buClr>
+                <a:schemeClr val="dk1"/>
+              </a:buClr>
+              <a:buSzPts val="1100"/>
+              <a:buFont typeface="Arial"/>
+              <a:buNone/>
+            </a:pPr>
+            <a:r>
+              <a:rPr lang="en-US" sz="1800" dirty="0">
+                <a:solidFill>
+                  <a:schemeClr val="dk1"/>
+                </a:solidFill>
+              </a:rPr>
+              <a:t>Do we really need to create a </a:t>
+            </a:r>
+            <a:r>
+              <a:rPr lang="en-US" sz="1800" dirty="0" err="1">
+                <a:solidFill>
+                  <a:schemeClr val="dk1"/>
+                </a:solidFill>
+              </a:rPr>
+              <a:t>conda</a:t>
+            </a:r>
+            <a:r>
+              <a:rPr lang="en-US" sz="1800" dirty="0">
+                <a:solidFill>
+                  <a:schemeClr val="dk1"/>
+                </a:solidFill>
+              </a:rPr>
+              <a:t> environment for this? </a:t>
+            </a:r>
+          </a:p>
+          <a:p>
+            <a:pPr marL="0" lvl="0" indent="0" algn="l" rtl="0">
+              <a:spcBef>
+                <a:spcPts val="0"/>
+              </a:spcBef>
+              <a:spcAft>
+                <a:spcPts val="0"/>
+              </a:spcAft>
+              <a:buClr>
+                <a:schemeClr val="dk1"/>
+              </a:buClr>
+              <a:buSzPts val="1100"/>
+              <a:buFont typeface="Arial"/>
+              <a:buNone/>
+            </a:pPr>
+            <a:endParaRPr lang="en-US" sz="1800" dirty="0">
+              <a:solidFill>
+                <a:schemeClr val="dk1"/>
+              </a:solidFill>
+            </a:endParaRPr>
+          </a:p>
+          <a:p>
+            <a:pPr marL="0" lvl="0" indent="0" algn="l" rtl="0">
+              <a:spcBef>
+                <a:spcPts val="0"/>
+              </a:spcBef>
+              <a:spcAft>
+                <a:spcPts val="0"/>
+              </a:spcAft>
+              <a:buClr>
+                <a:schemeClr val="dk1"/>
+              </a:buClr>
+              <a:buSzPts val="1100"/>
+              <a:buFont typeface="Arial"/>
+              <a:buNone/>
+            </a:pPr>
+            <a:r>
+              <a:rPr lang="en-US" sz="1800" dirty="0">
+                <a:solidFill>
+                  <a:schemeClr val="dk1"/>
+                </a:solidFill>
+              </a:rPr>
+              <a:t>Should we have specified package versions in the </a:t>
+            </a:r>
+            <a:r>
+              <a:rPr lang="en-US" sz="1800" dirty="0" err="1">
+                <a:solidFill>
+                  <a:schemeClr val="dk1"/>
+                </a:solidFill>
+              </a:rPr>
+              <a:t>yaml</a:t>
+            </a:r>
+            <a:r>
+              <a:rPr lang="en-US" sz="1800" dirty="0">
+                <a:solidFill>
+                  <a:schemeClr val="dk1"/>
+                </a:solidFill>
+              </a:rPr>
+              <a:t> file used to install this? 	</a:t>
+            </a:r>
+          </a:p>
+          <a:p>
+            <a:pPr marL="0" lvl="0" indent="0" algn="l" rtl="0">
+              <a:spcBef>
+                <a:spcPts val="0"/>
+              </a:spcBef>
+              <a:spcAft>
+                <a:spcPts val="0"/>
+              </a:spcAft>
+              <a:buClr>
+                <a:schemeClr val="dk1"/>
+              </a:buClr>
+              <a:buSzPts val="1100"/>
+              <a:buFont typeface="Arial"/>
+              <a:buNone/>
+            </a:pPr>
+            <a:endParaRPr lang="en-US" sz="1800" dirty="0">
+              <a:solidFill>
+                <a:schemeClr val="dk1"/>
+              </a:solidFill>
+              <a:highlight>
+                <a:srgbClr val="CCCCCC"/>
+              </a:highlight>
+              <a:latin typeface="Consolas"/>
+              <a:ea typeface="Consolas"/>
+              <a:cs typeface="Consolas"/>
+              <a:sym typeface="Consolas"/>
+            </a:endParaRPr>
+          </a:p>
+          <a:p>
+            <a:pPr marL="0" lvl="0" indent="0" algn="l" rtl="0">
+              <a:spcBef>
+                <a:spcPts val="0"/>
+              </a:spcBef>
+              <a:spcAft>
+                <a:spcPts val="0"/>
+              </a:spcAft>
+              <a:buClr>
+                <a:schemeClr val="dk1"/>
+              </a:buClr>
+              <a:buSzPts val="1100"/>
+              <a:buFont typeface="Arial"/>
+              <a:buNone/>
+            </a:pPr>
+            <a:r>
+              <a:rPr lang="en-US" sz="1800" dirty="0">
+                <a:solidFill>
+                  <a:schemeClr val="dk1"/>
+                </a:solidFill>
+              </a:rPr>
+              <a:t>When you run fixed effects or any other type of regressions on KLC:</a:t>
+            </a:r>
+          </a:p>
+          <a:p>
+            <a:pPr marL="0" lvl="0" indent="0" algn="l" rtl="0">
+              <a:spcBef>
+                <a:spcPts val="0"/>
+              </a:spcBef>
+              <a:spcAft>
+                <a:spcPts val="0"/>
+              </a:spcAft>
+              <a:buClr>
+                <a:schemeClr val="dk1"/>
+              </a:buClr>
+              <a:buSzPts val="1100"/>
+              <a:buFont typeface="Arial"/>
+              <a:buNone/>
+            </a:pPr>
+            <a:endParaRPr lang="en-US" sz="1800" dirty="0">
+              <a:solidFill>
+                <a:schemeClr val="dk1"/>
+              </a:solidFill>
+            </a:endParaRPr>
+          </a:p>
+          <a:p>
+            <a:pPr marL="285750" lvl="2" indent="342900">
+              <a:buClr>
+                <a:schemeClr val="dk1"/>
+              </a:buClr>
+              <a:buSzPts val="1100"/>
+              <a:buFont typeface="Wingdings" pitchFamily="2" charset="2"/>
+              <a:buChar char="Ø"/>
+            </a:pPr>
+            <a:r>
+              <a:rPr lang="en-US" sz="1800" dirty="0">
+                <a:solidFill>
+                  <a:schemeClr val="dk1"/>
+                </a:solidFill>
+              </a:rPr>
+              <a:t>What is your workflow?</a:t>
+            </a:r>
+          </a:p>
+          <a:p>
+            <a:pPr marL="285750" lvl="2">
+              <a:buClr>
+                <a:schemeClr val="dk1"/>
+              </a:buClr>
+              <a:buSzPts val="1100"/>
+            </a:pPr>
+            <a:endParaRPr lang="en-US" sz="1800" dirty="0">
+              <a:solidFill>
+                <a:schemeClr val="dk1"/>
+              </a:solidFill>
+            </a:endParaRPr>
+          </a:p>
+          <a:p>
+            <a:pPr marL="285750" lvl="2" indent="342900">
+              <a:buClr>
+                <a:schemeClr val="dk1"/>
+              </a:buClr>
+              <a:buSzPts val="1100"/>
+              <a:buFont typeface="Wingdings" pitchFamily="2" charset="2"/>
+              <a:buChar char="Ø"/>
+            </a:pPr>
+            <a:r>
+              <a:rPr lang="en-US" sz="1800" dirty="0">
+                <a:solidFill>
+                  <a:schemeClr val="dk1"/>
+                </a:solidFill>
+              </a:rPr>
+              <a:t>What problems do you encounter?</a:t>
+            </a:r>
+          </a:p>
+          <a:p>
+            <a:pPr marL="285750" lvl="2">
+              <a:buClr>
+                <a:schemeClr val="dk1"/>
+              </a:buClr>
+              <a:buSzPts val="1100"/>
+            </a:pPr>
+            <a:endParaRPr lang="en-US" sz="1800" dirty="0">
+              <a:solidFill>
+                <a:schemeClr val="dk1"/>
+              </a:solidFill>
+            </a:endParaRPr>
+          </a:p>
+          <a:p>
+            <a:pPr marL="285750" lvl="2" indent="342900">
+              <a:buClr>
+                <a:schemeClr val="dk1"/>
+              </a:buClr>
+              <a:buSzPts val="1100"/>
+              <a:buFont typeface="Wingdings" pitchFamily="2" charset="2"/>
+              <a:buChar char="Ø"/>
+            </a:pPr>
+            <a:r>
+              <a:rPr lang="en-US" sz="1800" dirty="0">
+                <a:solidFill>
+                  <a:schemeClr val="dk1"/>
+                </a:solidFill>
+              </a:rPr>
+              <a:t>Will you do anything differently now? (get back to this)</a:t>
+            </a:r>
+          </a:p>
+          <a:p>
+            <a:pPr marL="0" lvl="0" indent="0" algn="l" rtl="0">
+              <a:spcBef>
+                <a:spcPts val="0"/>
+              </a:spcBef>
+              <a:spcAft>
+                <a:spcPts val="0"/>
+              </a:spcAft>
+              <a:buClr>
+                <a:schemeClr val="dk1"/>
+              </a:buClr>
+              <a:buSzPts val="1100"/>
+              <a:buFont typeface="Arial"/>
+              <a:buNone/>
+            </a:pPr>
+            <a:endParaRPr sz="1800" dirty="0">
+              <a:solidFill>
+                <a:schemeClr val="dk1"/>
+              </a:solidFill>
+              <a:highlight>
+                <a:srgbClr val="CCCCCC"/>
+              </a:highlight>
+              <a:latin typeface="Consolas"/>
+              <a:ea typeface="Consolas"/>
+              <a:cs typeface="Consolas"/>
+              <a:sym typeface="Consolas"/>
+            </a:endParaRPr>
+          </a:p>
+        </p:txBody>
+      </p:sp>
+      <p:sp>
+        <p:nvSpPr>
+          <p:cNvPr id="2" name="Footer Placeholder 1">
+            <a:extLst>
+              <a:ext uri="{FF2B5EF4-FFF2-40B4-BE49-F238E27FC236}">
+                <a16:creationId xmlns:a16="http://schemas.microsoft.com/office/drawing/2014/main" id="{5C380214-B135-5368-A8F3-90949D340E4B}"/>
+              </a:ext>
+            </a:extLst>
+          </p:cNvPr>
+          <p:cNvSpPr>
+            <a:spLocks noGrp="1"/>
+          </p:cNvSpPr>
+          <p:nvPr>
+            <p:ph type="ftr" idx="11"/>
+          </p:nvPr>
+        </p:nvSpPr>
+        <p:spPr>
+          <a:xfrm>
+            <a:off x="4572000" y="6506896"/>
+            <a:ext cx="4114800" cy="365125"/>
+          </a:xfrm>
+        </p:spPr>
+        <p:txBody>
+          <a:bodyPr/>
+          <a:lstStyle/>
+          <a:p>
+            <a:r>
+              <a:rPr lang="en-US" dirty="0"/>
+              <a:t>High Dimensional Fixed Effects</a:t>
+            </a:r>
+          </a:p>
+        </p:txBody>
+      </p:sp>
+    </p:spTree>
+    <p:extLst>
+      <p:ext uri="{BB962C8B-B14F-4D97-AF65-F5344CB8AC3E}">
+        <p14:creationId xmlns:p14="http://schemas.microsoft.com/office/powerpoint/2010/main" val="1853667959"/>
+      </p:ext>
+    </p:extLst>
+  </p:cSld>
+  <p:clrMapOvr>
+    <a:masterClrMapping/>
+  </p:clrMapOvr>
+</p:sld>
+</file>
+
+<file path=ppt/slides/slide15.xml><?xml version="1.0" encoding="utf-8"?>
+<p:sld xmlns:a="http://schemas.openxmlformats.org/drawingml/2006/main" xmlns:r="http://schemas.openxmlformats.org/officeDocument/2006/relationships" xmlns:p="http://schemas.openxmlformats.org/presentationml/2006/main">
+  <p:cSld>
+    <p:spTree>
+      <p:nvGrpSpPr>
+        <p:cNvPr id="1" name="Shape 129"/>
+        <p:cNvGrpSpPr/>
+        <p:nvPr/>
+      </p:nvGrpSpPr>
+      <p:grpSpPr>
+        <a:xfrm>
+          <a:off x="0" y="0"/>
+          <a:ext cx="0" cy="0"/>
+          <a:chOff x="0" y="0"/>
+          <a:chExt cx="0" cy="0"/>
+        </a:xfrm>
+      </p:grpSpPr>
+      <p:sp>
+        <p:nvSpPr>
+          <p:cNvPr id="130" name="Google Shape;130;ge6d407e7a1_0_85"/>
+          <p:cNvSpPr txBox="1">
+            <a:spLocks noGrp="1"/>
+          </p:cNvSpPr>
+          <p:nvPr>
+            <p:ph type="title"/>
+          </p:nvPr>
+        </p:nvSpPr>
+        <p:spPr>
+          <a:xfrm>
+            <a:off x="457200" y="0"/>
+            <a:ext cx="8645700" cy="1143000"/>
+          </a:xfrm>
+          <a:prstGeom prst="rect">
+            <a:avLst/>
+          </a:prstGeom>
+          <a:noFill/>
+          <a:ln>
+            <a:noFill/>
+          </a:ln>
+        </p:spPr>
+        <p:txBody>
+          <a:bodyPr spcFirstLastPara="1" wrap="square" lIns="91425" tIns="45700" rIns="91425" bIns="45700" anchor="ctr" anchorCtr="0">
+            <a:noAutofit/>
+          </a:bodyPr>
+          <a:lstStyle/>
+          <a:p>
+            <a:pPr marL="0" lvl="0" indent="0" algn="l" rtl="0">
+              <a:lnSpc>
+                <a:spcPct val="100000"/>
+              </a:lnSpc>
+              <a:spcBef>
+                <a:spcPts val="0"/>
+              </a:spcBef>
+              <a:spcAft>
+                <a:spcPts val="0"/>
+              </a:spcAft>
+              <a:buSzPts val="3200"/>
+              <a:buNone/>
+            </a:pPr>
+            <a:r>
+              <a:rPr lang="en-US" dirty="0"/>
+              <a:t>Version Control – A Cautionary Tale</a:t>
+            </a:r>
+            <a:endParaRPr dirty="0"/>
+          </a:p>
+        </p:txBody>
+      </p:sp>
+      <p:sp>
+        <p:nvSpPr>
+          <p:cNvPr id="132" name="Google Shape;132;ge6d407e7a1_0_85"/>
+          <p:cNvSpPr txBox="1">
+            <a:spLocks noGrp="1"/>
+          </p:cNvSpPr>
+          <p:nvPr>
+            <p:ph type="sldNum" idx="12"/>
+          </p:nvPr>
+        </p:nvSpPr>
+        <p:spPr>
+          <a:xfrm>
+            <a:off x="8686800" y="6506896"/>
+            <a:ext cx="416100" cy="365100"/>
+          </a:xfrm>
+          <a:prstGeom prst="rect">
+            <a:avLst/>
+          </a:prstGeom>
+          <a:noFill/>
+          <a:ln>
+            <a:noFill/>
+          </a:ln>
+        </p:spPr>
+        <p:txBody>
+          <a:bodyPr spcFirstLastPara="1" wrap="square" lIns="91425" tIns="45700" rIns="91425" bIns="45700" anchor="ctr" anchorCtr="0">
+            <a:noAutofit/>
+          </a:bodyPr>
+          <a:lstStyle/>
+          <a:p>
+            <a:pPr marL="0" lvl="0" indent="0" algn="r" rtl="0">
+              <a:lnSpc>
+                <a:spcPct val="100000"/>
+              </a:lnSpc>
+              <a:spcBef>
+                <a:spcPts val="0"/>
+              </a:spcBef>
+              <a:spcAft>
+                <a:spcPts val="0"/>
+              </a:spcAft>
+              <a:buSzPts val="1000"/>
+              <a:buNone/>
+            </a:pPr>
+            <a:fld id="{00000000-1234-1234-1234-123412341234}" type="slidenum">
+              <a:rPr lang="en-US"/>
+              <a:t>15</a:t>
             </a:fld>
             <a:endParaRPr/>
           </a:p>
@@ -15098,7 +16281,7 @@
 </p:sld>
 </file>
 
-<file path=ppt/slides/slide15.xml><?xml version="1.0" encoding="utf-8"?>
+<file path=ppt/slides/slide16.xml><?xml version="1.0" encoding="utf-8"?>
 <p:sld xmlns:a="http://schemas.openxmlformats.org/drawingml/2006/main" xmlns:r="http://schemas.openxmlformats.org/officeDocument/2006/relationships" xmlns:p="http://schemas.openxmlformats.org/presentationml/2006/main">
   <p:cSld>
     <p:spTree>
@@ -15209,7 +16392,7 @@
             </a:pPr>
             <a:fld id="{00000000-1234-1234-1234-123412341234}" type="slidenum">
               <a:rPr lang="en-US"/>
-              <a:t>15</a:t>
+              <a:t>16</a:t>
             </a:fld>
             <a:endParaRPr/>
           </a:p>
@@ -15872,730 +17055,6 @@
 </p:sld>
 </file>
 
-<file path=ppt/slides/slide16.xml><?xml version="1.0" encoding="utf-8"?>
-<p:sld xmlns:a="http://schemas.openxmlformats.org/drawingml/2006/main" xmlns:r="http://schemas.openxmlformats.org/officeDocument/2006/relationships" xmlns:p="http://schemas.openxmlformats.org/presentationml/2006/main">
-  <p:cSld>
-    <p:spTree>
-      <p:nvGrpSpPr>
-        <p:cNvPr id="1" name="Shape 129"/>
-        <p:cNvGrpSpPr/>
-        <p:nvPr/>
-      </p:nvGrpSpPr>
-      <p:grpSpPr>
-        <a:xfrm>
-          <a:off x="0" y="0"/>
-          <a:ext cx="0" cy="0"/>
-          <a:chOff x="0" y="0"/>
-          <a:chExt cx="0" cy="0"/>
-        </a:xfrm>
-      </p:grpSpPr>
-      <p:sp>
-        <p:nvSpPr>
-          <p:cNvPr id="130" name="Google Shape;130;ge6d407e7a1_0_85"/>
-          <p:cNvSpPr txBox="1">
-            <a:spLocks noGrp="1"/>
-          </p:cNvSpPr>
-          <p:nvPr>
-            <p:ph type="title"/>
-          </p:nvPr>
-        </p:nvSpPr>
-        <p:spPr>
-          <a:xfrm>
-            <a:off x="457200" y="0"/>
-            <a:ext cx="8645700" cy="1143000"/>
-          </a:xfrm>
-          <a:prstGeom prst="rect">
-            <a:avLst/>
-          </a:prstGeom>
-          <a:noFill/>
-          <a:ln>
-            <a:noFill/>
-          </a:ln>
-        </p:spPr>
-        <p:txBody>
-          <a:bodyPr spcFirstLastPara="1" wrap="square" lIns="91425" tIns="45700" rIns="91425" bIns="45700" anchor="ctr" anchorCtr="0">
-            <a:noAutofit/>
-          </a:bodyPr>
-          <a:lstStyle/>
-          <a:p>
-            <a:pPr marL="0" lvl="0" indent="0" algn="l" rtl="0">
-              <a:lnSpc>
-                <a:spcPct val="100000"/>
-              </a:lnSpc>
-              <a:spcBef>
-                <a:spcPts val="0"/>
-              </a:spcBef>
-              <a:spcAft>
-                <a:spcPts val="0"/>
-              </a:spcAft>
-              <a:buSzPts val="3200"/>
-              <a:buNone/>
-            </a:pPr>
-            <a:r>
-              <a:rPr lang="en-US" dirty="0"/>
-              <a:t>HD Fixed Effect Example Studies</a:t>
-            </a:r>
-            <a:endParaRPr dirty="0"/>
-          </a:p>
-        </p:txBody>
-      </p:sp>
-      <p:sp>
-        <p:nvSpPr>
-          <p:cNvPr id="132" name="Google Shape;132;ge6d407e7a1_0_85"/>
-          <p:cNvSpPr txBox="1">
-            <a:spLocks noGrp="1"/>
-          </p:cNvSpPr>
-          <p:nvPr>
-            <p:ph type="sldNum" idx="12"/>
-          </p:nvPr>
-        </p:nvSpPr>
-        <p:spPr>
-          <a:xfrm>
-            <a:off x="8686800" y="6506896"/>
-            <a:ext cx="416100" cy="365100"/>
-          </a:xfrm>
-          <a:prstGeom prst="rect">
-            <a:avLst/>
-          </a:prstGeom>
-          <a:noFill/>
-          <a:ln>
-            <a:noFill/>
-          </a:ln>
-        </p:spPr>
-        <p:txBody>
-          <a:bodyPr spcFirstLastPara="1" wrap="square" lIns="91425" tIns="45700" rIns="91425" bIns="45700" anchor="ctr" anchorCtr="0">
-            <a:noAutofit/>
-          </a:bodyPr>
-          <a:lstStyle/>
-          <a:p>
-            <a:pPr marL="0" lvl="0" indent="0" algn="r" rtl="0">
-              <a:lnSpc>
-                <a:spcPct val="100000"/>
-              </a:lnSpc>
-              <a:spcBef>
-                <a:spcPts val="0"/>
-              </a:spcBef>
-              <a:spcAft>
-                <a:spcPts val="0"/>
-              </a:spcAft>
-              <a:buSzPts val="1000"/>
-              <a:buNone/>
-            </a:pPr>
-            <a:fld id="{00000000-1234-1234-1234-123412341234}" type="slidenum">
-              <a:rPr lang="en-US"/>
-              <a:t>16</a:t>
-            </a:fld>
-            <a:endParaRPr/>
-          </a:p>
-        </p:txBody>
-      </p:sp>
-      <p:sp>
-        <p:nvSpPr>
-          <p:cNvPr id="2" name="Content Placeholder 2">
-            <a:extLst>
-              <a:ext uri="{FF2B5EF4-FFF2-40B4-BE49-F238E27FC236}">
-                <a16:creationId xmlns:a16="http://schemas.microsoft.com/office/drawing/2014/main" id="{57656AF7-BF2D-5CE6-FA23-4BE0E2DE17B7}"/>
-              </a:ext>
-            </a:extLst>
-          </p:cNvPr>
-          <p:cNvSpPr txBox="1">
-            <a:spLocks/>
-          </p:cNvSpPr>
-          <p:nvPr/>
-        </p:nvSpPr>
-        <p:spPr>
-          <a:xfrm>
-            <a:off x="183156" y="1037063"/>
-            <a:ext cx="8332194" cy="4474936"/>
-          </a:xfrm>
-          <a:prstGeom prst="rect">
-            <a:avLst/>
-          </a:prstGeom>
-          <a:noFill/>
-          <a:ln>
-            <a:noFill/>
-          </a:ln>
-        </p:spPr>
-        <p:txBody>
-          <a:bodyPr spcFirstLastPara="1" wrap="square" lIns="91425" tIns="45700" rIns="91425" bIns="45700" anchor="t" anchorCtr="0">
-            <a:noAutofit/>
-          </a:bodyPr>
-          <a:lstStyle>
-            <a:defPPr marR="0" lvl="0" algn="l" rtl="0">
-              <a:lnSpc>
-                <a:spcPct val="100000"/>
-              </a:lnSpc>
-              <a:spcBef>
-                <a:spcPts val="0"/>
-              </a:spcBef>
-              <a:spcAft>
-                <a:spcPts val="0"/>
-              </a:spcAft>
-            </a:defPPr>
-            <a:lvl1pPr marL="457200" marR="0" lvl="0" indent="-342900" algn="l" rtl="0">
-              <a:lnSpc>
-                <a:spcPct val="100000"/>
-              </a:lnSpc>
-              <a:spcBef>
-                <a:spcPts val="360"/>
-              </a:spcBef>
-              <a:spcAft>
-                <a:spcPts val="0"/>
-              </a:spcAft>
-              <a:buClr>
-                <a:schemeClr val="dk1"/>
-              </a:buClr>
-              <a:buSzPts val="1800"/>
-              <a:buFont typeface="Arial"/>
-              <a:buChar char="•"/>
-              <a:defRPr sz="2400" b="0" i="0" u="none" strike="noStrike" cap="none">
-                <a:solidFill>
-                  <a:schemeClr val="dk1"/>
-                </a:solidFill>
-                <a:latin typeface="Arial"/>
-                <a:ea typeface="Arial"/>
-                <a:cs typeface="Arial"/>
-                <a:sym typeface="Arial"/>
-              </a:defRPr>
-            </a:lvl1pPr>
-            <a:lvl2pPr marL="914400" marR="0" lvl="1" indent="-381000" algn="l" rtl="0">
-              <a:lnSpc>
-                <a:spcPct val="100000"/>
-              </a:lnSpc>
-              <a:spcBef>
-                <a:spcPts val="480"/>
-              </a:spcBef>
-              <a:spcAft>
-                <a:spcPts val="0"/>
-              </a:spcAft>
-              <a:buClr>
-                <a:schemeClr val="dk1"/>
-              </a:buClr>
-              <a:buSzPts val="2400"/>
-              <a:buFont typeface="Arial"/>
-              <a:buChar char="–"/>
-              <a:defRPr sz="2400" b="0" i="0" u="none" strike="noStrike" cap="none">
-                <a:solidFill>
-                  <a:schemeClr val="dk1"/>
-                </a:solidFill>
-                <a:latin typeface="Arial"/>
-                <a:ea typeface="Arial"/>
-                <a:cs typeface="Arial"/>
-                <a:sym typeface="Arial"/>
-              </a:defRPr>
-            </a:lvl2pPr>
-            <a:lvl3pPr marL="1371600" marR="0" lvl="2" indent="-381000" algn="l" rtl="0">
-              <a:lnSpc>
-                <a:spcPct val="100000"/>
-              </a:lnSpc>
-              <a:spcBef>
-                <a:spcPts val="480"/>
-              </a:spcBef>
-              <a:spcAft>
-                <a:spcPts val="0"/>
-              </a:spcAft>
-              <a:buClr>
-                <a:schemeClr val="dk1"/>
-              </a:buClr>
-              <a:buSzPts val="2400"/>
-              <a:buFont typeface="Arial"/>
-              <a:buChar char="•"/>
-              <a:defRPr sz="2400" b="0" i="0" u="none" strike="noStrike" cap="none">
-                <a:solidFill>
-                  <a:schemeClr val="dk1"/>
-                </a:solidFill>
-                <a:latin typeface="Arial"/>
-                <a:ea typeface="Arial"/>
-                <a:cs typeface="Arial"/>
-                <a:sym typeface="Arial"/>
-              </a:defRPr>
-            </a:lvl3pPr>
-            <a:lvl4pPr marL="1828800" marR="0" lvl="3" indent="-381000" algn="l" rtl="0">
-              <a:lnSpc>
-                <a:spcPct val="100000"/>
-              </a:lnSpc>
-              <a:spcBef>
-                <a:spcPts val="480"/>
-              </a:spcBef>
-              <a:spcAft>
-                <a:spcPts val="0"/>
-              </a:spcAft>
-              <a:buClr>
-                <a:schemeClr val="dk1"/>
-              </a:buClr>
-              <a:buSzPts val="2400"/>
-              <a:buFont typeface="Arial"/>
-              <a:buChar char="–"/>
-              <a:defRPr sz="2400" b="0" i="0" u="none" strike="noStrike" cap="none">
-                <a:solidFill>
-                  <a:schemeClr val="dk1"/>
-                </a:solidFill>
-                <a:latin typeface="Arial"/>
-                <a:ea typeface="Arial"/>
-                <a:cs typeface="Arial"/>
-                <a:sym typeface="Arial"/>
-              </a:defRPr>
-            </a:lvl4pPr>
-            <a:lvl5pPr marL="2286000" marR="0" lvl="4" indent="-381000" algn="l" rtl="0">
-              <a:lnSpc>
-                <a:spcPct val="100000"/>
-              </a:lnSpc>
-              <a:spcBef>
-                <a:spcPts val="480"/>
-              </a:spcBef>
-              <a:spcAft>
-                <a:spcPts val="0"/>
-              </a:spcAft>
-              <a:buClr>
-                <a:schemeClr val="dk1"/>
-              </a:buClr>
-              <a:buSzPts val="2400"/>
-              <a:buFont typeface="Arial"/>
-              <a:buChar char="»"/>
-              <a:defRPr sz="2400" b="0" i="0" u="none" strike="noStrike" cap="none">
-                <a:solidFill>
-                  <a:schemeClr val="dk1"/>
-                </a:solidFill>
-                <a:latin typeface="Arial"/>
-                <a:ea typeface="Arial"/>
-                <a:cs typeface="Arial"/>
-                <a:sym typeface="Arial"/>
-              </a:defRPr>
-            </a:lvl5pPr>
-            <a:lvl6pPr marL="2743200" marR="0" lvl="5" indent="-342900" algn="l" rtl="0">
-              <a:lnSpc>
-                <a:spcPct val="100000"/>
-              </a:lnSpc>
-              <a:spcBef>
-                <a:spcPts val="360"/>
-              </a:spcBef>
-              <a:spcAft>
-                <a:spcPts val="0"/>
-              </a:spcAft>
-              <a:buClr>
-                <a:schemeClr val="dk1"/>
-              </a:buClr>
-              <a:buSzPts val="1800"/>
-              <a:buFont typeface="Arial"/>
-              <a:buChar char="•"/>
-              <a:defRPr sz="2000" b="0" i="0" u="none" strike="noStrike" cap="none">
-                <a:solidFill>
-                  <a:schemeClr val="dk1"/>
-                </a:solidFill>
-                <a:latin typeface="Arial"/>
-                <a:ea typeface="Arial"/>
-                <a:cs typeface="Arial"/>
-                <a:sym typeface="Arial"/>
-              </a:defRPr>
-            </a:lvl6pPr>
-            <a:lvl7pPr marL="3200400" marR="0" lvl="6" indent="-342900" algn="l" rtl="0">
-              <a:lnSpc>
-                <a:spcPct val="100000"/>
-              </a:lnSpc>
-              <a:spcBef>
-                <a:spcPts val="360"/>
-              </a:spcBef>
-              <a:spcAft>
-                <a:spcPts val="0"/>
-              </a:spcAft>
-              <a:buClr>
-                <a:schemeClr val="dk1"/>
-              </a:buClr>
-              <a:buSzPts val="1800"/>
-              <a:buFont typeface="Arial"/>
-              <a:buChar char="•"/>
-              <a:defRPr sz="2000" b="0" i="0" u="none" strike="noStrike" cap="none">
-                <a:solidFill>
-                  <a:schemeClr val="dk1"/>
-                </a:solidFill>
-                <a:latin typeface="Arial"/>
-                <a:ea typeface="Arial"/>
-                <a:cs typeface="Arial"/>
-                <a:sym typeface="Arial"/>
-              </a:defRPr>
-            </a:lvl7pPr>
-            <a:lvl8pPr marL="3657600" marR="0" lvl="7" indent="-342900" algn="l" rtl="0">
-              <a:lnSpc>
-                <a:spcPct val="100000"/>
-              </a:lnSpc>
-              <a:spcBef>
-                <a:spcPts val="360"/>
-              </a:spcBef>
-              <a:spcAft>
-                <a:spcPts val="0"/>
-              </a:spcAft>
-              <a:buClr>
-                <a:schemeClr val="dk1"/>
-              </a:buClr>
-              <a:buSzPts val="1800"/>
-              <a:buFont typeface="Arial"/>
-              <a:buChar char="•"/>
-              <a:defRPr sz="2000" b="0" i="0" u="none" strike="noStrike" cap="none">
-                <a:solidFill>
-                  <a:schemeClr val="dk1"/>
-                </a:solidFill>
-                <a:latin typeface="Arial"/>
-                <a:ea typeface="Arial"/>
-                <a:cs typeface="Arial"/>
-                <a:sym typeface="Arial"/>
-              </a:defRPr>
-            </a:lvl8pPr>
-            <a:lvl9pPr marL="4114800" marR="0" lvl="8" indent="-342900" algn="l" rtl="0">
-              <a:lnSpc>
-                <a:spcPct val="100000"/>
-              </a:lnSpc>
-              <a:spcBef>
-                <a:spcPts val="360"/>
-              </a:spcBef>
-              <a:spcAft>
-                <a:spcPts val="0"/>
-              </a:spcAft>
-              <a:buClr>
-                <a:schemeClr val="dk1"/>
-              </a:buClr>
-              <a:buSzPts val="1800"/>
-              <a:buFont typeface="Arial"/>
-              <a:buChar char="•"/>
-              <a:defRPr sz="2000" b="0" i="0" u="none" strike="noStrike" cap="none">
-                <a:solidFill>
-                  <a:schemeClr val="dk1"/>
-                </a:solidFill>
-                <a:latin typeface="Arial"/>
-                <a:ea typeface="Arial"/>
-                <a:cs typeface="Arial"/>
-                <a:sym typeface="Arial"/>
-              </a:defRPr>
-            </a:lvl9pPr>
-          </a:lstStyle>
-          <a:p>
-            <a:pPr marL="114300" indent="0" algn="l">
-              <a:buNone/>
-            </a:pPr>
-            <a:r>
-              <a:rPr lang="en-US" sz="1800" b="1" i="0" dirty="0">
-                <a:solidFill>
-                  <a:schemeClr val="tx1"/>
-                </a:solidFill>
-                <a:effectLst/>
-                <a:latin typeface="Arial" panose="020B0604020202020204" pitchFamily="34" charset="0"/>
-                <a:cs typeface="Arial" panose="020B0604020202020204" pitchFamily="34" charset="0"/>
-              </a:rPr>
-              <a:t>Environmental Economics</a:t>
-            </a:r>
-            <a:endParaRPr lang="en-US" sz="1800" b="0" i="0" dirty="0">
-              <a:solidFill>
-                <a:schemeClr val="tx1"/>
-              </a:solidFill>
-              <a:effectLst/>
-              <a:latin typeface="Arial" panose="020B0604020202020204" pitchFamily="34" charset="0"/>
-              <a:cs typeface="Arial" panose="020B0604020202020204" pitchFamily="34" charset="0"/>
-            </a:endParaRPr>
-          </a:p>
-          <a:p>
-            <a:pPr marL="457200" lvl="1" indent="0">
-              <a:buNone/>
-            </a:pPr>
-            <a:r>
-              <a:rPr lang="en-US" sz="1800" b="0" i="0" dirty="0">
-                <a:solidFill>
-                  <a:schemeClr val="tx1"/>
-                </a:solidFill>
-                <a:effectLst/>
-                <a:latin typeface="Arial" panose="020B0604020202020204" pitchFamily="34" charset="0"/>
-                <a:cs typeface="Arial" panose="020B0604020202020204" pitchFamily="34" charset="0"/>
-              </a:rPr>
-              <a:t>Study: Impact of Green Regulations on Firm Emissions</a:t>
-            </a:r>
-          </a:p>
-          <a:p>
-            <a:pPr marL="457200" lvl="1" indent="0">
-              <a:buNone/>
-            </a:pPr>
-            <a:r>
-              <a:rPr lang="en-US" sz="1800" b="0" i="0" dirty="0">
-                <a:solidFill>
-                  <a:schemeClr val="tx1"/>
-                </a:solidFill>
-                <a:effectLst/>
-                <a:latin typeface="Arial" panose="020B0604020202020204" pitchFamily="34" charset="0"/>
-                <a:cs typeface="Arial" panose="020B0604020202020204" pitchFamily="34" charset="0"/>
-              </a:rPr>
-              <a:t>Method: Fixed effects control for unobserved firm-specific characteristics and regulatory effects.</a:t>
-            </a:r>
-          </a:p>
-          <a:p>
-            <a:pPr marL="114300" indent="0" algn="l">
-              <a:buNone/>
-            </a:pPr>
-            <a:r>
-              <a:rPr lang="en-US" sz="1800" b="1" i="0" dirty="0">
-                <a:solidFill>
-                  <a:schemeClr val="tx1"/>
-                </a:solidFill>
-                <a:effectLst/>
-                <a:latin typeface="Arial" panose="020B0604020202020204" pitchFamily="34" charset="0"/>
-                <a:cs typeface="Arial" panose="020B0604020202020204" pitchFamily="34" charset="0"/>
-              </a:rPr>
-              <a:t>Labor Economics</a:t>
-            </a:r>
-            <a:endParaRPr lang="en-US" sz="1800" b="0" i="0" dirty="0">
-              <a:solidFill>
-                <a:schemeClr val="tx1"/>
-              </a:solidFill>
-              <a:effectLst/>
-              <a:latin typeface="Arial" panose="020B0604020202020204" pitchFamily="34" charset="0"/>
-              <a:cs typeface="Arial" panose="020B0604020202020204" pitchFamily="34" charset="0"/>
-            </a:endParaRPr>
-          </a:p>
-          <a:p>
-            <a:pPr marL="457200" lvl="1" indent="0" algn="l">
-              <a:buNone/>
-            </a:pPr>
-            <a:r>
-              <a:rPr lang="en-US" sz="1800" b="0" i="0" dirty="0">
-                <a:solidFill>
-                  <a:schemeClr val="tx1"/>
-                </a:solidFill>
-                <a:effectLst/>
-                <a:latin typeface="Arial" panose="020B0604020202020204" pitchFamily="34" charset="0"/>
-                <a:cs typeface="Arial" panose="020B0604020202020204" pitchFamily="34" charset="0"/>
-              </a:rPr>
-              <a:t>Study: Gender Wage Gap Over Time</a:t>
-            </a:r>
-          </a:p>
-          <a:p>
-            <a:pPr marL="457200" lvl="1" indent="0" algn="l">
-              <a:buNone/>
-            </a:pPr>
-            <a:r>
-              <a:rPr lang="en-US" sz="1800" b="0" i="0" dirty="0">
-                <a:solidFill>
-                  <a:schemeClr val="tx1"/>
-                </a:solidFill>
-                <a:effectLst/>
-                <a:latin typeface="Arial" panose="020B0604020202020204" pitchFamily="34" charset="0"/>
-                <a:cs typeface="Arial" panose="020B0604020202020204" pitchFamily="34" charset="0"/>
-              </a:rPr>
-              <a:t>Method: Fixed effects capture gender-specific wage differentials by controlling for time-invariant factors.</a:t>
-            </a:r>
-          </a:p>
-          <a:p>
-            <a:pPr marL="0" indent="0">
-              <a:buNone/>
-            </a:pPr>
-            <a:r>
-              <a:rPr lang="en-US" sz="1800" b="1" i="0" dirty="0">
-                <a:solidFill>
-                  <a:schemeClr val="tx1"/>
-                </a:solidFill>
-                <a:effectLst/>
-                <a:latin typeface="Arial" panose="020B0604020202020204" pitchFamily="34" charset="0"/>
-                <a:cs typeface="Arial" panose="020B0604020202020204" pitchFamily="34" charset="0"/>
-              </a:rPr>
-              <a:t>Health Economics</a:t>
-            </a:r>
-            <a:endParaRPr lang="en-US" sz="1800" b="0" i="0" dirty="0">
-              <a:solidFill>
-                <a:schemeClr val="tx1"/>
-              </a:solidFill>
-              <a:effectLst/>
-              <a:latin typeface="Arial" panose="020B0604020202020204" pitchFamily="34" charset="0"/>
-              <a:cs typeface="Arial" panose="020B0604020202020204" pitchFamily="34" charset="0"/>
-            </a:endParaRPr>
-          </a:p>
-          <a:p>
-            <a:pPr marL="457200" lvl="1" indent="0" algn="l">
-              <a:buNone/>
-            </a:pPr>
-            <a:r>
-              <a:rPr lang="en-US" sz="1800" b="0" i="0" dirty="0">
-                <a:solidFill>
-                  <a:schemeClr val="tx1"/>
-                </a:solidFill>
-                <a:effectLst/>
-                <a:latin typeface="Arial" panose="020B0604020202020204" pitchFamily="34" charset="0"/>
-                <a:cs typeface="Arial" panose="020B0604020202020204" pitchFamily="34" charset="0"/>
-              </a:rPr>
-              <a:t>Study: Effects of Universal Healthcare on Health Outcomes</a:t>
-            </a:r>
-          </a:p>
-          <a:p>
-            <a:pPr marL="457200" lvl="1" indent="0" algn="l">
-              <a:buNone/>
-            </a:pPr>
-            <a:r>
-              <a:rPr lang="en-US" sz="1800" b="0" i="0" dirty="0">
-                <a:solidFill>
-                  <a:schemeClr val="tx1"/>
-                </a:solidFill>
-                <a:effectLst/>
-                <a:latin typeface="Arial" panose="020B0604020202020204" pitchFamily="34" charset="0"/>
-                <a:cs typeface="Arial" panose="020B0604020202020204" pitchFamily="34" charset="0"/>
-              </a:rPr>
-              <a:t>Method: Fixed effects account for unobserved health-related characteristics and policy impacts.</a:t>
-            </a:r>
-          </a:p>
-          <a:p>
-            <a:pPr marL="114300" indent="0" algn="l">
-              <a:buNone/>
-            </a:pPr>
-            <a:r>
-              <a:rPr lang="en-US" sz="1800" b="1" i="0" dirty="0">
-                <a:solidFill>
-                  <a:schemeClr val="tx1"/>
-                </a:solidFill>
-                <a:effectLst/>
-                <a:latin typeface="Arial" panose="020B0604020202020204" pitchFamily="34" charset="0"/>
-                <a:cs typeface="Arial" panose="020B0604020202020204" pitchFamily="34" charset="0"/>
-              </a:rPr>
-              <a:t>Finance</a:t>
-            </a:r>
-            <a:endParaRPr lang="en-US" sz="1800" b="0" i="0" dirty="0">
-              <a:solidFill>
-                <a:schemeClr val="tx1"/>
-              </a:solidFill>
-              <a:effectLst/>
-              <a:latin typeface="Arial" panose="020B0604020202020204" pitchFamily="34" charset="0"/>
-              <a:cs typeface="Arial" panose="020B0604020202020204" pitchFamily="34" charset="0"/>
-            </a:endParaRPr>
-          </a:p>
-          <a:p>
-            <a:pPr marL="457200" lvl="1" indent="0" algn="l">
-              <a:buNone/>
-            </a:pPr>
-            <a:r>
-              <a:rPr lang="en-US" sz="1800" b="0" i="0" dirty="0">
-                <a:solidFill>
-                  <a:schemeClr val="tx1"/>
-                </a:solidFill>
-                <a:effectLst/>
-                <a:latin typeface="Arial" panose="020B0604020202020204" pitchFamily="34" charset="0"/>
-                <a:cs typeface="Arial" panose="020B0604020202020204" pitchFamily="34" charset="0"/>
-              </a:rPr>
-              <a:t>Study: Determinants of Stock Returns Across Industries</a:t>
-            </a:r>
-          </a:p>
-          <a:p>
-            <a:pPr marL="457200" lvl="1" indent="0" algn="l">
-              <a:buNone/>
-            </a:pPr>
-            <a:r>
-              <a:rPr lang="en-US" sz="1800" b="0" i="0" dirty="0">
-                <a:solidFill>
-                  <a:schemeClr val="tx1"/>
-                </a:solidFill>
-                <a:effectLst/>
-                <a:latin typeface="Arial" panose="020B0604020202020204" pitchFamily="34" charset="0"/>
-                <a:cs typeface="Arial" panose="020B0604020202020204" pitchFamily="34" charset="0"/>
-              </a:rPr>
-              <a:t>Method: Fixed effects control for industry-specific factors influencing stock performance.</a:t>
-            </a:r>
-          </a:p>
-          <a:p>
-            <a:pPr marL="114300" indent="0" algn="l">
-              <a:buNone/>
-            </a:pPr>
-            <a:br>
-              <a:rPr lang="en-US" sz="1800" b="0" i="0" dirty="0">
-                <a:solidFill>
-                  <a:srgbClr val="000000"/>
-                </a:solidFill>
-                <a:effectLst/>
-                <a:latin typeface="Arial" panose="020B0604020202020204" pitchFamily="34" charset="0"/>
-                <a:cs typeface="Arial" panose="020B0604020202020204" pitchFamily="34" charset="0"/>
-              </a:rPr>
-            </a:br>
-            <a:endParaRPr lang="en-US" sz="1800" b="0" i="0" dirty="0">
-              <a:solidFill>
-                <a:srgbClr val="000000"/>
-              </a:solidFill>
-              <a:effectLst/>
-              <a:latin typeface="Arial" panose="020B0604020202020204" pitchFamily="34" charset="0"/>
-              <a:cs typeface="Arial" panose="020B0604020202020204" pitchFamily="34" charset="0"/>
-            </a:endParaRPr>
-          </a:p>
-          <a:p>
-            <a:pPr marL="114300" indent="0">
-              <a:buNone/>
-            </a:pPr>
-            <a:endParaRPr lang="en-US" sz="1800" dirty="0">
-              <a:latin typeface="Arial" panose="020B0604020202020204" pitchFamily="34" charset="0"/>
-              <a:cs typeface="Arial" panose="020B0604020202020204" pitchFamily="34" charset="0"/>
-            </a:endParaRPr>
-          </a:p>
-          <a:p>
-            <a:pPr marL="114300" indent="0">
-              <a:buNone/>
-            </a:pPr>
-            <a:endParaRPr lang="en-US" sz="1800" dirty="0">
-              <a:latin typeface="Arial" panose="020B0604020202020204" pitchFamily="34" charset="0"/>
-              <a:cs typeface="Arial" panose="020B0604020202020204" pitchFamily="34" charset="0"/>
-            </a:endParaRPr>
-          </a:p>
-          <a:p>
-            <a:endParaRPr lang="en-US" sz="1800" dirty="0">
-              <a:latin typeface="Arial" panose="020B0604020202020204" pitchFamily="34" charset="0"/>
-              <a:cs typeface="Arial" panose="020B0604020202020204" pitchFamily="34" charset="0"/>
-            </a:endParaRPr>
-          </a:p>
-          <a:p>
-            <a:endParaRPr lang="en-US" sz="1800" dirty="0">
-              <a:latin typeface="Arial" panose="020B0604020202020204" pitchFamily="34" charset="0"/>
-              <a:cs typeface="Arial" panose="020B0604020202020204" pitchFamily="34" charset="0"/>
-            </a:endParaRPr>
-          </a:p>
-          <a:p>
-            <a:pPr lvl="1"/>
-            <a:endParaRPr lang="en-US" dirty="0"/>
-          </a:p>
-        </p:txBody>
-      </p:sp>
-      <p:sp>
-        <p:nvSpPr>
-          <p:cNvPr id="3" name="Footer Placeholder 1">
-            <a:extLst>
-              <a:ext uri="{FF2B5EF4-FFF2-40B4-BE49-F238E27FC236}">
-                <a16:creationId xmlns:a16="http://schemas.microsoft.com/office/drawing/2014/main" id="{0D40BD4A-586B-904D-4440-9A2F41B686E4}"/>
-              </a:ext>
-            </a:extLst>
-          </p:cNvPr>
-          <p:cNvSpPr>
-            <a:spLocks noGrp="1"/>
-          </p:cNvSpPr>
-          <p:nvPr>
-            <p:ph type="ftr" idx="11"/>
-          </p:nvPr>
-        </p:nvSpPr>
-        <p:spPr>
-          <a:xfrm>
-            <a:off x="4572000" y="6506896"/>
-            <a:ext cx="4114800" cy="365125"/>
-          </a:xfrm>
-        </p:spPr>
-        <p:txBody>
-          <a:bodyPr/>
-          <a:lstStyle/>
-          <a:p>
-            <a:r>
-              <a:rPr lang="en-US" dirty="0"/>
-              <a:t>High Dimensional Fixed Effects</a:t>
-            </a:r>
-          </a:p>
-        </p:txBody>
-      </p:sp>
-    </p:spTree>
-    <p:extLst>
-      <p:ext uri="{BB962C8B-B14F-4D97-AF65-F5344CB8AC3E}">
-        <p14:creationId xmlns:p14="http://schemas.microsoft.com/office/powerpoint/2010/main" val="2881356080"/>
-      </p:ext>
-    </p:extLst>
-  </p:cSld>
-  <p:clrMapOvr>
-    <a:masterClrMapping/>
-  </p:clrMapOvr>
-</p:sld>
-</file>
-
 <file path=ppt/slides/slide17.xml><?xml version="1.0" encoding="utf-8"?>
 <p:sld xmlns:a="http://schemas.openxmlformats.org/drawingml/2006/main" xmlns:r="http://schemas.openxmlformats.org/officeDocument/2006/relationships" xmlns:p="http://schemas.openxmlformats.org/presentationml/2006/main">
   <p:cSld>
@@ -16657,7 +17116,7 @@
             </a:pPr>
             <a:r>
               <a:rPr lang="en-US" dirty="0"/>
-              <a:t>Takeaways:</a:t>
+              <a:t>Demo – FE Parallelization on KLC</a:t>
             </a:r>
             <a:endParaRPr dirty="0"/>
           </a:p>
@@ -16708,6 +17167,2736 @@
             <a:fld id="{00000000-1234-1234-1234-123412341234}" type="slidenum">
               <a:rPr lang="en-US"/>
               <a:t>17</a:t>
+            </a:fld>
+            <a:endParaRPr/>
+          </a:p>
+        </p:txBody>
+      </p:sp>
+      <p:sp>
+        <p:nvSpPr>
+          <p:cNvPr id="133" name="Google Shape;133;ge6d407e7a1_0_85"/>
+          <p:cNvSpPr txBox="1"/>
+          <p:nvPr/>
+        </p:nvSpPr>
+        <p:spPr>
+          <a:xfrm>
+            <a:off x="505800" y="2182637"/>
+            <a:ext cx="8132400" cy="738633"/>
+          </a:xfrm>
+          <a:prstGeom prst="rect">
+            <a:avLst/>
+          </a:prstGeom>
+          <a:noFill/>
+          <a:ln>
+            <a:noFill/>
+          </a:ln>
+        </p:spPr>
+        <p:txBody>
+          <a:bodyPr spcFirstLastPara="1" wrap="square" lIns="91425" tIns="91425" rIns="91425" bIns="91425" anchor="t" anchorCtr="0">
+            <a:spAutoFit/>
+          </a:bodyPr>
+          <a:lstStyle/>
+          <a:p>
+            <a:pPr marL="0" lvl="0" indent="0" algn="l" rtl="0">
+              <a:spcBef>
+                <a:spcPts val="0"/>
+              </a:spcBef>
+              <a:spcAft>
+                <a:spcPts val="0"/>
+              </a:spcAft>
+              <a:buClr>
+                <a:schemeClr val="dk1"/>
+              </a:buClr>
+              <a:buSzPts val="1100"/>
+              <a:buFont typeface="Arial"/>
+              <a:buNone/>
+            </a:pPr>
+            <a:endParaRPr lang="en-US" sz="1800" dirty="0">
+              <a:solidFill>
+                <a:schemeClr val="dk1"/>
+              </a:solidFill>
+            </a:endParaRPr>
+          </a:p>
+          <a:p>
+            <a:pPr>
+              <a:buClr>
+                <a:schemeClr val="dk1"/>
+              </a:buClr>
+              <a:buSzPts val="1100"/>
+            </a:pPr>
+            <a:r>
+              <a:rPr lang="en-US" sz="1800" dirty="0">
+                <a:solidFill>
+                  <a:schemeClr val="dk1"/>
+                </a:solidFill>
+              </a:rPr>
+              <a:t>	</a:t>
+            </a:r>
+            <a:endParaRPr sz="1800" dirty="0">
+              <a:solidFill>
+                <a:schemeClr val="dk1"/>
+              </a:solidFill>
+              <a:highlight>
+                <a:srgbClr val="CCCCCC"/>
+              </a:highlight>
+              <a:latin typeface="Consolas"/>
+              <a:ea typeface="Consolas"/>
+              <a:cs typeface="Consolas"/>
+              <a:sym typeface="Consolas"/>
+            </a:endParaRPr>
+          </a:p>
+        </p:txBody>
+      </p:sp>
+      <p:sp>
+        <p:nvSpPr>
+          <p:cNvPr id="3" name="Footer Placeholder 1">
+            <a:extLst>
+              <a:ext uri="{FF2B5EF4-FFF2-40B4-BE49-F238E27FC236}">
+                <a16:creationId xmlns:a16="http://schemas.microsoft.com/office/drawing/2014/main" id="{63A84597-F457-5585-D445-BFEE5DA15209}"/>
+              </a:ext>
+            </a:extLst>
+          </p:cNvPr>
+          <p:cNvSpPr>
+            <a:spLocks noGrp="1"/>
+          </p:cNvSpPr>
+          <p:nvPr>
+            <p:ph type="ftr" idx="11"/>
+          </p:nvPr>
+        </p:nvSpPr>
+        <p:spPr>
+          <a:xfrm>
+            <a:off x="4572000" y="6517406"/>
+            <a:ext cx="4114800" cy="365125"/>
+          </a:xfrm>
+        </p:spPr>
+        <p:txBody>
+          <a:bodyPr/>
+          <a:lstStyle/>
+          <a:p>
+            <a:r>
+              <a:rPr lang="en-US" dirty="0"/>
+              <a:t>High Dimensional Fixed Effects</a:t>
+            </a:r>
+          </a:p>
+        </p:txBody>
+      </p:sp>
+      <p:pic>
+        <p:nvPicPr>
+          <p:cNvPr id="6" name="Picture 5" descr="A screenshot of a computer&#10;&#10;Description automatically generated">
+            <a:extLst>
+              <a:ext uri="{FF2B5EF4-FFF2-40B4-BE49-F238E27FC236}">
+                <a16:creationId xmlns:a16="http://schemas.microsoft.com/office/drawing/2014/main" id="{E33C76D7-E7F6-6BC9-7F4C-E3DECC9971D2}"/>
+              </a:ext>
+            </a:extLst>
+          </p:cNvPr>
+          <p:cNvPicPr>
+            <a:picLocks noChangeAspect="1"/>
+          </p:cNvPicPr>
+          <p:nvPr/>
+        </p:nvPicPr>
+        <p:blipFill>
+          <a:blip r:embed="rId3"/>
+          <a:stretch>
+            <a:fillRect/>
+          </a:stretch>
+        </p:blipFill>
+        <p:spPr>
+          <a:xfrm>
+            <a:off x="617324" y="2731008"/>
+            <a:ext cx="7374532" cy="3236366"/>
+          </a:xfrm>
+          <a:prstGeom prst="rect">
+            <a:avLst/>
+          </a:prstGeom>
+        </p:spPr>
+      </p:pic>
+      <p:cxnSp>
+        <p:nvCxnSpPr>
+          <p:cNvPr id="8" name="Straight Connector 7">
+            <a:extLst>
+              <a:ext uri="{FF2B5EF4-FFF2-40B4-BE49-F238E27FC236}">
+                <a16:creationId xmlns:a16="http://schemas.microsoft.com/office/drawing/2014/main" id="{DEC1A46D-7175-1F68-9C44-99B3D1A65740}"/>
+              </a:ext>
+            </a:extLst>
+          </p:cNvPr>
+          <p:cNvCxnSpPr/>
+          <p:nvPr/>
+        </p:nvCxnSpPr>
+        <p:spPr>
+          <a:xfrm>
+            <a:off x="365760" y="2340864"/>
+            <a:ext cx="8046720" cy="0"/>
+          </a:xfrm>
+          <a:prstGeom prst="line">
+            <a:avLst/>
+          </a:prstGeom>
+          <a:ln>
+            <a:solidFill>
+              <a:schemeClr val="tx1"/>
+            </a:solidFill>
+            <a:prstDash val="dash"/>
+          </a:ln>
+        </p:spPr>
+        <p:style>
+          <a:lnRef idx="1">
+            <a:schemeClr val="accent1"/>
+          </a:lnRef>
+          <a:fillRef idx="0">
+            <a:schemeClr val="accent1"/>
+          </a:fillRef>
+          <a:effectRef idx="0">
+            <a:schemeClr val="accent1"/>
+          </a:effectRef>
+          <a:fontRef idx="minor">
+            <a:schemeClr val="tx1"/>
+          </a:fontRef>
+        </p:style>
+      </p:cxnSp>
+      <p:pic>
+        <p:nvPicPr>
+          <p:cNvPr id="10" name="Picture 9" descr="A close up of a text&#10;&#10;Description automatically generated">
+            <a:extLst>
+              <a:ext uri="{FF2B5EF4-FFF2-40B4-BE49-F238E27FC236}">
+                <a16:creationId xmlns:a16="http://schemas.microsoft.com/office/drawing/2014/main" id="{C6697786-FC42-E28F-933A-38EE20BD4E5A}"/>
+              </a:ext>
+            </a:extLst>
+          </p:cNvPr>
+          <p:cNvPicPr>
+            <a:picLocks noChangeAspect="1"/>
+          </p:cNvPicPr>
+          <p:nvPr/>
+        </p:nvPicPr>
+        <p:blipFill rotWithShape="1">
+          <a:blip r:embed="rId4"/>
+          <a:srcRect r="3408" b="28081"/>
+          <a:stretch/>
+        </p:blipFill>
+        <p:spPr>
+          <a:xfrm>
+            <a:off x="1239774" y="1230709"/>
+            <a:ext cx="4600194" cy="529750"/>
+          </a:xfrm>
+          <a:prstGeom prst="rect">
+            <a:avLst/>
+          </a:prstGeom>
+        </p:spPr>
+      </p:pic>
+      <p:sp>
+        <p:nvSpPr>
+          <p:cNvPr id="11" name="Rectangle 10">
+            <a:extLst>
+              <a:ext uri="{FF2B5EF4-FFF2-40B4-BE49-F238E27FC236}">
+                <a16:creationId xmlns:a16="http://schemas.microsoft.com/office/drawing/2014/main" id="{90911B35-3610-D455-614B-E582DCB5EB03}"/>
+              </a:ext>
+            </a:extLst>
+          </p:cNvPr>
+          <p:cNvSpPr/>
+          <p:nvPr/>
+        </p:nvSpPr>
+        <p:spPr>
+          <a:xfrm>
+            <a:off x="505800" y="4200065"/>
+            <a:ext cx="5724312" cy="539071"/>
+          </a:xfrm>
+          <a:prstGeom prst="rect">
+            <a:avLst/>
+          </a:prstGeom>
+          <a:solidFill>
+            <a:srgbClr val="FFFF00">
+              <a:alpha val="40000"/>
+            </a:srgbClr>
+          </a:solidFill>
+          <a:ln>
+            <a:noFill/>
+          </a:ln>
+        </p:spPr>
+        <p:style>
+          <a:lnRef idx="2">
+            <a:schemeClr val="accent1">
+              <a:shade val="15000"/>
+            </a:schemeClr>
+          </a:lnRef>
+          <a:fillRef idx="1">
+            <a:schemeClr val="accent1"/>
+          </a:fillRef>
+          <a:effectRef idx="0">
+            <a:schemeClr val="accent1"/>
+          </a:effectRef>
+          <a:fontRef idx="minor">
+            <a:schemeClr val="lt1"/>
+          </a:fontRef>
+        </p:style>
+        <p:txBody>
+          <a:bodyPr rtlCol="0" anchor="ctr"/>
+          <a:lstStyle/>
+          <a:p>
+            <a:pPr algn="ctr"/>
+            <a:endParaRPr lang="en-US"/>
+          </a:p>
+        </p:txBody>
+      </p:sp>
+    </p:spTree>
+    <p:extLst>
+      <p:ext uri="{BB962C8B-B14F-4D97-AF65-F5344CB8AC3E}">
+        <p14:creationId xmlns:p14="http://schemas.microsoft.com/office/powerpoint/2010/main" val="701197665"/>
+      </p:ext>
+    </p:extLst>
+  </p:cSld>
+  <p:clrMapOvr>
+    <a:masterClrMapping/>
+  </p:clrMapOvr>
+  <p:timing>
+    <p:tnLst>
+      <p:par>
+        <p:cTn id="1" dur="indefinite" restart="never" nodeType="tmRoot">
+          <p:childTnLst>
+            <p:seq concurrent="1" nextAc="seek">
+              <p:cTn id="2" dur="indefinite" nodeType="mainSeq">
+                <p:childTnLst>
+                  <p:par>
+                    <p:cTn id="3" fill="hold">
+                      <p:stCondLst>
+                        <p:cond delay="indefinite"/>
+                      </p:stCondLst>
+                      <p:childTnLst>
+                        <p:par>
+                          <p:cTn id="4" fill="hold">
+                            <p:stCondLst>
+                              <p:cond delay="0"/>
+                            </p:stCondLst>
+                            <p:childTnLst>
+                              <p:par>
+                                <p:cTn id="5" presetID="1" presetClass="entr" presetSubtype="0" fill="hold" nodeType="clickEffect">
+                                  <p:stCondLst>
+                                    <p:cond delay="0"/>
+                                  </p:stCondLst>
+                                  <p:childTnLst>
+                                    <p:set>
+                                      <p:cBhvr>
+                                        <p:cTn id="6" dur="1" fill="hold">
+                                          <p:stCondLst>
+                                            <p:cond delay="0"/>
+                                          </p:stCondLst>
+                                        </p:cTn>
+                                        <p:tgtEl>
+                                          <p:spTgt spid="8"/>
+                                        </p:tgtEl>
+                                        <p:attrNameLst>
+                                          <p:attrName>style.visibility</p:attrName>
+                                        </p:attrNameLst>
+                                      </p:cBhvr>
+                                      <p:to>
+                                        <p:strVal val="visible"/>
+                                      </p:to>
+                                    </p:set>
+                                  </p:childTnLst>
+                                </p:cTn>
+                              </p:par>
+                              <p:par>
+                                <p:cTn id="7" presetID="1" presetClass="entr" presetSubtype="0" fill="hold" nodeType="withEffect">
+                                  <p:stCondLst>
+                                    <p:cond delay="0"/>
+                                  </p:stCondLst>
+                                  <p:childTnLst>
+                                    <p:set>
+                                      <p:cBhvr>
+                                        <p:cTn id="8" dur="1" fill="hold">
+                                          <p:stCondLst>
+                                            <p:cond delay="0"/>
+                                          </p:stCondLst>
+                                        </p:cTn>
+                                        <p:tgtEl>
+                                          <p:spTgt spid="6"/>
+                                        </p:tgtEl>
+                                        <p:attrNameLst>
+                                          <p:attrName>style.visibility</p:attrName>
+                                        </p:attrNameLst>
+                                      </p:cBhvr>
+                                      <p:to>
+                                        <p:strVal val="visible"/>
+                                      </p:to>
+                                    </p:set>
+                                  </p:childTnLst>
+                                </p:cTn>
+                              </p:par>
+                            </p:childTnLst>
+                          </p:cTn>
+                        </p:par>
+                      </p:childTnLst>
+                    </p:cTn>
+                  </p:par>
+                </p:childTnLst>
+              </p:cTn>
+              <p:prevCondLst>
+                <p:cond evt="onPrev" delay="0">
+                  <p:tgtEl>
+                    <p:sldTgt/>
+                  </p:tgtEl>
+                </p:cond>
+              </p:prevCondLst>
+              <p:nextCondLst>
+                <p:cond evt="onNext" delay="0">
+                  <p:tgtEl>
+                    <p:sldTgt/>
+                  </p:tgtEl>
+                </p:cond>
+              </p:nextCondLst>
+            </p:seq>
+          </p:childTnLst>
+        </p:cTn>
+      </p:par>
+    </p:tnLst>
+  </p:timing>
+</p:sld>
+</file>
+
+<file path=ppt/slides/slide18.xml><?xml version="1.0" encoding="utf-8"?>
+<p:sld xmlns:a="http://schemas.openxmlformats.org/drawingml/2006/main" xmlns:r="http://schemas.openxmlformats.org/officeDocument/2006/relationships" xmlns:p="http://schemas.openxmlformats.org/presentationml/2006/main">
+  <p:cSld>
+    <p:spTree>
+      <p:nvGrpSpPr>
+        <p:cNvPr id="1" name="Shape 129"/>
+        <p:cNvGrpSpPr/>
+        <p:nvPr/>
+      </p:nvGrpSpPr>
+      <p:grpSpPr>
+        <a:xfrm>
+          <a:off x="0" y="0"/>
+          <a:ext cx="0" cy="0"/>
+          <a:chOff x="0" y="0"/>
+          <a:chExt cx="0" cy="0"/>
+        </a:xfrm>
+      </p:grpSpPr>
+      <p:sp>
+        <p:nvSpPr>
+          <p:cNvPr id="130" name="Google Shape;130;ge6d407e7a1_0_85"/>
+          <p:cNvSpPr txBox="1">
+            <a:spLocks noGrp="1"/>
+          </p:cNvSpPr>
+          <p:nvPr>
+            <p:ph type="title"/>
+          </p:nvPr>
+        </p:nvSpPr>
+        <p:spPr>
+          <a:xfrm>
+            <a:off x="457200" y="0"/>
+            <a:ext cx="8645700" cy="1143000"/>
+          </a:xfrm>
+          <a:prstGeom prst="rect">
+            <a:avLst/>
+          </a:prstGeom>
+          <a:noFill/>
+          <a:ln>
+            <a:noFill/>
+          </a:ln>
+        </p:spPr>
+        <p:txBody>
+          <a:bodyPr spcFirstLastPara="1" wrap="square" lIns="91425" tIns="45700" rIns="91425" bIns="45700" anchor="ctr" anchorCtr="0">
+            <a:noAutofit/>
+          </a:bodyPr>
+          <a:lstStyle/>
+          <a:p>
+            <a:pPr marL="0" lvl="0" indent="0" algn="l" rtl="0">
+              <a:lnSpc>
+                <a:spcPct val="100000"/>
+              </a:lnSpc>
+              <a:spcBef>
+                <a:spcPts val="0"/>
+              </a:spcBef>
+              <a:spcAft>
+                <a:spcPts val="0"/>
+              </a:spcAft>
+              <a:buSzPts val="3200"/>
+              <a:buNone/>
+            </a:pPr>
+            <a:r>
+              <a:rPr lang="en-US" dirty="0"/>
+              <a:t>Parallelization Checklist on KLC</a:t>
+            </a:r>
+            <a:endParaRPr dirty="0"/>
+          </a:p>
+        </p:txBody>
+      </p:sp>
+      <p:sp>
+        <p:nvSpPr>
+          <p:cNvPr id="132" name="Google Shape;132;ge6d407e7a1_0_85"/>
+          <p:cNvSpPr txBox="1">
+            <a:spLocks noGrp="1"/>
+          </p:cNvSpPr>
+          <p:nvPr>
+            <p:ph type="sldNum" idx="12"/>
+          </p:nvPr>
+        </p:nvSpPr>
+        <p:spPr>
+          <a:xfrm>
+            <a:off x="8686800" y="6506896"/>
+            <a:ext cx="416100" cy="365100"/>
+          </a:xfrm>
+          <a:prstGeom prst="rect">
+            <a:avLst/>
+          </a:prstGeom>
+          <a:noFill/>
+          <a:ln>
+            <a:noFill/>
+          </a:ln>
+        </p:spPr>
+        <p:txBody>
+          <a:bodyPr spcFirstLastPara="1" wrap="square" lIns="91425" tIns="45700" rIns="91425" bIns="45700" anchor="ctr" anchorCtr="0">
+            <a:noAutofit/>
+          </a:bodyPr>
+          <a:lstStyle/>
+          <a:p>
+            <a:pPr marL="0" lvl="0" indent="0" algn="r" rtl="0">
+              <a:lnSpc>
+                <a:spcPct val="100000"/>
+              </a:lnSpc>
+              <a:spcBef>
+                <a:spcPts val="0"/>
+              </a:spcBef>
+              <a:spcAft>
+                <a:spcPts val="0"/>
+              </a:spcAft>
+              <a:buSzPts val="1000"/>
+              <a:buNone/>
+            </a:pPr>
+            <a:fld id="{00000000-1234-1234-1234-123412341234}" type="slidenum">
+              <a:rPr lang="en-US"/>
+              <a:t>18</a:t>
+            </a:fld>
+            <a:endParaRPr/>
+          </a:p>
+        </p:txBody>
+      </p:sp>
+      <p:sp>
+        <p:nvSpPr>
+          <p:cNvPr id="133" name="Google Shape;133;ge6d407e7a1_0_85"/>
+          <p:cNvSpPr txBox="1"/>
+          <p:nvPr/>
+        </p:nvSpPr>
+        <p:spPr>
+          <a:xfrm>
+            <a:off x="505800" y="2182637"/>
+            <a:ext cx="8132400" cy="738633"/>
+          </a:xfrm>
+          <a:prstGeom prst="rect">
+            <a:avLst/>
+          </a:prstGeom>
+          <a:noFill/>
+          <a:ln>
+            <a:noFill/>
+          </a:ln>
+        </p:spPr>
+        <p:txBody>
+          <a:bodyPr spcFirstLastPara="1" wrap="square" lIns="91425" tIns="91425" rIns="91425" bIns="91425" anchor="t" anchorCtr="0">
+            <a:spAutoFit/>
+          </a:bodyPr>
+          <a:lstStyle/>
+          <a:p>
+            <a:pPr marL="0" lvl="0" indent="0" algn="l" rtl="0">
+              <a:spcBef>
+                <a:spcPts val="0"/>
+              </a:spcBef>
+              <a:spcAft>
+                <a:spcPts val="0"/>
+              </a:spcAft>
+              <a:buClr>
+                <a:schemeClr val="dk1"/>
+              </a:buClr>
+              <a:buSzPts val="1100"/>
+              <a:buFont typeface="Arial"/>
+              <a:buNone/>
+            </a:pPr>
+            <a:endParaRPr lang="en-US" sz="1800" dirty="0">
+              <a:solidFill>
+                <a:schemeClr val="dk1"/>
+              </a:solidFill>
+            </a:endParaRPr>
+          </a:p>
+          <a:p>
+            <a:pPr>
+              <a:buClr>
+                <a:schemeClr val="dk1"/>
+              </a:buClr>
+              <a:buSzPts val="1100"/>
+            </a:pPr>
+            <a:r>
+              <a:rPr lang="en-US" sz="1800" dirty="0">
+                <a:solidFill>
+                  <a:schemeClr val="dk1"/>
+                </a:solidFill>
+              </a:rPr>
+              <a:t>	</a:t>
+            </a:r>
+            <a:endParaRPr sz="1800" dirty="0">
+              <a:solidFill>
+                <a:schemeClr val="dk1"/>
+              </a:solidFill>
+              <a:highlight>
+                <a:srgbClr val="CCCCCC"/>
+              </a:highlight>
+              <a:latin typeface="Consolas"/>
+              <a:ea typeface="Consolas"/>
+              <a:cs typeface="Consolas"/>
+              <a:sym typeface="Consolas"/>
+            </a:endParaRPr>
+          </a:p>
+        </p:txBody>
+      </p:sp>
+      <p:sp>
+        <p:nvSpPr>
+          <p:cNvPr id="2" name="Content Placeholder 2">
+            <a:extLst>
+              <a:ext uri="{FF2B5EF4-FFF2-40B4-BE49-F238E27FC236}">
+                <a16:creationId xmlns:a16="http://schemas.microsoft.com/office/drawing/2014/main" id="{12DB0C87-896D-7290-DABD-DC23302C3E2C}"/>
+              </a:ext>
+            </a:extLst>
+          </p:cNvPr>
+          <p:cNvSpPr txBox="1">
+            <a:spLocks/>
+          </p:cNvSpPr>
+          <p:nvPr/>
+        </p:nvSpPr>
+        <p:spPr>
+          <a:xfrm>
+            <a:off x="457200" y="932415"/>
+            <a:ext cx="8332194" cy="4474936"/>
+          </a:xfrm>
+          <a:prstGeom prst="rect">
+            <a:avLst/>
+          </a:prstGeom>
+          <a:noFill/>
+          <a:ln>
+            <a:noFill/>
+          </a:ln>
+        </p:spPr>
+        <p:txBody>
+          <a:bodyPr spcFirstLastPara="1" wrap="square" lIns="91425" tIns="45700" rIns="91425" bIns="45700" anchor="t" anchorCtr="0">
+            <a:noAutofit/>
+          </a:bodyPr>
+          <a:lstStyle>
+            <a:defPPr marR="0" lvl="0" algn="l" rtl="0">
+              <a:lnSpc>
+                <a:spcPct val="100000"/>
+              </a:lnSpc>
+              <a:spcBef>
+                <a:spcPts val="0"/>
+              </a:spcBef>
+              <a:spcAft>
+                <a:spcPts val="0"/>
+              </a:spcAft>
+            </a:defPPr>
+            <a:lvl1pPr marL="457200" marR="0" lvl="0" indent="-342900" algn="l" rtl="0">
+              <a:lnSpc>
+                <a:spcPct val="100000"/>
+              </a:lnSpc>
+              <a:spcBef>
+                <a:spcPts val="360"/>
+              </a:spcBef>
+              <a:spcAft>
+                <a:spcPts val="0"/>
+              </a:spcAft>
+              <a:buClr>
+                <a:schemeClr val="dk1"/>
+              </a:buClr>
+              <a:buSzPts val="1800"/>
+              <a:buFont typeface="Arial"/>
+              <a:buChar char="•"/>
+              <a:defRPr sz="2400" b="0" i="0" u="none" strike="noStrike" cap="none">
+                <a:solidFill>
+                  <a:schemeClr val="dk1"/>
+                </a:solidFill>
+                <a:latin typeface="Arial"/>
+                <a:ea typeface="Arial"/>
+                <a:cs typeface="Arial"/>
+                <a:sym typeface="Arial"/>
+              </a:defRPr>
+            </a:lvl1pPr>
+            <a:lvl2pPr marL="914400" marR="0" lvl="1" indent="-381000" algn="l" rtl="0">
+              <a:lnSpc>
+                <a:spcPct val="100000"/>
+              </a:lnSpc>
+              <a:spcBef>
+                <a:spcPts val="480"/>
+              </a:spcBef>
+              <a:spcAft>
+                <a:spcPts val="0"/>
+              </a:spcAft>
+              <a:buClr>
+                <a:schemeClr val="dk1"/>
+              </a:buClr>
+              <a:buSzPts val="2400"/>
+              <a:buFont typeface="Arial"/>
+              <a:buChar char="–"/>
+              <a:defRPr sz="2400" b="0" i="0" u="none" strike="noStrike" cap="none">
+                <a:solidFill>
+                  <a:schemeClr val="dk1"/>
+                </a:solidFill>
+                <a:latin typeface="Arial"/>
+                <a:ea typeface="Arial"/>
+                <a:cs typeface="Arial"/>
+                <a:sym typeface="Arial"/>
+              </a:defRPr>
+            </a:lvl2pPr>
+            <a:lvl3pPr marL="1371600" marR="0" lvl="2" indent="-381000" algn="l" rtl="0">
+              <a:lnSpc>
+                <a:spcPct val="100000"/>
+              </a:lnSpc>
+              <a:spcBef>
+                <a:spcPts val="480"/>
+              </a:spcBef>
+              <a:spcAft>
+                <a:spcPts val="0"/>
+              </a:spcAft>
+              <a:buClr>
+                <a:schemeClr val="dk1"/>
+              </a:buClr>
+              <a:buSzPts val="2400"/>
+              <a:buFont typeface="Arial"/>
+              <a:buChar char="•"/>
+              <a:defRPr sz="2400" b="0" i="0" u="none" strike="noStrike" cap="none">
+                <a:solidFill>
+                  <a:schemeClr val="dk1"/>
+                </a:solidFill>
+                <a:latin typeface="Arial"/>
+                <a:ea typeface="Arial"/>
+                <a:cs typeface="Arial"/>
+                <a:sym typeface="Arial"/>
+              </a:defRPr>
+            </a:lvl3pPr>
+            <a:lvl4pPr marL="1828800" marR="0" lvl="3" indent="-381000" algn="l" rtl="0">
+              <a:lnSpc>
+                <a:spcPct val="100000"/>
+              </a:lnSpc>
+              <a:spcBef>
+                <a:spcPts val="480"/>
+              </a:spcBef>
+              <a:spcAft>
+                <a:spcPts val="0"/>
+              </a:spcAft>
+              <a:buClr>
+                <a:schemeClr val="dk1"/>
+              </a:buClr>
+              <a:buSzPts val="2400"/>
+              <a:buFont typeface="Arial"/>
+              <a:buChar char="–"/>
+              <a:defRPr sz="2400" b="0" i="0" u="none" strike="noStrike" cap="none">
+                <a:solidFill>
+                  <a:schemeClr val="dk1"/>
+                </a:solidFill>
+                <a:latin typeface="Arial"/>
+                <a:ea typeface="Arial"/>
+                <a:cs typeface="Arial"/>
+                <a:sym typeface="Arial"/>
+              </a:defRPr>
+            </a:lvl4pPr>
+            <a:lvl5pPr marL="2286000" marR="0" lvl="4" indent="-381000" algn="l" rtl="0">
+              <a:lnSpc>
+                <a:spcPct val="100000"/>
+              </a:lnSpc>
+              <a:spcBef>
+                <a:spcPts val="480"/>
+              </a:spcBef>
+              <a:spcAft>
+                <a:spcPts val="0"/>
+              </a:spcAft>
+              <a:buClr>
+                <a:schemeClr val="dk1"/>
+              </a:buClr>
+              <a:buSzPts val="2400"/>
+              <a:buFont typeface="Arial"/>
+              <a:buChar char="»"/>
+              <a:defRPr sz="2400" b="0" i="0" u="none" strike="noStrike" cap="none">
+                <a:solidFill>
+                  <a:schemeClr val="dk1"/>
+                </a:solidFill>
+                <a:latin typeface="Arial"/>
+                <a:ea typeface="Arial"/>
+                <a:cs typeface="Arial"/>
+                <a:sym typeface="Arial"/>
+              </a:defRPr>
+            </a:lvl5pPr>
+            <a:lvl6pPr marL="2743200" marR="0" lvl="5" indent="-342900" algn="l" rtl="0">
+              <a:lnSpc>
+                <a:spcPct val="100000"/>
+              </a:lnSpc>
+              <a:spcBef>
+                <a:spcPts val="360"/>
+              </a:spcBef>
+              <a:spcAft>
+                <a:spcPts val="0"/>
+              </a:spcAft>
+              <a:buClr>
+                <a:schemeClr val="dk1"/>
+              </a:buClr>
+              <a:buSzPts val="1800"/>
+              <a:buFont typeface="Arial"/>
+              <a:buChar char="•"/>
+              <a:defRPr sz="2000" b="0" i="0" u="none" strike="noStrike" cap="none">
+                <a:solidFill>
+                  <a:schemeClr val="dk1"/>
+                </a:solidFill>
+                <a:latin typeface="Arial"/>
+                <a:ea typeface="Arial"/>
+                <a:cs typeface="Arial"/>
+                <a:sym typeface="Arial"/>
+              </a:defRPr>
+            </a:lvl6pPr>
+            <a:lvl7pPr marL="3200400" marR="0" lvl="6" indent="-342900" algn="l" rtl="0">
+              <a:lnSpc>
+                <a:spcPct val="100000"/>
+              </a:lnSpc>
+              <a:spcBef>
+                <a:spcPts val="360"/>
+              </a:spcBef>
+              <a:spcAft>
+                <a:spcPts val="0"/>
+              </a:spcAft>
+              <a:buClr>
+                <a:schemeClr val="dk1"/>
+              </a:buClr>
+              <a:buSzPts val="1800"/>
+              <a:buFont typeface="Arial"/>
+              <a:buChar char="•"/>
+              <a:defRPr sz="2000" b="0" i="0" u="none" strike="noStrike" cap="none">
+                <a:solidFill>
+                  <a:schemeClr val="dk1"/>
+                </a:solidFill>
+                <a:latin typeface="Arial"/>
+                <a:ea typeface="Arial"/>
+                <a:cs typeface="Arial"/>
+                <a:sym typeface="Arial"/>
+              </a:defRPr>
+            </a:lvl7pPr>
+            <a:lvl8pPr marL="3657600" marR="0" lvl="7" indent="-342900" algn="l" rtl="0">
+              <a:lnSpc>
+                <a:spcPct val="100000"/>
+              </a:lnSpc>
+              <a:spcBef>
+                <a:spcPts val="360"/>
+              </a:spcBef>
+              <a:spcAft>
+                <a:spcPts val="0"/>
+              </a:spcAft>
+              <a:buClr>
+                <a:schemeClr val="dk1"/>
+              </a:buClr>
+              <a:buSzPts val="1800"/>
+              <a:buFont typeface="Arial"/>
+              <a:buChar char="•"/>
+              <a:defRPr sz="2000" b="0" i="0" u="none" strike="noStrike" cap="none">
+                <a:solidFill>
+                  <a:schemeClr val="dk1"/>
+                </a:solidFill>
+                <a:latin typeface="Arial"/>
+                <a:ea typeface="Arial"/>
+                <a:cs typeface="Arial"/>
+                <a:sym typeface="Arial"/>
+              </a:defRPr>
+            </a:lvl8pPr>
+            <a:lvl9pPr marL="4114800" marR="0" lvl="8" indent="-342900" algn="l" rtl="0">
+              <a:lnSpc>
+                <a:spcPct val="100000"/>
+              </a:lnSpc>
+              <a:spcBef>
+                <a:spcPts val="360"/>
+              </a:spcBef>
+              <a:spcAft>
+                <a:spcPts val="0"/>
+              </a:spcAft>
+              <a:buClr>
+                <a:schemeClr val="dk1"/>
+              </a:buClr>
+              <a:buSzPts val="1800"/>
+              <a:buFont typeface="Arial"/>
+              <a:buChar char="•"/>
+              <a:defRPr sz="2000" b="0" i="0" u="none" strike="noStrike" cap="none">
+                <a:solidFill>
+                  <a:schemeClr val="dk1"/>
+                </a:solidFill>
+                <a:latin typeface="Arial"/>
+                <a:ea typeface="Arial"/>
+                <a:cs typeface="Arial"/>
+                <a:sym typeface="Arial"/>
+              </a:defRPr>
+            </a:lvl9pPr>
+          </a:lstStyle>
+          <a:p>
+            <a:pPr algn="l">
+              <a:buFont typeface="Wingdings" pitchFamily="2" charset="2"/>
+              <a:buChar char="ü"/>
+            </a:pPr>
+            <a:r>
+              <a:rPr lang="en-US" sz="1800" dirty="0">
+                <a:solidFill>
+                  <a:schemeClr val="tx1"/>
+                </a:solidFill>
+                <a:latin typeface="Arial" panose="020B0604020202020204" pitchFamily="34" charset="0"/>
+                <a:cs typeface="Arial" panose="020B0604020202020204" pitchFamily="34" charset="0"/>
+              </a:rPr>
+              <a:t>Do I understand what I’m parallelizing?  </a:t>
+            </a:r>
+          </a:p>
+          <a:p>
+            <a:pPr lvl="1">
+              <a:buFont typeface="Wingdings" pitchFamily="2" charset="2"/>
+              <a:buChar char="q"/>
+            </a:pPr>
+            <a:r>
+              <a:rPr lang="en-US" sz="1800" dirty="0">
+                <a:solidFill>
+                  <a:schemeClr val="tx1"/>
+                </a:solidFill>
+                <a:latin typeface="Arial" panose="020B0604020202020204" pitchFamily="34" charset="0"/>
+                <a:cs typeface="Arial" panose="020B0604020202020204" pitchFamily="34" charset="0"/>
+              </a:rPr>
+              <a:t>Is it something completely separable, embarrassingly parallel</a:t>
+            </a:r>
+          </a:p>
+          <a:p>
+            <a:pPr lvl="1">
+              <a:buFont typeface="Wingdings" pitchFamily="2" charset="2"/>
+              <a:buChar char="q"/>
+            </a:pPr>
+            <a:r>
+              <a:rPr lang="en-US" sz="1800" dirty="0">
+                <a:solidFill>
+                  <a:schemeClr val="tx1"/>
+                </a:solidFill>
+                <a:latin typeface="Arial" panose="020B0604020202020204" pitchFamily="34" charset="0"/>
+                <a:cs typeface="Arial" panose="020B0604020202020204" pitchFamily="34" charset="0"/>
+              </a:rPr>
+              <a:t>Is it something that needs to be shared, task , data parallel, etc.</a:t>
+            </a:r>
+          </a:p>
+          <a:p>
+            <a:pPr lvl="1">
+              <a:buFont typeface="Wingdings" pitchFamily="2" charset="2"/>
+              <a:buChar char="q"/>
+            </a:pPr>
+            <a:endParaRPr lang="en-US" sz="1800" dirty="0">
+              <a:solidFill>
+                <a:schemeClr val="tx1"/>
+              </a:solidFill>
+              <a:latin typeface="Arial" panose="020B0604020202020204" pitchFamily="34" charset="0"/>
+              <a:cs typeface="Arial" panose="020B0604020202020204" pitchFamily="34" charset="0"/>
+            </a:endParaRPr>
+          </a:p>
+          <a:p>
+            <a:pPr>
+              <a:buFont typeface="Wingdings" pitchFamily="2" charset="2"/>
+              <a:buChar char="ü"/>
+            </a:pPr>
+            <a:r>
+              <a:rPr lang="en-US" sz="1800" dirty="0">
+                <a:solidFill>
+                  <a:schemeClr val="tx1"/>
+                </a:solidFill>
+                <a:latin typeface="Arial" panose="020B0604020202020204" pitchFamily="34" charset="0"/>
+                <a:cs typeface="Arial" panose="020B0604020202020204" pitchFamily="34" charset="0"/>
+              </a:rPr>
+              <a:t>Do I understand how parallelization works for my package?</a:t>
+            </a:r>
+          </a:p>
+          <a:p>
+            <a:pPr>
+              <a:buFont typeface="Wingdings" pitchFamily="2" charset="2"/>
+              <a:buChar char="ü"/>
+            </a:pPr>
+            <a:endParaRPr lang="en-US" sz="1800" dirty="0">
+              <a:solidFill>
+                <a:schemeClr val="tx1"/>
+              </a:solidFill>
+              <a:latin typeface="Arial" panose="020B0604020202020204" pitchFamily="34" charset="0"/>
+              <a:cs typeface="Arial" panose="020B0604020202020204" pitchFamily="34" charset="0"/>
+            </a:endParaRPr>
+          </a:p>
+          <a:p>
+            <a:pPr>
+              <a:buFont typeface="Wingdings" pitchFamily="2" charset="2"/>
+              <a:buChar char="ü"/>
+            </a:pPr>
+            <a:r>
+              <a:rPr lang="en-US" sz="1800" dirty="0">
+                <a:solidFill>
+                  <a:schemeClr val="tx1"/>
+                </a:solidFill>
+                <a:latin typeface="Arial" panose="020B0604020202020204" pitchFamily="34" charset="0"/>
+                <a:cs typeface="Arial" panose="020B0604020202020204" pitchFamily="34" charset="0"/>
+              </a:rPr>
+              <a:t>Are those resources available? Number of cores, amount of memory?</a:t>
+            </a:r>
+          </a:p>
+          <a:p>
+            <a:pPr>
+              <a:buFont typeface="Wingdings" pitchFamily="2" charset="2"/>
+              <a:buChar char="ü"/>
+            </a:pPr>
+            <a:endParaRPr lang="en-US" sz="1800" dirty="0">
+              <a:solidFill>
+                <a:schemeClr val="tx1"/>
+              </a:solidFill>
+              <a:latin typeface="Arial" panose="020B0604020202020204" pitchFamily="34" charset="0"/>
+              <a:cs typeface="Arial" panose="020B0604020202020204" pitchFamily="34" charset="0"/>
+            </a:endParaRPr>
+          </a:p>
+          <a:p>
+            <a:pPr>
+              <a:buFont typeface="Wingdings" pitchFamily="2" charset="2"/>
+              <a:buChar char="ü"/>
+            </a:pPr>
+            <a:r>
+              <a:rPr lang="en-US" sz="1800" dirty="0">
+                <a:solidFill>
+                  <a:schemeClr val="tx1"/>
+                </a:solidFill>
+                <a:latin typeface="Arial" panose="020B0604020202020204" pitchFamily="34" charset="0"/>
+                <a:cs typeface="Arial" panose="020B0604020202020204" pitchFamily="34" charset="0"/>
+              </a:rPr>
+              <a:t>How can I monitor whether those resources stay available?</a:t>
+            </a:r>
+          </a:p>
+          <a:p>
+            <a:pPr>
+              <a:buFont typeface="Wingdings" pitchFamily="2" charset="2"/>
+              <a:buChar char="ü"/>
+            </a:pPr>
+            <a:endParaRPr lang="en-US" sz="1800" dirty="0">
+              <a:solidFill>
+                <a:schemeClr val="tx1"/>
+              </a:solidFill>
+              <a:latin typeface="Arial" panose="020B0604020202020204" pitchFamily="34" charset="0"/>
+              <a:cs typeface="Arial" panose="020B0604020202020204" pitchFamily="34" charset="0"/>
+            </a:endParaRPr>
+          </a:p>
+          <a:p>
+            <a:pPr>
+              <a:buFont typeface="Wingdings" pitchFamily="2" charset="2"/>
+              <a:buChar char="ü"/>
+            </a:pPr>
+            <a:r>
+              <a:rPr lang="en-US" sz="1800" dirty="0">
+                <a:solidFill>
+                  <a:schemeClr val="tx1"/>
+                </a:solidFill>
+                <a:latin typeface="Arial" panose="020B0604020202020204" pitchFamily="34" charset="0"/>
+                <a:cs typeface="Arial" panose="020B0604020202020204" pitchFamily="34" charset="0"/>
+              </a:rPr>
+              <a:t>Is my parallelization doing what I want?</a:t>
+            </a:r>
+          </a:p>
+          <a:p>
+            <a:pPr lvl="1">
+              <a:buFont typeface="Wingdings" pitchFamily="2" charset="2"/>
+              <a:buChar char="q"/>
+            </a:pPr>
+            <a:r>
+              <a:rPr lang="en-US" sz="1800" dirty="0">
+                <a:solidFill>
+                  <a:schemeClr val="tx1"/>
+                </a:solidFill>
+                <a:latin typeface="Arial" panose="020B0604020202020204" pitchFamily="34" charset="0"/>
+                <a:cs typeface="Arial" panose="020B0604020202020204" pitchFamily="34" charset="0"/>
+              </a:rPr>
+              <a:t>For instance, did I run the same regression 4 times on different cores, instead of parallelizing it on 4 cores</a:t>
+            </a:r>
+          </a:p>
+          <a:p>
+            <a:pPr lvl="1">
+              <a:buFont typeface="Wingdings" pitchFamily="2" charset="2"/>
+              <a:buChar char="q"/>
+            </a:pPr>
+            <a:r>
+              <a:rPr lang="en-US" sz="1800" dirty="0">
+                <a:solidFill>
+                  <a:schemeClr val="tx1"/>
+                </a:solidFill>
+                <a:latin typeface="Arial" panose="020B0604020202020204" pitchFamily="34" charset="0"/>
+                <a:cs typeface="Arial" panose="020B0604020202020204" pitchFamily="34" charset="0"/>
+              </a:rPr>
+              <a:t>Did I accidentally grab all the cores?</a:t>
+            </a:r>
+          </a:p>
+          <a:p>
+            <a:pPr lvl="1">
+              <a:buFont typeface="Wingdings" pitchFamily="2" charset="2"/>
+              <a:buChar char="q"/>
+            </a:pPr>
+            <a:r>
+              <a:rPr lang="en-US" sz="1800" dirty="0">
+                <a:solidFill>
+                  <a:schemeClr val="tx1"/>
+                </a:solidFill>
+                <a:latin typeface="Arial" panose="020B0604020202020204" pitchFamily="34" charset="0"/>
+                <a:cs typeface="Arial" panose="020B0604020202020204" pitchFamily="34" charset="0"/>
+              </a:rPr>
+              <a:t>Am I stuck on one core?</a:t>
+            </a:r>
+          </a:p>
+          <a:p>
+            <a:pPr lvl="1">
+              <a:buFont typeface="Wingdings" pitchFamily="2" charset="2"/>
+              <a:buChar char="q"/>
+            </a:pPr>
+            <a:r>
+              <a:rPr lang="en-US" sz="1800" dirty="0">
+                <a:solidFill>
+                  <a:schemeClr val="tx1"/>
+                </a:solidFill>
+                <a:latin typeface="Arial" panose="020B0604020202020204" pitchFamily="34" charset="0"/>
+                <a:cs typeface="Arial" panose="020B0604020202020204" pitchFamily="34" charset="0"/>
+              </a:rPr>
+              <a:t>Did I do something make the node unstable? </a:t>
+            </a:r>
+            <a:endParaRPr lang="en-US" sz="1800" dirty="0">
+              <a:latin typeface="Arial" panose="020B0604020202020204" pitchFamily="34" charset="0"/>
+              <a:cs typeface="Arial" panose="020B0604020202020204" pitchFamily="34" charset="0"/>
+            </a:endParaRPr>
+          </a:p>
+          <a:p>
+            <a:pPr marL="114300" indent="0">
+              <a:buNone/>
+            </a:pPr>
+            <a:endParaRPr lang="en-US" sz="1800" dirty="0">
+              <a:latin typeface="Arial" panose="020B0604020202020204" pitchFamily="34" charset="0"/>
+              <a:cs typeface="Arial" panose="020B0604020202020204" pitchFamily="34" charset="0"/>
+            </a:endParaRPr>
+          </a:p>
+          <a:p>
+            <a:endParaRPr lang="en-US" sz="1800" dirty="0">
+              <a:latin typeface="Arial" panose="020B0604020202020204" pitchFamily="34" charset="0"/>
+              <a:cs typeface="Arial" panose="020B0604020202020204" pitchFamily="34" charset="0"/>
+            </a:endParaRPr>
+          </a:p>
+          <a:p>
+            <a:endParaRPr lang="en-US" sz="1800" dirty="0">
+              <a:latin typeface="Arial" panose="020B0604020202020204" pitchFamily="34" charset="0"/>
+              <a:cs typeface="Arial" panose="020B0604020202020204" pitchFamily="34" charset="0"/>
+            </a:endParaRPr>
+          </a:p>
+          <a:p>
+            <a:pPr lvl="1"/>
+            <a:endParaRPr lang="en-US" dirty="0"/>
+          </a:p>
+        </p:txBody>
+      </p:sp>
+      <p:sp>
+        <p:nvSpPr>
+          <p:cNvPr id="3" name="Footer Placeholder 1">
+            <a:extLst>
+              <a:ext uri="{FF2B5EF4-FFF2-40B4-BE49-F238E27FC236}">
+                <a16:creationId xmlns:a16="http://schemas.microsoft.com/office/drawing/2014/main" id="{63A84597-F457-5585-D445-BFEE5DA15209}"/>
+              </a:ext>
+            </a:extLst>
+          </p:cNvPr>
+          <p:cNvSpPr>
+            <a:spLocks noGrp="1"/>
+          </p:cNvSpPr>
+          <p:nvPr>
+            <p:ph type="ftr" idx="11"/>
+          </p:nvPr>
+        </p:nvSpPr>
+        <p:spPr>
+          <a:xfrm>
+            <a:off x="4572000" y="6517406"/>
+            <a:ext cx="4114800" cy="365125"/>
+          </a:xfrm>
+        </p:spPr>
+        <p:txBody>
+          <a:bodyPr/>
+          <a:lstStyle/>
+          <a:p>
+            <a:r>
+              <a:rPr lang="en-US" dirty="0"/>
+              <a:t>High Dimensional Fixed Effects</a:t>
+            </a:r>
+          </a:p>
+        </p:txBody>
+      </p:sp>
+    </p:spTree>
+    <p:extLst>
+      <p:ext uri="{BB962C8B-B14F-4D97-AF65-F5344CB8AC3E}">
+        <p14:creationId xmlns:p14="http://schemas.microsoft.com/office/powerpoint/2010/main" val="3814359172"/>
+      </p:ext>
+    </p:extLst>
+  </p:cSld>
+  <p:clrMapOvr>
+    <a:masterClrMapping/>
+  </p:clrMapOvr>
+</p:sld>
+</file>
+
+<file path=ppt/slides/slide19.xml><?xml version="1.0" encoding="utf-8"?>
+<p:sld xmlns:a="http://schemas.openxmlformats.org/drawingml/2006/main" xmlns:r="http://schemas.openxmlformats.org/officeDocument/2006/relationships" xmlns:p="http://schemas.openxmlformats.org/presentationml/2006/main">
+  <p:cSld>
+    <p:spTree>
+      <p:nvGrpSpPr>
+        <p:cNvPr id="1" name="Shape 129"/>
+        <p:cNvGrpSpPr/>
+        <p:nvPr/>
+      </p:nvGrpSpPr>
+      <p:grpSpPr>
+        <a:xfrm>
+          <a:off x="0" y="0"/>
+          <a:ext cx="0" cy="0"/>
+          <a:chOff x="0" y="0"/>
+          <a:chExt cx="0" cy="0"/>
+        </a:xfrm>
+      </p:grpSpPr>
+      <p:sp>
+        <p:nvSpPr>
+          <p:cNvPr id="130" name="Google Shape;130;ge6d407e7a1_0_85"/>
+          <p:cNvSpPr txBox="1">
+            <a:spLocks noGrp="1"/>
+          </p:cNvSpPr>
+          <p:nvPr>
+            <p:ph type="title"/>
+          </p:nvPr>
+        </p:nvSpPr>
+        <p:spPr>
+          <a:xfrm>
+            <a:off x="457200" y="0"/>
+            <a:ext cx="8645700" cy="1143000"/>
+          </a:xfrm>
+          <a:prstGeom prst="rect">
+            <a:avLst/>
+          </a:prstGeom>
+          <a:noFill/>
+          <a:ln>
+            <a:noFill/>
+          </a:ln>
+        </p:spPr>
+        <p:txBody>
+          <a:bodyPr spcFirstLastPara="1" wrap="square" lIns="91425" tIns="45700" rIns="91425" bIns="45700" anchor="ctr" anchorCtr="0">
+            <a:noAutofit/>
+          </a:bodyPr>
+          <a:lstStyle/>
+          <a:p>
+            <a:pPr marL="0" lvl="0" indent="0" algn="l" rtl="0">
+              <a:lnSpc>
+                <a:spcPct val="100000"/>
+              </a:lnSpc>
+              <a:spcBef>
+                <a:spcPts val="0"/>
+              </a:spcBef>
+              <a:spcAft>
+                <a:spcPts val="0"/>
+              </a:spcAft>
+              <a:buSzPts val="3200"/>
+              <a:buNone/>
+            </a:pPr>
+            <a:r>
+              <a:rPr lang="en-US" dirty="0"/>
+              <a:t>Discussion - Revisited</a:t>
+            </a:r>
+            <a:endParaRPr dirty="0"/>
+          </a:p>
+        </p:txBody>
+      </p:sp>
+      <p:sp>
+        <p:nvSpPr>
+          <p:cNvPr id="132" name="Google Shape;132;ge6d407e7a1_0_85"/>
+          <p:cNvSpPr txBox="1">
+            <a:spLocks noGrp="1"/>
+          </p:cNvSpPr>
+          <p:nvPr>
+            <p:ph type="sldNum" idx="12"/>
+          </p:nvPr>
+        </p:nvSpPr>
+        <p:spPr>
+          <a:xfrm>
+            <a:off x="8686800" y="6506896"/>
+            <a:ext cx="416100" cy="365100"/>
+          </a:xfrm>
+          <a:prstGeom prst="rect">
+            <a:avLst/>
+          </a:prstGeom>
+          <a:noFill/>
+          <a:ln>
+            <a:noFill/>
+          </a:ln>
+        </p:spPr>
+        <p:txBody>
+          <a:bodyPr spcFirstLastPara="1" wrap="square" lIns="91425" tIns="45700" rIns="91425" bIns="45700" anchor="ctr" anchorCtr="0">
+            <a:noAutofit/>
+          </a:bodyPr>
+          <a:lstStyle/>
+          <a:p>
+            <a:pPr marL="0" lvl="0" indent="0" algn="r" rtl="0">
+              <a:lnSpc>
+                <a:spcPct val="100000"/>
+              </a:lnSpc>
+              <a:spcBef>
+                <a:spcPts val="0"/>
+              </a:spcBef>
+              <a:spcAft>
+                <a:spcPts val="0"/>
+              </a:spcAft>
+              <a:buSzPts val="1000"/>
+              <a:buNone/>
+            </a:pPr>
+            <a:fld id="{00000000-1234-1234-1234-123412341234}" type="slidenum">
+              <a:rPr lang="en-US"/>
+              <a:t>19</a:t>
+            </a:fld>
+            <a:endParaRPr/>
+          </a:p>
+        </p:txBody>
+      </p:sp>
+      <p:sp>
+        <p:nvSpPr>
+          <p:cNvPr id="133" name="Google Shape;133;ge6d407e7a1_0_85"/>
+          <p:cNvSpPr txBox="1"/>
+          <p:nvPr/>
+        </p:nvSpPr>
+        <p:spPr>
+          <a:xfrm>
+            <a:off x="554325" y="873125"/>
+            <a:ext cx="8132400" cy="3508623"/>
+          </a:xfrm>
+          <a:prstGeom prst="rect">
+            <a:avLst/>
+          </a:prstGeom>
+          <a:noFill/>
+          <a:ln>
+            <a:noFill/>
+          </a:ln>
+        </p:spPr>
+        <p:txBody>
+          <a:bodyPr spcFirstLastPara="1" wrap="square" lIns="91425" tIns="91425" rIns="91425" bIns="91425" anchor="t" anchorCtr="0">
+            <a:spAutoFit/>
+          </a:bodyPr>
+          <a:lstStyle/>
+          <a:p>
+            <a:pPr marL="0" lvl="0" indent="0" algn="l" rtl="0">
+              <a:spcBef>
+                <a:spcPts val="0"/>
+              </a:spcBef>
+              <a:spcAft>
+                <a:spcPts val="0"/>
+              </a:spcAft>
+              <a:buClr>
+                <a:schemeClr val="dk1"/>
+              </a:buClr>
+              <a:buSzPts val="1100"/>
+              <a:buFont typeface="Arial"/>
+              <a:buNone/>
+            </a:pPr>
+            <a:r>
+              <a:rPr lang="en-US" sz="1800" dirty="0">
+                <a:solidFill>
+                  <a:schemeClr val="bg1">
+                    <a:lumMod val="85000"/>
+                  </a:schemeClr>
+                </a:solidFill>
+              </a:rPr>
+              <a:t>Do we really need to create a </a:t>
+            </a:r>
+            <a:r>
+              <a:rPr lang="en-US" sz="1800" dirty="0" err="1">
+                <a:solidFill>
+                  <a:schemeClr val="bg1">
+                    <a:lumMod val="85000"/>
+                  </a:schemeClr>
+                </a:solidFill>
+              </a:rPr>
+              <a:t>conda</a:t>
+            </a:r>
+            <a:r>
+              <a:rPr lang="en-US" sz="1800" dirty="0">
+                <a:solidFill>
+                  <a:schemeClr val="bg1">
+                    <a:lumMod val="85000"/>
+                  </a:schemeClr>
+                </a:solidFill>
+              </a:rPr>
+              <a:t> environment for this? </a:t>
+            </a:r>
+          </a:p>
+          <a:p>
+            <a:pPr marL="0" lvl="0" indent="0" algn="l" rtl="0">
+              <a:spcBef>
+                <a:spcPts val="0"/>
+              </a:spcBef>
+              <a:spcAft>
+                <a:spcPts val="0"/>
+              </a:spcAft>
+              <a:buClr>
+                <a:schemeClr val="dk1"/>
+              </a:buClr>
+              <a:buSzPts val="1100"/>
+              <a:buFont typeface="Arial"/>
+              <a:buNone/>
+            </a:pPr>
+            <a:endParaRPr lang="en-US" sz="1800" dirty="0">
+              <a:solidFill>
+                <a:schemeClr val="bg1">
+                  <a:lumMod val="85000"/>
+                </a:schemeClr>
+              </a:solidFill>
+            </a:endParaRPr>
+          </a:p>
+          <a:p>
+            <a:pPr marL="0" lvl="0" indent="0" algn="l" rtl="0">
+              <a:spcBef>
+                <a:spcPts val="0"/>
+              </a:spcBef>
+              <a:spcAft>
+                <a:spcPts val="0"/>
+              </a:spcAft>
+              <a:buClr>
+                <a:schemeClr val="dk1"/>
+              </a:buClr>
+              <a:buSzPts val="1100"/>
+              <a:buFont typeface="Arial"/>
+              <a:buNone/>
+            </a:pPr>
+            <a:r>
+              <a:rPr lang="en-US" sz="1800" dirty="0">
+                <a:solidFill>
+                  <a:schemeClr val="bg1">
+                    <a:lumMod val="85000"/>
+                  </a:schemeClr>
+                </a:solidFill>
+              </a:rPr>
+              <a:t>Should we have specified package versions in the </a:t>
+            </a:r>
+            <a:r>
+              <a:rPr lang="en-US" sz="1800" dirty="0" err="1">
+                <a:solidFill>
+                  <a:schemeClr val="bg1">
+                    <a:lumMod val="85000"/>
+                  </a:schemeClr>
+                </a:solidFill>
+              </a:rPr>
+              <a:t>yaml</a:t>
+            </a:r>
+            <a:r>
+              <a:rPr lang="en-US" sz="1800" dirty="0">
+                <a:solidFill>
+                  <a:schemeClr val="bg1">
+                    <a:lumMod val="85000"/>
+                  </a:schemeClr>
+                </a:solidFill>
+              </a:rPr>
+              <a:t> file used to install this? 	</a:t>
+            </a:r>
+          </a:p>
+          <a:p>
+            <a:pPr marL="0" lvl="0" indent="0" algn="l" rtl="0">
+              <a:spcBef>
+                <a:spcPts val="0"/>
+              </a:spcBef>
+              <a:spcAft>
+                <a:spcPts val="0"/>
+              </a:spcAft>
+              <a:buClr>
+                <a:schemeClr val="dk1"/>
+              </a:buClr>
+              <a:buSzPts val="1100"/>
+              <a:buFont typeface="Arial"/>
+              <a:buNone/>
+            </a:pPr>
+            <a:endParaRPr lang="en-US" sz="1800" dirty="0">
+              <a:solidFill>
+                <a:schemeClr val="bg1">
+                  <a:lumMod val="85000"/>
+                </a:schemeClr>
+              </a:solidFill>
+              <a:highlight>
+                <a:srgbClr val="CCCCCC"/>
+              </a:highlight>
+              <a:latin typeface="Consolas"/>
+              <a:ea typeface="Consolas"/>
+              <a:cs typeface="Consolas"/>
+              <a:sym typeface="Consolas"/>
+            </a:endParaRPr>
+          </a:p>
+          <a:p>
+            <a:pPr marL="0" lvl="0" indent="0" algn="l" rtl="0">
+              <a:spcBef>
+                <a:spcPts val="0"/>
+              </a:spcBef>
+              <a:spcAft>
+                <a:spcPts val="0"/>
+              </a:spcAft>
+              <a:buClr>
+                <a:schemeClr val="dk1"/>
+              </a:buClr>
+              <a:buSzPts val="1100"/>
+              <a:buFont typeface="Arial"/>
+              <a:buNone/>
+            </a:pPr>
+            <a:r>
+              <a:rPr lang="en-US" sz="1800" dirty="0">
+                <a:solidFill>
+                  <a:schemeClr val="bg1">
+                    <a:lumMod val="85000"/>
+                  </a:schemeClr>
+                </a:solidFill>
+              </a:rPr>
+              <a:t>When you run fixed effects or any other type of regressions on KLC:</a:t>
+            </a:r>
+          </a:p>
+          <a:p>
+            <a:pPr marL="0" lvl="0" indent="0" algn="l" rtl="0">
+              <a:spcBef>
+                <a:spcPts val="0"/>
+              </a:spcBef>
+              <a:spcAft>
+                <a:spcPts val="0"/>
+              </a:spcAft>
+              <a:buClr>
+                <a:schemeClr val="dk1"/>
+              </a:buClr>
+              <a:buSzPts val="1100"/>
+              <a:buFont typeface="Arial"/>
+              <a:buNone/>
+            </a:pPr>
+            <a:endParaRPr lang="en-US" sz="1800" dirty="0">
+              <a:solidFill>
+                <a:schemeClr val="bg1">
+                  <a:lumMod val="85000"/>
+                </a:schemeClr>
+              </a:solidFill>
+            </a:endParaRPr>
+          </a:p>
+          <a:p>
+            <a:pPr marL="285750" lvl="2" indent="342900">
+              <a:buClr>
+                <a:schemeClr val="dk1"/>
+              </a:buClr>
+              <a:buSzPts val="1100"/>
+              <a:buFont typeface="Wingdings" pitchFamily="2" charset="2"/>
+              <a:buChar char="Ø"/>
+            </a:pPr>
+            <a:r>
+              <a:rPr lang="en-US" sz="1800" dirty="0">
+                <a:solidFill>
+                  <a:schemeClr val="bg1">
+                    <a:lumMod val="85000"/>
+                  </a:schemeClr>
+                </a:solidFill>
+              </a:rPr>
+              <a:t>What is your workflow?</a:t>
+            </a:r>
+          </a:p>
+          <a:p>
+            <a:pPr marL="285750" lvl="2">
+              <a:buClr>
+                <a:schemeClr val="dk1"/>
+              </a:buClr>
+              <a:buSzPts val="1100"/>
+            </a:pPr>
+            <a:endParaRPr lang="en-US" sz="1800" dirty="0">
+              <a:solidFill>
+                <a:schemeClr val="bg1">
+                  <a:lumMod val="85000"/>
+                </a:schemeClr>
+              </a:solidFill>
+            </a:endParaRPr>
+          </a:p>
+          <a:p>
+            <a:pPr marL="285750" lvl="2" indent="342900">
+              <a:buClr>
+                <a:schemeClr val="dk1"/>
+              </a:buClr>
+              <a:buSzPts val="1100"/>
+              <a:buFont typeface="Wingdings" pitchFamily="2" charset="2"/>
+              <a:buChar char="Ø"/>
+            </a:pPr>
+            <a:r>
+              <a:rPr lang="en-US" sz="1800" dirty="0">
+                <a:solidFill>
+                  <a:schemeClr val="bg1">
+                    <a:lumMod val="85000"/>
+                  </a:schemeClr>
+                </a:solidFill>
+              </a:rPr>
+              <a:t>What problems do you encounter?</a:t>
+            </a:r>
+          </a:p>
+          <a:p>
+            <a:pPr marL="285750" lvl="2">
+              <a:buClr>
+                <a:schemeClr val="dk1"/>
+              </a:buClr>
+              <a:buSzPts val="1100"/>
+            </a:pPr>
+            <a:endParaRPr lang="en-US" sz="1800" dirty="0">
+              <a:solidFill>
+                <a:schemeClr val="dk1"/>
+              </a:solidFill>
+            </a:endParaRPr>
+          </a:p>
+          <a:p>
+            <a:pPr marL="285750" lvl="2" indent="342900">
+              <a:buClr>
+                <a:schemeClr val="dk1"/>
+              </a:buClr>
+              <a:buSzPts val="1100"/>
+              <a:buFont typeface="Wingdings" pitchFamily="2" charset="2"/>
+              <a:buChar char="Ø"/>
+            </a:pPr>
+            <a:r>
+              <a:rPr lang="en-US" sz="1800" b="1" dirty="0">
+                <a:solidFill>
+                  <a:schemeClr val="dk1"/>
+                </a:solidFill>
+              </a:rPr>
+              <a:t>Will you do anything differently now? </a:t>
+            </a:r>
+            <a:endParaRPr sz="1800" dirty="0">
+              <a:solidFill>
+                <a:schemeClr val="dk1"/>
+              </a:solidFill>
+              <a:highlight>
+                <a:srgbClr val="CCCCCC"/>
+              </a:highlight>
+              <a:latin typeface="Consolas"/>
+              <a:ea typeface="Consolas"/>
+              <a:cs typeface="Consolas"/>
+              <a:sym typeface="Consolas"/>
+            </a:endParaRPr>
+          </a:p>
+        </p:txBody>
+      </p:sp>
+      <p:sp>
+        <p:nvSpPr>
+          <p:cNvPr id="2" name="Footer Placeholder 1">
+            <a:extLst>
+              <a:ext uri="{FF2B5EF4-FFF2-40B4-BE49-F238E27FC236}">
+                <a16:creationId xmlns:a16="http://schemas.microsoft.com/office/drawing/2014/main" id="{5C380214-B135-5368-A8F3-90949D340E4B}"/>
+              </a:ext>
+            </a:extLst>
+          </p:cNvPr>
+          <p:cNvSpPr>
+            <a:spLocks noGrp="1"/>
+          </p:cNvSpPr>
+          <p:nvPr>
+            <p:ph type="ftr" idx="11"/>
+          </p:nvPr>
+        </p:nvSpPr>
+        <p:spPr>
+          <a:xfrm>
+            <a:off x="4572000" y="6506896"/>
+            <a:ext cx="4114800" cy="365125"/>
+          </a:xfrm>
+        </p:spPr>
+        <p:txBody>
+          <a:bodyPr/>
+          <a:lstStyle/>
+          <a:p>
+            <a:r>
+              <a:rPr lang="en-US" dirty="0"/>
+              <a:t>High Dimensional Fixed Effects</a:t>
+            </a:r>
+          </a:p>
+        </p:txBody>
+      </p:sp>
+    </p:spTree>
+    <p:extLst>
+      <p:ext uri="{BB962C8B-B14F-4D97-AF65-F5344CB8AC3E}">
+        <p14:creationId xmlns:p14="http://schemas.microsoft.com/office/powerpoint/2010/main" val="2370221057"/>
+      </p:ext>
+    </p:extLst>
+  </p:cSld>
+  <p:clrMapOvr>
+    <a:masterClrMapping/>
+  </p:clrMapOvr>
+</p:sld>
+</file>
+
+<file path=ppt/slides/slide2.xml><?xml version="1.0" encoding="utf-8"?>
+<p:sld xmlns:a="http://schemas.openxmlformats.org/drawingml/2006/main" xmlns:r="http://schemas.openxmlformats.org/officeDocument/2006/relationships" xmlns:p="http://schemas.openxmlformats.org/presentationml/2006/main">
+  <p:cSld>
+    <p:spTree>
+      <p:nvGrpSpPr>
+        <p:cNvPr id="1" name=""/>
+        <p:cNvGrpSpPr/>
+        <p:nvPr/>
+      </p:nvGrpSpPr>
+      <p:grpSpPr>
+        <a:xfrm>
+          <a:off x="0" y="0"/>
+          <a:ext cx="0" cy="0"/>
+          <a:chOff x="0" y="0"/>
+          <a:chExt cx="0" cy="0"/>
+        </a:xfrm>
+      </p:grpSpPr>
+      <p:sp>
+        <p:nvSpPr>
+          <p:cNvPr id="2" name="Title 1"/>
+          <p:cNvSpPr>
+            <a:spLocks noGrp="1"/>
+          </p:cNvSpPr>
+          <p:nvPr>
+            <p:ph type="title"/>
+          </p:nvPr>
+        </p:nvSpPr>
+        <p:spPr>
+          <a:xfrm>
+            <a:off x="628650" y="292894"/>
+            <a:ext cx="7886700" cy="796517"/>
+          </a:xfrm>
+        </p:spPr>
+        <p:txBody>
+          <a:bodyPr/>
+          <a:lstStyle/>
+          <a:p>
+            <a:r>
+              <a:rPr lang="en-US" dirty="0"/>
+              <a:t>Fixed Effects</a:t>
+            </a:r>
+          </a:p>
+        </p:txBody>
+      </p:sp>
+      <p:sp>
+        <p:nvSpPr>
+          <p:cNvPr id="3" name="Content Placeholder 2"/>
+          <p:cNvSpPr>
+            <a:spLocks noGrp="1"/>
+          </p:cNvSpPr>
+          <p:nvPr>
+            <p:ph idx="1"/>
+          </p:nvPr>
+        </p:nvSpPr>
+        <p:spPr>
+          <a:xfrm>
+            <a:off x="628650" y="1323975"/>
+            <a:ext cx="7886700" cy="4165998"/>
+          </a:xfrm>
+        </p:spPr>
+        <p:txBody>
+          <a:bodyPr/>
+          <a:lstStyle/>
+          <a:p>
+            <a:pPr marL="114300" indent="0">
+              <a:buNone/>
+            </a:pPr>
+            <a:r>
+              <a:rPr lang="en-US" dirty="0"/>
+              <a:t>Fixed effects  / group-specific intercepts are frequently used in econometric models:</a:t>
+            </a:r>
+          </a:p>
+          <a:p>
+            <a:pPr marL="114300" indent="0">
+              <a:buNone/>
+            </a:pPr>
+            <a:endParaRPr lang="en-US" sz="1000" dirty="0"/>
+          </a:p>
+          <a:p>
+            <a:pPr lvl="1"/>
+            <a:r>
+              <a:rPr lang="en-US" dirty="0"/>
+              <a:t>Get rid of omitted variable bias</a:t>
+            </a:r>
+          </a:p>
+          <a:p>
+            <a:pPr marL="533400" lvl="1" indent="0">
+              <a:buNone/>
+            </a:pPr>
+            <a:endParaRPr lang="en-US" sz="1000" dirty="0"/>
+          </a:p>
+          <a:p>
+            <a:pPr lvl="1"/>
+            <a:r>
+              <a:rPr lang="en-US" dirty="0"/>
+              <a:t>Handle potential unobserved heterogeneity</a:t>
+            </a:r>
+          </a:p>
+          <a:p>
+            <a:pPr marL="533400" lvl="1" indent="0">
+              <a:buNone/>
+            </a:pPr>
+            <a:endParaRPr lang="en-US" sz="1000" dirty="0"/>
+          </a:p>
+          <a:p>
+            <a:pPr lvl="1"/>
+            <a:r>
+              <a:rPr lang="en-US" dirty="0"/>
+              <a:t>Increase precision</a:t>
+            </a:r>
+          </a:p>
+          <a:p>
+            <a:endParaRPr lang="en-US" dirty="0"/>
+          </a:p>
+          <a:p>
+            <a:endParaRPr lang="en-US" dirty="0"/>
+          </a:p>
+          <a:p>
+            <a:pPr lvl="1"/>
+            <a:endParaRPr lang="en-US" dirty="0"/>
+          </a:p>
+        </p:txBody>
+      </p:sp>
+      <p:pic>
+        <p:nvPicPr>
+          <p:cNvPr id="5" name="Picture 4" descr="A black rectangular with purple and white lines&#10;&#10;Description automatically generated">
+            <a:extLst>
+              <a:ext uri="{FF2B5EF4-FFF2-40B4-BE49-F238E27FC236}">
+                <a16:creationId xmlns:a16="http://schemas.microsoft.com/office/drawing/2014/main" id="{FEEDB7F1-4653-1AB7-E5F9-F8902ECABA53}"/>
+              </a:ext>
+            </a:extLst>
+          </p:cNvPr>
+          <p:cNvPicPr>
+            <a:picLocks noChangeAspect="1"/>
+          </p:cNvPicPr>
+          <p:nvPr/>
+        </p:nvPicPr>
+        <p:blipFill>
+          <a:blip r:embed="rId3"/>
+          <a:stretch>
+            <a:fillRect/>
+          </a:stretch>
+        </p:blipFill>
+        <p:spPr>
+          <a:xfrm>
+            <a:off x="4318000" y="3639266"/>
+            <a:ext cx="4197350" cy="2219587"/>
+          </a:xfrm>
+          <a:prstGeom prst="rect">
+            <a:avLst/>
+          </a:prstGeom>
+        </p:spPr>
+      </p:pic>
+      <p:sp>
+        <p:nvSpPr>
+          <p:cNvPr id="4" name="Footer Placeholder 1">
+            <a:extLst>
+              <a:ext uri="{FF2B5EF4-FFF2-40B4-BE49-F238E27FC236}">
+                <a16:creationId xmlns:a16="http://schemas.microsoft.com/office/drawing/2014/main" id="{B403FF75-70A0-3F5F-409E-1FE2F533D1B5}"/>
+              </a:ext>
+            </a:extLst>
+          </p:cNvPr>
+          <p:cNvSpPr>
+            <a:spLocks noGrp="1"/>
+          </p:cNvSpPr>
+          <p:nvPr>
+            <p:ph type="ftr" idx="11"/>
+          </p:nvPr>
+        </p:nvSpPr>
+        <p:spPr>
+          <a:xfrm>
+            <a:off x="4572000" y="6506896"/>
+            <a:ext cx="4114800" cy="365125"/>
+          </a:xfrm>
+        </p:spPr>
+        <p:txBody>
+          <a:bodyPr/>
+          <a:lstStyle/>
+          <a:p>
+            <a:r>
+              <a:rPr lang="en-US" dirty="0"/>
+              <a:t>High Dimensional Fixed Effects</a:t>
+            </a:r>
+          </a:p>
+        </p:txBody>
+      </p:sp>
+      <p:sp>
+        <p:nvSpPr>
+          <p:cNvPr id="7" name="Google Shape;132;ge6d407e7a1_0_85">
+            <a:extLst>
+              <a:ext uri="{FF2B5EF4-FFF2-40B4-BE49-F238E27FC236}">
+                <a16:creationId xmlns:a16="http://schemas.microsoft.com/office/drawing/2014/main" id="{70B3A1BD-8FF5-A9D0-1D70-4795F438C0F2}"/>
+              </a:ext>
+            </a:extLst>
+          </p:cNvPr>
+          <p:cNvSpPr txBox="1">
+            <a:spLocks noGrp="1"/>
+          </p:cNvSpPr>
+          <p:nvPr>
+            <p:ph type="sldNum" idx="12"/>
+          </p:nvPr>
+        </p:nvSpPr>
+        <p:spPr>
+          <a:xfrm>
+            <a:off x="8686800" y="6506896"/>
+            <a:ext cx="416100" cy="365100"/>
+          </a:xfrm>
+          <a:prstGeom prst="rect">
+            <a:avLst/>
+          </a:prstGeom>
+          <a:noFill/>
+          <a:ln>
+            <a:noFill/>
+          </a:ln>
+        </p:spPr>
+        <p:txBody>
+          <a:bodyPr spcFirstLastPara="1" wrap="square" lIns="91425" tIns="45700" rIns="91425" bIns="45700" anchor="ctr" anchorCtr="0">
+            <a:noAutofit/>
+          </a:bodyPr>
+          <a:lstStyle/>
+          <a:p>
+            <a:pPr marL="0" lvl="0" indent="0" algn="r" rtl="0">
+              <a:lnSpc>
+                <a:spcPct val="100000"/>
+              </a:lnSpc>
+              <a:spcBef>
+                <a:spcPts val="0"/>
+              </a:spcBef>
+              <a:spcAft>
+                <a:spcPts val="0"/>
+              </a:spcAft>
+              <a:buSzPts val="1000"/>
+              <a:buNone/>
+            </a:pPr>
+            <a:fld id="{00000000-1234-1234-1234-123412341234}" type="slidenum">
+              <a:rPr lang="en-US"/>
+              <a:t>2</a:t>
+            </a:fld>
+            <a:endParaRPr/>
+          </a:p>
+        </p:txBody>
+      </p:sp>
+    </p:spTree>
+    <p:extLst>
+      <p:ext uri="{BB962C8B-B14F-4D97-AF65-F5344CB8AC3E}">
+        <p14:creationId xmlns:p14="http://schemas.microsoft.com/office/powerpoint/2010/main" val="1051653593"/>
+      </p:ext>
+    </p:extLst>
+  </p:cSld>
+  <p:clrMapOvr>
+    <a:masterClrMapping/>
+  </p:clrMapOvr>
+</p:sld>
+</file>
+
+<file path=ppt/slides/slide20.xml><?xml version="1.0" encoding="utf-8"?>
+<p:sld xmlns:a="http://schemas.openxmlformats.org/drawingml/2006/main" xmlns:r="http://schemas.openxmlformats.org/officeDocument/2006/relationships" xmlns:p="http://schemas.openxmlformats.org/presentationml/2006/main">
+  <p:cSld>
+    <p:spTree>
+      <p:nvGrpSpPr>
+        <p:cNvPr id="1" name="Shape 129"/>
+        <p:cNvGrpSpPr/>
+        <p:nvPr/>
+      </p:nvGrpSpPr>
+      <p:grpSpPr>
+        <a:xfrm>
+          <a:off x="0" y="0"/>
+          <a:ext cx="0" cy="0"/>
+          <a:chOff x="0" y="0"/>
+          <a:chExt cx="0" cy="0"/>
+        </a:xfrm>
+      </p:grpSpPr>
+      <p:sp>
+        <p:nvSpPr>
+          <p:cNvPr id="130" name="Google Shape;130;ge6d407e7a1_0_85"/>
+          <p:cNvSpPr txBox="1">
+            <a:spLocks noGrp="1"/>
+          </p:cNvSpPr>
+          <p:nvPr>
+            <p:ph type="title"/>
+          </p:nvPr>
+        </p:nvSpPr>
+        <p:spPr>
+          <a:xfrm>
+            <a:off x="457200" y="0"/>
+            <a:ext cx="8645700" cy="1143000"/>
+          </a:xfrm>
+          <a:prstGeom prst="rect">
+            <a:avLst/>
+          </a:prstGeom>
+          <a:noFill/>
+          <a:ln>
+            <a:noFill/>
+          </a:ln>
+        </p:spPr>
+        <p:txBody>
+          <a:bodyPr spcFirstLastPara="1" wrap="square" lIns="91425" tIns="45700" rIns="91425" bIns="45700" anchor="ctr" anchorCtr="0">
+            <a:noAutofit/>
+          </a:bodyPr>
+          <a:lstStyle/>
+          <a:p>
+            <a:pPr marL="0" lvl="0" indent="0" algn="l" rtl="0">
+              <a:lnSpc>
+                <a:spcPct val="100000"/>
+              </a:lnSpc>
+              <a:spcBef>
+                <a:spcPts val="0"/>
+              </a:spcBef>
+              <a:spcAft>
+                <a:spcPts val="0"/>
+              </a:spcAft>
+              <a:buSzPts val="3200"/>
+              <a:buNone/>
+            </a:pPr>
+            <a:r>
+              <a:rPr lang="en-US" dirty="0"/>
+              <a:t>HD Fixed Effect Example Studies</a:t>
+            </a:r>
+            <a:endParaRPr dirty="0"/>
+          </a:p>
+        </p:txBody>
+      </p:sp>
+      <p:sp>
+        <p:nvSpPr>
+          <p:cNvPr id="132" name="Google Shape;132;ge6d407e7a1_0_85"/>
+          <p:cNvSpPr txBox="1">
+            <a:spLocks noGrp="1"/>
+          </p:cNvSpPr>
+          <p:nvPr>
+            <p:ph type="sldNum" idx="12"/>
+          </p:nvPr>
+        </p:nvSpPr>
+        <p:spPr>
+          <a:xfrm>
+            <a:off x="8686800" y="6506896"/>
+            <a:ext cx="416100" cy="365100"/>
+          </a:xfrm>
+          <a:prstGeom prst="rect">
+            <a:avLst/>
+          </a:prstGeom>
+          <a:noFill/>
+          <a:ln>
+            <a:noFill/>
+          </a:ln>
+        </p:spPr>
+        <p:txBody>
+          <a:bodyPr spcFirstLastPara="1" wrap="square" lIns="91425" tIns="45700" rIns="91425" bIns="45700" anchor="ctr" anchorCtr="0">
+            <a:noAutofit/>
+          </a:bodyPr>
+          <a:lstStyle/>
+          <a:p>
+            <a:pPr marL="0" lvl="0" indent="0" algn="r" rtl="0">
+              <a:lnSpc>
+                <a:spcPct val="100000"/>
+              </a:lnSpc>
+              <a:spcBef>
+                <a:spcPts val="0"/>
+              </a:spcBef>
+              <a:spcAft>
+                <a:spcPts val="0"/>
+              </a:spcAft>
+              <a:buSzPts val="1000"/>
+              <a:buNone/>
+            </a:pPr>
+            <a:fld id="{00000000-1234-1234-1234-123412341234}" type="slidenum">
+              <a:rPr lang="en-US"/>
+              <a:t>20</a:t>
+            </a:fld>
+            <a:endParaRPr/>
+          </a:p>
+        </p:txBody>
+      </p:sp>
+      <p:sp>
+        <p:nvSpPr>
+          <p:cNvPr id="2" name="Content Placeholder 2">
+            <a:extLst>
+              <a:ext uri="{FF2B5EF4-FFF2-40B4-BE49-F238E27FC236}">
+                <a16:creationId xmlns:a16="http://schemas.microsoft.com/office/drawing/2014/main" id="{57656AF7-BF2D-5CE6-FA23-4BE0E2DE17B7}"/>
+              </a:ext>
+            </a:extLst>
+          </p:cNvPr>
+          <p:cNvSpPr txBox="1">
+            <a:spLocks/>
+          </p:cNvSpPr>
+          <p:nvPr/>
+        </p:nvSpPr>
+        <p:spPr>
+          <a:xfrm>
+            <a:off x="183156" y="1037063"/>
+            <a:ext cx="8332194" cy="4474936"/>
+          </a:xfrm>
+          <a:prstGeom prst="rect">
+            <a:avLst/>
+          </a:prstGeom>
+          <a:noFill/>
+          <a:ln>
+            <a:noFill/>
+          </a:ln>
+        </p:spPr>
+        <p:txBody>
+          <a:bodyPr spcFirstLastPara="1" wrap="square" lIns="91425" tIns="45700" rIns="91425" bIns="45700" anchor="t" anchorCtr="0">
+            <a:noAutofit/>
+          </a:bodyPr>
+          <a:lstStyle>
+            <a:defPPr marR="0" lvl="0" algn="l" rtl="0">
+              <a:lnSpc>
+                <a:spcPct val="100000"/>
+              </a:lnSpc>
+              <a:spcBef>
+                <a:spcPts val="0"/>
+              </a:spcBef>
+              <a:spcAft>
+                <a:spcPts val="0"/>
+              </a:spcAft>
+            </a:defPPr>
+            <a:lvl1pPr marL="457200" marR="0" lvl="0" indent="-342900" algn="l" rtl="0">
+              <a:lnSpc>
+                <a:spcPct val="100000"/>
+              </a:lnSpc>
+              <a:spcBef>
+                <a:spcPts val="360"/>
+              </a:spcBef>
+              <a:spcAft>
+                <a:spcPts val="0"/>
+              </a:spcAft>
+              <a:buClr>
+                <a:schemeClr val="dk1"/>
+              </a:buClr>
+              <a:buSzPts val="1800"/>
+              <a:buFont typeface="Arial"/>
+              <a:buChar char="•"/>
+              <a:defRPr sz="2400" b="0" i="0" u="none" strike="noStrike" cap="none">
+                <a:solidFill>
+                  <a:schemeClr val="dk1"/>
+                </a:solidFill>
+                <a:latin typeface="Arial"/>
+                <a:ea typeface="Arial"/>
+                <a:cs typeface="Arial"/>
+                <a:sym typeface="Arial"/>
+              </a:defRPr>
+            </a:lvl1pPr>
+            <a:lvl2pPr marL="914400" marR="0" lvl="1" indent="-381000" algn="l" rtl="0">
+              <a:lnSpc>
+                <a:spcPct val="100000"/>
+              </a:lnSpc>
+              <a:spcBef>
+                <a:spcPts val="480"/>
+              </a:spcBef>
+              <a:spcAft>
+                <a:spcPts val="0"/>
+              </a:spcAft>
+              <a:buClr>
+                <a:schemeClr val="dk1"/>
+              </a:buClr>
+              <a:buSzPts val="2400"/>
+              <a:buFont typeface="Arial"/>
+              <a:buChar char="–"/>
+              <a:defRPr sz="2400" b="0" i="0" u="none" strike="noStrike" cap="none">
+                <a:solidFill>
+                  <a:schemeClr val="dk1"/>
+                </a:solidFill>
+                <a:latin typeface="Arial"/>
+                <a:ea typeface="Arial"/>
+                <a:cs typeface="Arial"/>
+                <a:sym typeface="Arial"/>
+              </a:defRPr>
+            </a:lvl2pPr>
+            <a:lvl3pPr marL="1371600" marR="0" lvl="2" indent="-381000" algn="l" rtl="0">
+              <a:lnSpc>
+                <a:spcPct val="100000"/>
+              </a:lnSpc>
+              <a:spcBef>
+                <a:spcPts val="480"/>
+              </a:spcBef>
+              <a:spcAft>
+                <a:spcPts val="0"/>
+              </a:spcAft>
+              <a:buClr>
+                <a:schemeClr val="dk1"/>
+              </a:buClr>
+              <a:buSzPts val="2400"/>
+              <a:buFont typeface="Arial"/>
+              <a:buChar char="•"/>
+              <a:defRPr sz="2400" b="0" i="0" u="none" strike="noStrike" cap="none">
+                <a:solidFill>
+                  <a:schemeClr val="dk1"/>
+                </a:solidFill>
+                <a:latin typeface="Arial"/>
+                <a:ea typeface="Arial"/>
+                <a:cs typeface="Arial"/>
+                <a:sym typeface="Arial"/>
+              </a:defRPr>
+            </a:lvl3pPr>
+            <a:lvl4pPr marL="1828800" marR="0" lvl="3" indent="-381000" algn="l" rtl="0">
+              <a:lnSpc>
+                <a:spcPct val="100000"/>
+              </a:lnSpc>
+              <a:spcBef>
+                <a:spcPts val="480"/>
+              </a:spcBef>
+              <a:spcAft>
+                <a:spcPts val="0"/>
+              </a:spcAft>
+              <a:buClr>
+                <a:schemeClr val="dk1"/>
+              </a:buClr>
+              <a:buSzPts val="2400"/>
+              <a:buFont typeface="Arial"/>
+              <a:buChar char="–"/>
+              <a:defRPr sz="2400" b="0" i="0" u="none" strike="noStrike" cap="none">
+                <a:solidFill>
+                  <a:schemeClr val="dk1"/>
+                </a:solidFill>
+                <a:latin typeface="Arial"/>
+                <a:ea typeface="Arial"/>
+                <a:cs typeface="Arial"/>
+                <a:sym typeface="Arial"/>
+              </a:defRPr>
+            </a:lvl4pPr>
+            <a:lvl5pPr marL="2286000" marR="0" lvl="4" indent="-381000" algn="l" rtl="0">
+              <a:lnSpc>
+                <a:spcPct val="100000"/>
+              </a:lnSpc>
+              <a:spcBef>
+                <a:spcPts val="480"/>
+              </a:spcBef>
+              <a:spcAft>
+                <a:spcPts val="0"/>
+              </a:spcAft>
+              <a:buClr>
+                <a:schemeClr val="dk1"/>
+              </a:buClr>
+              <a:buSzPts val="2400"/>
+              <a:buFont typeface="Arial"/>
+              <a:buChar char="»"/>
+              <a:defRPr sz="2400" b="0" i="0" u="none" strike="noStrike" cap="none">
+                <a:solidFill>
+                  <a:schemeClr val="dk1"/>
+                </a:solidFill>
+                <a:latin typeface="Arial"/>
+                <a:ea typeface="Arial"/>
+                <a:cs typeface="Arial"/>
+                <a:sym typeface="Arial"/>
+              </a:defRPr>
+            </a:lvl5pPr>
+            <a:lvl6pPr marL="2743200" marR="0" lvl="5" indent="-342900" algn="l" rtl="0">
+              <a:lnSpc>
+                <a:spcPct val="100000"/>
+              </a:lnSpc>
+              <a:spcBef>
+                <a:spcPts val="360"/>
+              </a:spcBef>
+              <a:spcAft>
+                <a:spcPts val="0"/>
+              </a:spcAft>
+              <a:buClr>
+                <a:schemeClr val="dk1"/>
+              </a:buClr>
+              <a:buSzPts val="1800"/>
+              <a:buFont typeface="Arial"/>
+              <a:buChar char="•"/>
+              <a:defRPr sz="2000" b="0" i="0" u="none" strike="noStrike" cap="none">
+                <a:solidFill>
+                  <a:schemeClr val="dk1"/>
+                </a:solidFill>
+                <a:latin typeface="Arial"/>
+                <a:ea typeface="Arial"/>
+                <a:cs typeface="Arial"/>
+                <a:sym typeface="Arial"/>
+              </a:defRPr>
+            </a:lvl6pPr>
+            <a:lvl7pPr marL="3200400" marR="0" lvl="6" indent="-342900" algn="l" rtl="0">
+              <a:lnSpc>
+                <a:spcPct val="100000"/>
+              </a:lnSpc>
+              <a:spcBef>
+                <a:spcPts val="360"/>
+              </a:spcBef>
+              <a:spcAft>
+                <a:spcPts val="0"/>
+              </a:spcAft>
+              <a:buClr>
+                <a:schemeClr val="dk1"/>
+              </a:buClr>
+              <a:buSzPts val="1800"/>
+              <a:buFont typeface="Arial"/>
+              <a:buChar char="•"/>
+              <a:defRPr sz="2000" b="0" i="0" u="none" strike="noStrike" cap="none">
+                <a:solidFill>
+                  <a:schemeClr val="dk1"/>
+                </a:solidFill>
+                <a:latin typeface="Arial"/>
+                <a:ea typeface="Arial"/>
+                <a:cs typeface="Arial"/>
+                <a:sym typeface="Arial"/>
+              </a:defRPr>
+            </a:lvl7pPr>
+            <a:lvl8pPr marL="3657600" marR="0" lvl="7" indent="-342900" algn="l" rtl="0">
+              <a:lnSpc>
+                <a:spcPct val="100000"/>
+              </a:lnSpc>
+              <a:spcBef>
+                <a:spcPts val="360"/>
+              </a:spcBef>
+              <a:spcAft>
+                <a:spcPts val="0"/>
+              </a:spcAft>
+              <a:buClr>
+                <a:schemeClr val="dk1"/>
+              </a:buClr>
+              <a:buSzPts val="1800"/>
+              <a:buFont typeface="Arial"/>
+              <a:buChar char="•"/>
+              <a:defRPr sz="2000" b="0" i="0" u="none" strike="noStrike" cap="none">
+                <a:solidFill>
+                  <a:schemeClr val="dk1"/>
+                </a:solidFill>
+                <a:latin typeface="Arial"/>
+                <a:ea typeface="Arial"/>
+                <a:cs typeface="Arial"/>
+                <a:sym typeface="Arial"/>
+              </a:defRPr>
+            </a:lvl8pPr>
+            <a:lvl9pPr marL="4114800" marR="0" lvl="8" indent="-342900" algn="l" rtl="0">
+              <a:lnSpc>
+                <a:spcPct val="100000"/>
+              </a:lnSpc>
+              <a:spcBef>
+                <a:spcPts val="360"/>
+              </a:spcBef>
+              <a:spcAft>
+                <a:spcPts val="0"/>
+              </a:spcAft>
+              <a:buClr>
+                <a:schemeClr val="dk1"/>
+              </a:buClr>
+              <a:buSzPts val="1800"/>
+              <a:buFont typeface="Arial"/>
+              <a:buChar char="•"/>
+              <a:defRPr sz="2000" b="0" i="0" u="none" strike="noStrike" cap="none">
+                <a:solidFill>
+                  <a:schemeClr val="dk1"/>
+                </a:solidFill>
+                <a:latin typeface="Arial"/>
+                <a:ea typeface="Arial"/>
+                <a:cs typeface="Arial"/>
+                <a:sym typeface="Arial"/>
+              </a:defRPr>
+            </a:lvl9pPr>
+          </a:lstStyle>
+          <a:p>
+            <a:pPr marL="114300" indent="0" algn="l">
+              <a:buNone/>
+            </a:pPr>
+            <a:r>
+              <a:rPr lang="en-US" sz="1800" b="1" i="0" dirty="0">
+                <a:solidFill>
+                  <a:schemeClr val="tx1"/>
+                </a:solidFill>
+                <a:effectLst/>
+                <a:latin typeface="Arial" panose="020B0604020202020204" pitchFamily="34" charset="0"/>
+                <a:cs typeface="Arial" panose="020B0604020202020204" pitchFamily="34" charset="0"/>
+              </a:rPr>
+              <a:t>Environmental Economics</a:t>
+            </a:r>
+            <a:endParaRPr lang="en-US" sz="1800" b="0" i="0" dirty="0">
+              <a:solidFill>
+                <a:schemeClr val="tx1"/>
+              </a:solidFill>
+              <a:effectLst/>
+              <a:latin typeface="Arial" panose="020B0604020202020204" pitchFamily="34" charset="0"/>
+              <a:cs typeface="Arial" panose="020B0604020202020204" pitchFamily="34" charset="0"/>
+            </a:endParaRPr>
+          </a:p>
+          <a:p>
+            <a:pPr marL="457200" lvl="1" indent="0">
+              <a:buNone/>
+            </a:pPr>
+            <a:r>
+              <a:rPr lang="en-US" sz="1800" b="0" i="0" dirty="0">
+                <a:solidFill>
+                  <a:schemeClr val="tx1"/>
+                </a:solidFill>
+                <a:effectLst/>
+                <a:latin typeface="Arial" panose="020B0604020202020204" pitchFamily="34" charset="0"/>
+                <a:cs typeface="Arial" panose="020B0604020202020204" pitchFamily="34" charset="0"/>
+              </a:rPr>
+              <a:t>Study: Impact of Green Regulations on Firm Emissions</a:t>
+            </a:r>
+          </a:p>
+          <a:p>
+            <a:pPr marL="457200" lvl="1" indent="0">
+              <a:buNone/>
+            </a:pPr>
+            <a:r>
+              <a:rPr lang="en-US" sz="1800" b="0" i="0" dirty="0">
+                <a:solidFill>
+                  <a:schemeClr val="tx1"/>
+                </a:solidFill>
+                <a:effectLst/>
+                <a:latin typeface="Arial" panose="020B0604020202020204" pitchFamily="34" charset="0"/>
+                <a:cs typeface="Arial" panose="020B0604020202020204" pitchFamily="34" charset="0"/>
+              </a:rPr>
+              <a:t>Method: Fixed effects control for unobserved firm-specific characteristics and regulatory effects.</a:t>
+            </a:r>
+          </a:p>
+          <a:p>
+            <a:pPr marL="114300" indent="0" algn="l">
+              <a:buNone/>
+            </a:pPr>
+            <a:r>
+              <a:rPr lang="en-US" sz="1800" b="1" i="0" dirty="0">
+                <a:solidFill>
+                  <a:schemeClr val="tx1"/>
+                </a:solidFill>
+                <a:effectLst/>
+                <a:latin typeface="Arial" panose="020B0604020202020204" pitchFamily="34" charset="0"/>
+                <a:cs typeface="Arial" panose="020B0604020202020204" pitchFamily="34" charset="0"/>
+              </a:rPr>
+              <a:t>Labor Economics</a:t>
+            </a:r>
+            <a:endParaRPr lang="en-US" sz="1800" b="0" i="0" dirty="0">
+              <a:solidFill>
+                <a:schemeClr val="tx1"/>
+              </a:solidFill>
+              <a:effectLst/>
+              <a:latin typeface="Arial" panose="020B0604020202020204" pitchFamily="34" charset="0"/>
+              <a:cs typeface="Arial" panose="020B0604020202020204" pitchFamily="34" charset="0"/>
+            </a:endParaRPr>
+          </a:p>
+          <a:p>
+            <a:pPr marL="457200" lvl="1" indent="0" algn="l">
+              <a:buNone/>
+            </a:pPr>
+            <a:r>
+              <a:rPr lang="en-US" sz="1800" b="0" i="0" dirty="0">
+                <a:solidFill>
+                  <a:schemeClr val="tx1"/>
+                </a:solidFill>
+                <a:effectLst/>
+                <a:latin typeface="Arial" panose="020B0604020202020204" pitchFamily="34" charset="0"/>
+                <a:cs typeface="Arial" panose="020B0604020202020204" pitchFamily="34" charset="0"/>
+              </a:rPr>
+              <a:t>Study: Gender Wage Gap Over Time</a:t>
+            </a:r>
+          </a:p>
+          <a:p>
+            <a:pPr marL="457200" lvl="1" indent="0" algn="l">
+              <a:buNone/>
+            </a:pPr>
+            <a:r>
+              <a:rPr lang="en-US" sz="1800" b="0" i="0" dirty="0">
+                <a:solidFill>
+                  <a:schemeClr val="tx1"/>
+                </a:solidFill>
+                <a:effectLst/>
+                <a:latin typeface="Arial" panose="020B0604020202020204" pitchFamily="34" charset="0"/>
+                <a:cs typeface="Arial" panose="020B0604020202020204" pitchFamily="34" charset="0"/>
+              </a:rPr>
+              <a:t>Method: Fixed effects capture gender-specific wage differentials by controlling for time-invariant factors.</a:t>
+            </a:r>
+          </a:p>
+          <a:p>
+            <a:pPr marL="0" indent="0">
+              <a:buNone/>
+            </a:pPr>
+            <a:r>
+              <a:rPr lang="en-US" sz="1800" b="1" i="0" dirty="0">
+                <a:solidFill>
+                  <a:schemeClr val="tx1"/>
+                </a:solidFill>
+                <a:effectLst/>
+                <a:latin typeface="Arial" panose="020B0604020202020204" pitchFamily="34" charset="0"/>
+                <a:cs typeface="Arial" panose="020B0604020202020204" pitchFamily="34" charset="0"/>
+              </a:rPr>
+              <a:t>Health Economics</a:t>
+            </a:r>
+            <a:endParaRPr lang="en-US" sz="1800" b="0" i="0" dirty="0">
+              <a:solidFill>
+                <a:schemeClr val="tx1"/>
+              </a:solidFill>
+              <a:effectLst/>
+              <a:latin typeface="Arial" panose="020B0604020202020204" pitchFamily="34" charset="0"/>
+              <a:cs typeface="Arial" panose="020B0604020202020204" pitchFamily="34" charset="0"/>
+            </a:endParaRPr>
+          </a:p>
+          <a:p>
+            <a:pPr marL="457200" lvl="1" indent="0" algn="l">
+              <a:buNone/>
+            </a:pPr>
+            <a:r>
+              <a:rPr lang="en-US" sz="1800" b="0" i="0" dirty="0">
+                <a:solidFill>
+                  <a:schemeClr val="tx1"/>
+                </a:solidFill>
+                <a:effectLst/>
+                <a:latin typeface="Arial" panose="020B0604020202020204" pitchFamily="34" charset="0"/>
+                <a:cs typeface="Arial" panose="020B0604020202020204" pitchFamily="34" charset="0"/>
+              </a:rPr>
+              <a:t>Study: Effects of Universal Healthcare on Health Outcomes</a:t>
+            </a:r>
+          </a:p>
+          <a:p>
+            <a:pPr marL="457200" lvl="1" indent="0" algn="l">
+              <a:buNone/>
+            </a:pPr>
+            <a:r>
+              <a:rPr lang="en-US" sz="1800" b="0" i="0" dirty="0">
+                <a:solidFill>
+                  <a:schemeClr val="tx1"/>
+                </a:solidFill>
+                <a:effectLst/>
+                <a:latin typeface="Arial" panose="020B0604020202020204" pitchFamily="34" charset="0"/>
+                <a:cs typeface="Arial" panose="020B0604020202020204" pitchFamily="34" charset="0"/>
+              </a:rPr>
+              <a:t>Method: Fixed effects account for unobserved health-related characteristics and policy impacts.</a:t>
+            </a:r>
+          </a:p>
+          <a:p>
+            <a:pPr marL="114300" indent="0" algn="l">
+              <a:buNone/>
+            </a:pPr>
+            <a:r>
+              <a:rPr lang="en-US" sz="1800" b="1" i="0" dirty="0">
+                <a:solidFill>
+                  <a:schemeClr val="tx1"/>
+                </a:solidFill>
+                <a:effectLst/>
+                <a:latin typeface="Arial" panose="020B0604020202020204" pitchFamily="34" charset="0"/>
+                <a:cs typeface="Arial" panose="020B0604020202020204" pitchFamily="34" charset="0"/>
+              </a:rPr>
+              <a:t>Finance</a:t>
+            </a:r>
+            <a:endParaRPr lang="en-US" sz="1800" b="0" i="0" dirty="0">
+              <a:solidFill>
+                <a:schemeClr val="tx1"/>
+              </a:solidFill>
+              <a:effectLst/>
+              <a:latin typeface="Arial" panose="020B0604020202020204" pitchFamily="34" charset="0"/>
+              <a:cs typeface="Arial" panose="020B0604020202020204" pitchFamily="34" charset="0"/>
+            </a:endParaRPr>
+          </a:p>
+          <a:p>
+            <a:pPr marL="457200" lvl="1" indent="0" algn="l">
+              <a:buNone/>
+            </a:pPr>
+            <a:r>
+              <a:rPr lang="en-US" sz="1800" b="0" i="0" dirty="0">
+                <a:solidFill>
+                  <a:schemeClr val="tx1"/>
+                </a:solidFill>
+                <a:effectLst/>
+                <a:latin typeface="Arial" panose="020B0604020202020204" pitchFamily="34" charset="0"/>
+                <a:cs typeface="Arial" panose="020B0604020202020204" pitchFamily="34" charset="0"/>
+              </a:rPr>
+              <a:t>Study: Determinants of Stock Returns Across Industries</a:t>
+            </a:r>
+          </a:p>
+          <a:p>
+            <a:pPr marL="457200" lvl="1" indent="0" algn="l">
+              <a:buNone/>
+            </a:pPr>
+            <a:r>
+              <a:rPr lang="en-US" sz="1800" b="0" i="0" dirty="0">
+                <a:solidFill>
+                  <a:schemeClr val="tx1"/>
+                </a:solidFill>
+                <a:effectLst/>
+                <a:latin typeface="Arial" panose="020B0604020202020204" pitchFamily="34" charset="0"/>
+                <a:cs typeface="Arial" panose="020B0604020202020204" pitchFamily="34" charset="0"/>
+              </a:rPr>
+              <a:t>Method: Fixed effects control for industry-specific factors influencing stock performance.</a:t>
+            </a:r>
+          </a:p>
+          <a:p>
+            <a:pPr marL="114300" indent="0" algn="l">
+              <a:buNone/>
+            </a:pPr>
+            <a:br>
+              <a:rPr lang="en-US" sz="1800" b="0" i="0" dirty="0">
+                <a:solidFill>
+                  <a:srgbClr val="000000"/>
+                </a:solidFill>
+                <a:effectLst/>
+                <a:latin typeface="Arial" panose="020B0604020202020204" pitchFamily="34" charset="0"/>
+                <a:cs typeface="Arial" panose="020B0604020202020204" pitchFamily="34" charset="0"/>
+              </a:rPr>
+            </a:br>
+            <a:endParaRPr lang="en-US" sz="1800" b="0" i="0" dirty="0">
+              <a:solidFill>
+                <a:srgbClr val="000000"/>
+              </a:solidFill>
+              <a:effectLst/>
+              <a:latin typeface="Arial" panose="020B0604020202020204" pitchFamily="34" charset="0"/>
+              <a:cs typeface="Arial" panose="020B0604020202020204" pitchFamily="34" charset="0"/>
+            </a:endParaRPr>
+          </a:p>
+          <a:p>
+            <a:pPr marL="114300" indent="0">
+              <a:buNone/>
+            </a:pPr>
+            <a:endParaRPr lang="en-US" sz="1800" dirty="0">
+              <a:latin typeface="Arial" panose="020B0604020202020204" pitchFamily="34" charset="0"/>
+              <a:cs typeface="Arial" panose="020B0604020202020204" pitchFamily="34" charset="0"/>
+            </a:endParaRPr>
+          </a:p>
+          <a:p>
+            <a:pPr marL="114300" indent="0">
+              <a:buNone/>
+            </a:pPr>
+            <a:endParaRPr lang="en-US" sz="1800" dirty="0">
+              <a:latin typeface="Arial" panose="020B0604020202020204" pitchFamily="34" charset="0"/>
+              <a:cs typeface="Arial" panose="020B0604020202020204" pitchFamily="34" charset="0"/>
+            </a:endParaRPr>
+          </a:p>
+          <a:p>
+            <a:endParaRPr lang="en-US" sz="1800" dirty="0">
+              <a:latin typeface="Arial" panose="020B0604020202020204" pitchFamily="34" charset="0"/>
+              <a:cs typeface="Arial" panose="020B0604020202020204" pitchFamily="34" charset="0"/>
+            </a:endParaRPr>
+          </a:p>
+          <a:p>
+            <a:endParaRPr lang="en-US" sz="1800" dirty="0">
+              <a:latin typeface="Arial" panose="020B0604020202020204" pitchFamily="34" charset="0"/>
+              <a:cs typeface="Arial" panose="020B0604020202020204" pitchFamily="34" charset="0"/>
+            </a:endParaRPr>
+          </a:p>
+          <a:p>
+            <a:pPr lvl="1"/>
+            <a:endParaRPr lang="en-US" dirty="0"/>
+          </a:p>
+        </p:txBody>
+      </p:sp>
+      <p:sp>
+        <p:nvSpPr>
+          <p:cNvPr id="3" name="Footer Placeholder 1">
+            <a:extLst>
+              <a:ext uri="{FF2B5EF4-FFF2-40B4-BE49-F238E27FC236}">
+                <a16:creationId xmlns:a16="http://schemas.microsoft.com/office/drawing/2014/main" id="{0D40BD4A-586B-904D-4440-9A2F41B686E4}"/>
+              </a:ext>
+            </a:extLst>
+          </p:cNvPr>
+          <p:cNvSpPr>
+            <a:spLocks noGrp="1"/>
+          </p:cNvSpPr>
+          <p:nvPr>
+            <p:ph type="ftr" idx="11"/>
+          </p:nvPr>
+        </p:nvSpPr>
+        <p:spPr>
+          <a:xfrm>
+            <a:off x="4572000" y="6506896"/>
+            <a:ext cx="4114800" cy="365125"/>
+          </a:xfrm>
+        </p:spPr>
+        <p:txBody>
+          <a:bodyPr/>
+          <a:lstStyle/>
+          <a:p>
+            <a:r>
+              <a:rPr lang="en-US" dirty="0"/>
+              <a:t>High Dimensional Fixed Effects</a:t>
+            </a:r>
+          </a:p>
+        </p:txBody>
+      </p:sp>
+    </p:spTree>
+    <p:extLst>
+      <p:ext uri="{BB962C8B-B14F-4D97-AF65-F5344CB8AC3E}">
+        <p14:creationId xmlns:p14="http://schemas.microsoft.com/office/powerpoint/2010/main" val="2881356080"/>
+      </p:ext>
+    </p:extLst>
+  </p:cSld>
+  <p:clrMapOvr>
+    <a:masterClrMapping/>
+  </p:clrMapOvr>
+</p:sld>
+</file>
+
+<file path=ppt/slides/slide21.xml><?xml version="1.0" encoding="utf-8"?>
+<p:sld xmlns:a="http://schemas.openxmlformats.org/drawingml/2006/main" xmlns:r="http://schemas.openxmlformats.org/officeDocument/2006/relationships" xmlns:p="http://schemas.openxmlformats.org/presentationml/2006/main">
+  <p:cSld>
+    <p:spTree>
+      <p:nvGrpSpPr>
+        <p:cNvPr id="1" name="Shape 129"/>
+        <p:cNvGrpSpPr/>
+        <p:nvPr/>
+      </p:nvGrpSpPr>
+      <p:grpSpPr>
+        <a:xfrm>
+          <a:off x="0" y="0"/>
+          <a:ext cx="0" cy="0"/>
+          <a:chOff x="0" y="0"/>
+          <a:chExt cx="0" cy="0"/>
+        </a:xfrm>
+      </p:grpSpPr>
+      <p:sp>
+        <p:nvSpPr>
+          <p:cNvPr id="130" name="Google Shape;130;ge6d407e7a1_0_85"/>
+          <p:cNvSpPr txBox="1">
+            <a:spLocks noGrp="1"/>
+          </p:cNvSpPr>
+          <p:nvPr>
+            <p:ph type="title"/>
+          </p:nvPr>
+        </p:nvSpPr>
+        <p:spPr>
+          <a:xfrm>
+            <a:off x="457200" y="0"/>
+            <a:ext cx="8645700" cy="1143000"/>
+          </a:xfrm>
+          <a:prstGeom prst="rect">
+            <a:avLst/>
+          </a:prstGeom>
+          <a:noFill/>
+          <a:ln>
+            <a:noFill/>
+          </a:ln>
+        </p:spPr>
+        <p:txBody>
+          <a:bodyPr spcFirstLastPara="1" wrap="square" lIns="91425" tIns="45700" rIns="91425" bIns="45700" anchor="ctr" anchorCtr="0">
+            <a:noAutofit/>
+          </a:bodyPr>
+          <a:lstStyle/>
+          <a:p>
+            <a:pPr marL="0" lvl="0" indent="0" algn="l" rtl="0">
+              <a:lnSpc>
+                <a:spcPct val="100000"/>
+              </a:lnSpc>
+              <a:spcBef>
+                <a:spcPts val="0"/>
+              </a:spcBef>
+              <a:spcAft>
+                <a:spcPts val="0"/>
+              </a:spcAft>
+              <a:buSzPts val="3200"/>
+              <a:buNone/>
+            </a:pPr>
+            <a:r>
+              <a:rPr lang="en-US" dirty="0"/>
+              <a:t>Takeaways:</a:t>
+            </a:r>
+            <a:endParaRPr dirty="0"/>
+          </a:p>
+        </p:txBody>
+      </p:sp>
+      <p:sp>
+        <p:nvSpPr>
+          <p:cNvPr id="132" name="Google Shape;132;ge6d407e7a1_0_85"/>
+          <p:cNvSpPr txBox="1">
+            <a:spLocks noGrp="1"/>
+          </p:cNvSpPr>
+          <p:nvPr>
+            <p:ph type="sldNum" idx="12"/>
+          </p:nvPr>
+        </p:nvSpPr>
+        <p:spPr>
+          <a:xfrm>
+            <a:off x="8686800" y="6506896"/>
+            <a:ext cx="416100" cy="365100"/>
+          </a:xfrm>
+          <a:prstGeom prst="rect">
+            <a:avLst/>
+          </a:prstGeom>
+          <a:noFill/>
+          <a:ln>
+            <a:noFill/>
+          </a:ln>
+        </p:spPr>
+        <p:txBody>
+          <a:bodyPr spcFirstLastPara="1" wrap="square" lIns="91425" tIns="45700" rIns="91425" bIns="45700" anchor="ctr" anchorCtr="0">
+            <a:noAutofit/>
+          </a:bodyPr>
+          <a:lstStyle/>
+          <a:p>
+            <a:pPr marL="0" lvl="0" indent="0" algn="r" rtl="0">
+              <a:lnSpc>
+                <a:spcPct val="100000"/>
+              </a:lnSpc>
+              <a:spcBef>
+                <a:spcPts val="0"/>
+              </a:spcBef>
+              <a:spcAft>
+                <a:spcPts val="0"/>
+              </a:spcAft>
+              <a:buSzPts val="1000"/>
+              <a:buNone/>
+            </a:pPr>
+            <a:fld id="{00000000-1234-1234-1234-123412341234}" type="slidenum">
+              <a:rPr lang="en-US"/>
+              <a:t>21</a:t>
             </a:fld>
             <a:endParaRPr/>
           </a:p>
@@ -17309,7 +20498,7 @@
 </p:sld>
 </file>
 
-<file path=ppt/slides/slide18.xml><?xml version="1.0" encoding="utf-8"?>
+<file path=ppt/slides/slide22.xml><?xml version="1.0" encoding="utf-8"?>
 <p:sld xmlns:a="http://schemas.openxmlformats.org/drawingml/2006/main" xmlns:r="http://schemas.openxmlformats.org/officeDocument/2006/relationships" xmlns:p="http://schemas.openxmlformats.org/presentationml/2006/main">
   <p:cSld>
     <p:spTree>
@@ -17497,7 +20686,7 @@
             </a:pPr>
             <a:fld id="{00000000-1234-1234-1234-123412341234}" type="slidenum">
               <a:rPr lang="en-US"/>
-              <a:t>18</a:t>
+              <a:t>22</a:t>
             </a:fld>
             <a:endParaRPr/>
           </a:p>
@@ -17516,7 +20705,7 @@
 </p:sld>
 </file>
 
-<file path=ppt/slides/slide19.xml><?xml version="1.0" encoding="utf-8"?>
+<file path=ppt/slides/slide23.xml><?xml version="1.0" encoding="utf-8"?>
 <p:sld xmlns:a="http://schemas.openxmlformats.org/drawingml/2006/main" xmlns:r="http://schemas.openxmlformats.org/officeDocument/2006/relationships" xmlns:p="http://schemas.openxmlformats.org/presentationml/2006/main">
   <p:cSld>
     <p:spTree>
@@ -17674,7 +20863,7 @@
             </a:pPr>
             <a:fld id="{00000000-1234-1234-1234-123412341234}" type="slidenum">
               <a:rPr lang="en-US"/>
-              <a:t>19</a:t>
+              <a:t>23</a:t>
             </a:fld>
             <a:endParaRPr/>
           </a:p>
@@ -17684,261 +20873,6 @@
     <p:extLst>
       <p:ext uri="{BB962C8B-B14F-4D97-AF65-F5344CB8AC3E}">
         <p14:creationId xmlns:p14="http://schemas.microsoft.com/office/powerpoint/2010/main" val="4276276075"/>
-      </p:ext>
-    </p:extLst>
-  </p:cSld>
-  <p:clrMapOvr>
-    <a:masterClrMapping/>
-  </p:clrMapOvr>
-</p:sld>
-</file>
-
-<file path=ppt/slides/slide2.xml><?xml version="1.0" encoding="utf-8"?>
-<p:sld xmlns:a="http://schemas.openxmlformats.org/drawingml/2006/main" xmlns:r="http://schemas.openxmlformats.org/officeDocument/2006/relationships" xmlns:p="http://schemas.openxmlformats.org/presentationml/2006/main">
-  <p:cSld>
-    <p:spTree>
-      <p:nvGrpSpPr>
-        <p:cNvPr id="1" name=""/>
-        <p:cNvGrpSpPr/>
-        <p:nvPr/>
-      </p:nvGrpSpPr>
-      <p:grpSpPr>
-        <a:xfrm>
-          <a:off x="0" y="0"/>
-          <a:ext cx="0" cy="0"/>
-          <a:chOff x="0" y="0"/>
-          <a:chExt cx="0" cy="0"/>
-        </a:xfrm>
-      </p:grpSpPr>
-      <p:sp>
-        <p:nvSpPr>
-          <p:cNvPr id="2" name="Title 1"/>
-          <p:cNvSpPr>
-            <a:spLocks noGrp="1"/>
-          </p:cNvSpPr>
-          <p:nvPr>
-            <p:ph type="title"/>
-          </p:nvPr>
-        </p:nvSpPr>
-        <p:spPr>
-          <a:xfrm>
-            <a:off x="628650" y="292894"/>
-            <a:ext cx="7886700" cy="796517"/>
-          </a:xfrm>
-        </p:spPr>
-        <p:txBody>
-          <a:bodyPr/>
-          <a:lstStyle/>
-          <a:p>
-            <a:r>
-              <a:rPr lang="en-US" dirty="0"/>
-              <a:t>Fixed Effects</a:t>
-            </a:r>
-          </a:p>
-        </p:txBody>
-      </p:sp>
-      <p:sp>
-        <p:nvSpPr>
-          <p:cNvPr id="3" name="Content Placeholder 2"/>
-          <p:cNvSpPr>
-            <a:spLocks noGrp="1"/>
-          </p:cNvSpPr>
-          <p:nvPr>
-            <p:ph idx="1"/>
-          </p:nvPr>
-        </p:nvSpPr>
-        <p:spPr>
-          <a:xfrm>
-            <a:off x="628650" y="1323975"/>
-            <a:ext cx="7886700" cy="4165998"/>
-          </a:xfrm>
-        </p:spPr>
-        <p:txBody>
-          <a:bodyPr/>
-          <a:lstStyle/>
-          <a:p>
-            <a:pPr marL="114300" indent="0">
-              <a:buNone/>
-            </a:pPr>
-            <a:r>
-              <a:rPr lang="en-US" dirty="0"/>
-              <a:t>Fixed effects  / group-specific intercepts are frequently used in econometric models:</a:t>
-            </a:r>
-          </a:p>
-          <a:p>
-            <a:pPr marL="114300" indent="0">
-              <a:buNone/>
-            </a:pPr>
-            <a:endParaRPr lang="en-US" sz="1000" dirty="0"/>
-          </a:p>
-          <a:p>
-            <a:pPr lvl="1"/>
-            <a:r>
-              <a:rPr lang="en-US" dirty="0"/>
-              <a:t>Get rid of omitted variable bias</a:t>
-            </a:r>
-          </a:p>
-          <a:p>
-            <a:pPr marL="533400" lvl="1" indent="0">
-              <a:buNone/>
-            </a:pPr>
-            <a:endParaRPr lang="en-US" sz="1000" dirty="0"/>
-          </a:p>
-          <a:p>
-            <a:pPr lvl="1"/>
-            <a:r>
-              <a:rPr lang="en-US" dirty="0"/>
-              <a:t>Handle potential unobserved heterogeneity</a:t>
-            </a:r>
-          </a:p>
-          <a:p>
-            <a:pPr marL="533400" lvl="1" indent="0">
-              <a:buNone/>
-            </a:pPr>
-            <a:endParaRPr lang="en-US" sz="1000" dirty="0"/>
-          </a:p>
-          <a:p>
-            <a:pPr lvl="1"/>
-            <a:r>
-              <a:rPr lang="en-US" dirty="0"/>
-              <a:t>Increase precision</a:t>
-            </a:r>
-          </a:p>
-          <a:p>
-            <a:endParaRPr lang="en-US" dirty="0"/>
-          </a:p>
-          <a:p>
-            <a:endParaRPr lang="en-US" dirty="0"/>
-          </a:p>
-          <a:p>
-            <a:pPr lvl="1"/>
-            <a:endParaRPr lang="en-US" dirty="0"/>
-          </a:p>
-        </p:txBody>
-      </p:sp>
-      <p:pic>
-        <p:nvPicPr>
-          <p:cNvPr id="5" name="Picture 4" descr="A black rectangular with purple and white lines&#10;&#10;Description automatically generated">
-            <a:extLst>
-              <a:ext uri="{FF2B5EF4-FFF2-40B4-BE49-F238E27FC236}">
-                <a16:creationId xmlns:a16="http://schemas.microsoft.com/office/drawing/2014/main" id="{FEEDB7F1-4653-1AB7-E5F9-F8902ECABA53}"/>
-              </a:ext>
-            </a:extLst>
-          </p:cNvPr>
-          <p:cNvPicPr>
-            <a:picLocks noChangeAspect="1"/>
-          </p:cNvPicPr>
-          <p:nvPr/>
-        </p:nvPicPr>
-        <p:blipFill>
-          <a:blip r:embed="rId3"/>
-          <a:stretch>
-            <a:fillRect/>
-          </a:stretch>
-        </p:blipFill>
-        <p:spPr>
-          <a:xfrm>
-            <a:off x="4318000" y="3639266"/>
-            <a:ext cx="4197350" cy="2219587"/>
-          </a:xfrm>
-          <a:prstGeom prst="rect">
-            <a:avLst/>
-          </a:prstGeom>
-        </p:spPr>
-      </p:pic>
-      <p:sp>
-        <p:nvSpPr>
-          <p:cNvPr id="4" name="Footer Placeholder 1">
-            <a:extLst>
-              <a:ext uri="{FF2B5EF4-FFF2-40B4-BE49-F238E27FC236}">
-                <a16:creationId xmlns:a16="http://schemas.microsoft.com/office/drawing/2014/main" id="{B403FF75-70A0-3F5F-409E-1FE2F533D1B5}"/>
-              </a:ext>
-            </a:extLst>
-          </p:cNvPr>
-          <p:cNvSpPr>
-            <a:spLocks noGrp="1"/>
-          </p:cNvSpPr>
-          <p:nvPr>
-            <p:ph type="ftr" idx="11"/>
-          </p:nvPr>
-        </p:nvSpPr>
-        <p:spPr>
-          <a:xfrm>
-            <a:off x="4572000" y="6506896"/>
-            <a:ext cx="4114800" cy="365125"/>
-          </a:xfrm>
-        </p:spPr>
-        <p:txBody>
-          <a:bodyPr/>
-          <a:lstStyle/>
-          <a:p>
-            <a:r>
-              <a:rPr lang="en-US" dirty="0"/>
-              <a:t>High Dimensional Fixed Effects</a:t>
-            </a:r>
-          </a:p>
-        </p:txBody>
-      </p:sp>
-      <p:sp>
-        <p:nvSpPr>
-          <p:cNvPr id="7" name="Google Shape;132;ge6d407e7a1_0_85">
-            <a:extLst>
-              <a:ext uri="{FF2B5EF4-FFF2-40B4-BE49-F238E27FC236}">
-                <a16:creationId xmlns:a16="http://schemas.microsoft.com/office/drawing/2014/main" id="{70B3A1BD-8FF5-A9D0-1D70-4795F438C0F2}"/>
-              </a:ext>
-            </a:extLst>
-          </p:cNvPr>
-          <p:cNvSpPr txBox="1">
-            <a:spLocks noGrp="1"/>
-          </p:cNvSpPr>
-          <p:nvPr>
-            <p:ph type="sldNum" idx="12"/>
-          </p:nvPr>
-        </p:nvSpPr>
-        <p:spPr>
-          <a:xfrm>
-            <a:off x="8686800" y="6506896"/>
-            <a:ext cx="416100" cy="365100"/>
-          </a:xfrm>
-          <a:prstGeom prst="rect">
-            <a:avLst/>
-          </a:prstGeom>
-          <a:noFill/>
-          <a:ln>
-            <a:noFill/>
-          </a:ln>
-        </p:spPr>
-        <p:txBody>
-          <a:bodyPr spcFirstLastPara="1" wrap="square" lIns="91425" tIns="45700" rIns="91425" bIns="45700" anchor="ctr" anchorCtr="0">
-            <a:noAutofit/>
-          </a:bodyPr>
-          <a:lstStyle/>
-          <a:p>
-            <a:pPr marL="0" lvl="0" indent="0" algn="r" rtl="0">
-              <a:lnSpc>
-                <a:spcPct val="100000"/>
-              </a:lnSpc>
-              <a:spcBef>
-                <a:spcPts val="0"/>
-              </a:spcBef>
-              <a:spcAft>
-                <a:spcPts val="0"/>
-              </a:spcAft>
-              <a:buSzPts val="1000"/>
-              <a:buNone/>
-            </a:pPr>
-            <a:fld id="{00000000-1234-1234-1234-123412341234}" type="slidenum">
-              <a:rPr lang="en-US"/>
-              <a:t>2</a:t>
-            </a:fld>
-            <a:endParaRPr/>
-          </a:p>
-        </p:txBody>
-      </p:sp>
-    </p:spTree>
-    <p:extLst>
-      <p:ext uri="{BB962C8B-B14F-4D97-AF65-F5344CB8AC3E}">
-        <p14:creationId xmlns:p14="http://schemas.microsoft.com/office/powerpoint/2010/main" val="1051653593"/>
       </p:ext>
     </p:extLst>
   </p:cSld>
